--- a/Presentation-Kennzahlen.pptx
+++ b/Presentation-Kennzahlen.pptx
@@ -5,17 +5,31 @@
     <p:sldMasterId id="2147483828" r:id="rId4"/>
   </p:sldMasterIdLst>
   <p:notesMasterIdLst>
-    <p:notesMasterId r:id="rId10"/>
+    <p:notesMasterId r:id="rId24"/>
   </p:notesMasterIdLst>
   <p:handoutMasterIdLst>
-    <p:handoutMasterId r:id="rId11"/>
+    <p:handoutMasterId r:id="rId25"/>
   </p:handoutMasterIdLst>
   <p:sldIdLst>
     <p:sldId id="256" r:id="rId5"/>
-    <p:sldId id="257" r:id="rId6"/>
-    <p:sldId id="258" r:id="rId7"/>
-    <p:sldId id="259" r:id="rId8"/>
-    <p:sldId id="260" r:id="rId9"/>
+    <p:sldId id="263" r:id="rId6"/>
+    <p:sldId id="264" r:id="rId7"/>
+    <p:sldId id="267" r:id="rId8"/>
+    <p:sldId id="268" r:id="rId9"/>
+    <p:sldId id="269" r:id="rId10"/>
+    <p:sldId id="271" r:id="rId11"/>
+    <p:sldId id="270" r:id="rId12"/>
+    <p:sldId id="274" r:id="rId13"/>
+    <p:sldId id="275" r:id="rId14"/>
+    <p:sldId id="272" r:id="rId15"/>
+    <p:sldId id="273" r:id="rId16"/>
+    <p:sldId id="261" r:id="rId17"/>
+    <p:sldId id="262" r:id="rId18"/>
+    <p:sldId id="266" r:id="rId19"/>
+    <p:sldId id="257" r:id="rId20"/>
+    <p:sldId id="258" r:id="rId21"/>
+    <p:sldId id="259" r:id="rId22"/>
+    <p:sldId id="260" r:id="rId23"/>
   </p:sldIdLst>
   <p:sldSz cx="12192000" cy="6858000"/>
   <p:notesSz cx="6858000" cy="9144000"/>
@@ -128,7 +142,7 @@
 <file path=ppt/charts/chart1.xml><?xml version="1.0" encoding="utf-8"?>
 <c:chartSpace xmlns:c="http://schemas.openxmlformats.org/drawingml/2006/chart" xmlns:a="http://schemas.openxmlformats.org/drawingml/2006/main" xmlns:r="http://schemas.openxmlformats.org/officeDocument/2006/relationships" xmlns:c16r2="http://schemas.microsoft.com/office/drawing/2015/06/chart">
   <c:date1904 val="0"/>
-  <c:lang val="en-US"/>
+  <c:lang val="de-DE"/>
   <c:roundedCorners val="0"/>
   <mc:AlternateContent xmlns:mc="http://schemas.openxmlformats.org/markup-compatibility/2006">
     <mc:Choice xmlns:c14="http://schemas.microsoft.com/office/drawing/2007/8/2/chart" Requires="c14">
@@ -3092,6 +3106,21 @@
             </a:lnSpc>
           </a:pPr>
           <a:r>
+            <a:rPr lang="en-US" noProof="0" dirty="0" err="1">
+              <a:solidFill>
+                <a:schemeClr val="bg1"/>
+              </a:solidFill>
+              <a:effectLst>
+                <a:glow rad="152400">
+                  <a:schemeClr val="bg1">
+                    <a:alpha val="19000"/>
+                  </a:schemeClr>
+                </a:glow>
+              </a:effectLst>
+            </a:rPr>
+            <a:t>Geht</a:t>
+          </a:r>
+          <a:r>
             <a:rPr lang="en-US" noProof="0" dirty="0">
               <a:solidFill>
                 <a:schemeClr val="bg1"/>
@@ -3104,7 +3133,67 @@
                 </a:glow>
               </a:effectLst>
             </a:rPr>
-            <a:t>When to Buy</a:t>
+            <a:t> es </a:t>
+          </a:r>
+          <a:r>
+            <a:rPr lang="en-US" noProof="0" dirty="0" err="1">
+              <a:solidFill>
+                <a:schemeClr val="bg1"/>
+              </a:solidFill>
+              <a:effectLst>
+                <a:glow rad="152400">
+                  <a:schemeClr val="bg1">
+                    <a:alpha val="19000"/>
+                  </a:schemeClr>
+                </a:glow>
+              </a:effectLst>
+            </a:rPr>
+            <a:t>meinem</a:t>
+          </a:r>
+          <a:r>
+            <a:rPr lang="en-US" noProof="0" dirty="0">
+              <a:solidFill>
+                <a:schemeClr val="bg1"/>
+              </a:solidFill>
+              <a:effectLst>
+                <a:glow rad="152400">
+                  <a:schemeClr val="bg1">
+                    <a:alpha val="19000"/>
+                  </a:schemeClr>
+                </a:glow>
+              </a:effectLst>
+            </a:rPr>
+            <a:t> </a:t>
+          </a:r>
+          <a:r>
+            <a:rPr lang="en-US" noProof="0" dirty="0" err="1">
+              <a:solidFill>
+                <a:schemeClr val="bg1"/>
+              </a:solidFill>
+              <a:effectLst>
+                <a:glow rad="152400">
+                  <a:schemeClr val="bg1">
+                    <a:alpha val="19000"/>
+                  </a:schemeClr>
+                </a:glow>
+              </a:effectLst>
+            </a:rPr>
+            <a:t>Unternehmen</a:t>
+          </a:r>
+          <a:r>
+            <a:rPr lang="en-US" noProof="0" dirty="0">
+              <a:solidFill>
+                <a:schemeClr val="bg1"/>
+              </a:solidFill>
+              <a:effectLst>
+                <a:glow rad="152400">
+                  <a:schemeClr val="bg1">
+                    <a:alpha val="19000"/>
+                  </a:schemeClr>
+                </a:glow>
+              </a:effectLst>
+            </a:rPr>
+            <a:t> gut?</a:t>
           </a:r>
         </a:p>
       </dgm:t>
@@ -3153,7 +3242,7 @@
         </a:p>
       </dgm:t>
     </dgm:pt>
-    <dgm:pt modelId="{14BC708E-A0A1-4102-88E4-E75128B4E51E}">
+    <dgm:pt modelId="{C6D21269-399B-4BA2-8621-C7B9DA1E1B8F}">
       <dgm:prSet/>
       <dgm:spPr/>
       <dgm:t>
@@ -3165,6 +3254,21 @@
               <a:spcPct val="100000"/>
             </a:lnSpc>
           </a:pPr>
+          <a:r>
+            <a:rPr lang="en-US" noProof="0" dirty="0" err="1">
+              <a:solidFill>
+                <a:schemeClr val="bg1"/>
+              </a:solidFill>
+              <a:effectLst>
+                <a:glow rad="152400">
+                  <a:schemeClr val="bg1">
+                    <a:alpha val="19000"/>
+                  </a:schemeClr>
+                </a:glow>
+              </a:effectLst>
+            </a:rPr>
+            <a:t>Habe</a:t>
+          </a:r>
           <a:r>
             <a:rPr lang="en-US" noProof="0" dirty="0">
               <a:solidFill>
@@ -3178,12 +3282,162 @@
                 </a:glow>
               </a:effectLst>
             </a:rPr>
-            <a:t>When to Sell</a:t>
+            <a:t> ich </a:t>
+          </a:r>
+          <a:r>
+            <a:rPr lang="en-US" noProof="0" dirty="0" err="1">
+              <a:solidFill>
+                <a:schemeClr val="bg1"/>
+              </a:solidFill>
+              <a:effectLst>
+                <a:glow rad="152400">
+                  <a:schemeClr val="bg1">
+                    <a:alpha val="19000"/>
+                  </a:schemeClr>
+                </a:glow>
+              </a:effectLst>
+            </a:rPr>
+            <a:t>mich</a:t>
+          </a:r>
+          <a:r>
+            <a:rPr lang="en-US" noProof="0" dirty="0">
+              <a:solidFill>
+                <a:schemeClr val="bg1"/>
+              </a:solidFill>
+              <a:effectLst>
+                <a:glow rad="152400">
+                  <a:schemeClr val="bg1">
+                    <a:alpha val="19000"/>
+                  </a:schemeClr>
+                </a:glow>
+              </a:effectLst>
+            </a:rPr>
+            <a:t> </a:t>
+          </a:r>
+          <a:r>
+            <a:rPr lang="en-US" noProof="0" dirty="0" err="1">
+              <a:solidFill>
+                <a:schemeClr val="bg1"/>
+              </a:solidFill>
+              <a:effectLst>
+                <a:glow rad="152400">
+                  <a:schemeClr val="bg1">
+                    <a:alpha val="19000"/>
+                  </a:schemeClr>
+                </a:glow>
+              </a:effectLst>
+            </a:rPr>
+            <a:t>noch</a:t>
+          </a:r>
+          <a:r>
+            <a:rPr lang="en-US" noProof="0" dirty="0">
+              <a:solidFill>
+                <a:schemeClr val="bg1"/>
+              </a:solidFill>
+              <a:effectLst>
+                <a:glow rad="152400">
+                  <a:schemeClr val="bg1">
+                    <a:alpha val="19000"/>
+                  </a:schemeClr>
+                </a:glow>
+              </a:effectLst>
+            </a:rPr>
+            <a:t> </a:t>
+          </a:r>
+          <a:r>
+            <a:rPr lang="en-US" noProof="0" dirty="0" err="1">
+              <a:solidFill>
+                <a:schemeClr val="bg1"/>
+              </a:solidFill>
+              <a:effectLst>
+                <a:glow rad="152400">
+                  <a:schemeClr val="bg1">
+                    <a:alpha val="19000"/>
+                  </a:schemeClr>
+                </a:glow>
+              </a:effectLst>
+            </a:rPr>
+            <a:t>ein</a:t>
+          </a:r>
+          <a:r>
+            <a:rPr lang="en-US" noProof="0" dirty="0">
+              <a:solidFill>
+                <a:schemeClr val="bg1"/>
+              </a:solidFill>
+              <a:effectLst>
+                <a:glow rad="152400">
+                  <a:schemeClr val="bg1">
+                    <a:alpha val="19000"/>
+                  </a:schemeClr>
+                </a:glow>
+              </a:effectLst>
+            </a:rPr>
+            <a:t> </a:t>
+          </a:r>
+          <a:r>
+            <a:rPr lang="en-US" noProof="0" dirty="0" err="1">
+              <a:solidFill>
+                <a:schemeClr val="bg1"/>
+              </a:solidFill>
+              <a:effectLst>
+                <a:glow rad="152400">
+                  <a:schemeClr val="bg1">
+                    <a:alpha val="19000"/>
+                  </a:schemeClr>
+                </a:glow>
+              </a:effectLst>
+            </a:rPr>
+            <a:t>Jahr</a:t>
+          </a:r>
+          <a:r>
+            <a:rPr lang="en-US" noProof="0" dirty="0">
+              <a:solidFill>
+                <a:schemeClr val="bg1"/>
+              </a:solidFill>
+              <a:effectLst>
+                <a:glow rad="152400">
+                  <a:schemeClr val="bg1">
+                    <a:alpha val="19000"/>
+                  </a:schemeClr>
+                </a:glow>
+              </a:effectLst>
+            </a:rPr>
+            <a:t> </a:t>
+          </a:r>
+          <a:r>
+            <a:rPr lang="en-US" noProof="0" dirty="0" err="1">
+              <a:solidFill>
+                <a:schemeClr val="bg1"/>
+              </a:solidFill>
+              <a:effectLst>
+                <a:glow rad="152400">
+                  <a:schemeClr val="bg1">
+                    <a:alpha val="19000"/>
+                  </a:schemeClr>
+                </a:glow>
+              </a:effectLst>
+            </a:rPr>
+            <a:t>durchgedrückt</a:t>
+          </a:r>
+          <a:r>
+            <a:rPr lang="en-US" noProof="0" dirty="0">
+              <a:solidFill>
+                <a:schemeClr val="bg1"/>
+              </a:solidFill>
+              <a:effectLst>
+                <a:glow rad="152400">
+                  <a:schemeClr val="bg1">
+                    <a:alpha val="19000"/>
+                  </a:schemeClr>
+                </a:glow>
+              </a:effectLst>
+            </a:rPr>
+            <a:t>?</a:t>
           </a:r>
         </a:p>
       </dgm:t>
     </dgm:pt>
-    <dgm:pt modelId="{CF221EFF-354A-47A9-A498-1F0BBF01ECB8}" type="parTrans" cxnId="{EB9839C5-F324-41C4-8950-5284E09FB71E}">
+    <dgm:pt modelId="{C79B0F2C-DDB4-44EB-89F7-717146B88B10}" type="sibTrans" cxnId="{E4AD895B-72A4-4A6B-A7F4-C77A53EC51BC}">
       <dgm:prSet/>
       <dgm:spPr/>
       <dgm:t>
@@ -3202,6 +3456,163 @@
               </a:glow>
             </a:effectLst>
           </a:endParaRPr>
+        </a:p>
+      </dgm:t>
+    </dgm:pt>
+    <dgm:pt modelId="{AA3929B3-1058-4240-AD5D-9518D4976567}" type="parTrans" cxnId="{E4AD895B-72A4-4A6B-A7F4-C77A53EC51BC}">
+      <dgm:prSet/>
+      <dgm:spPr/>
+      <dgm:t>
+        <a:bodyPr/>
+        <a:lstStyle/>
+        <a:p>
+          <a:endParaRPr lang="en-US" noProof="0">
+            <a:solidFill>
+              <a:schemeClr val="bg1"/>
+            </a:solidFill>
+            <a:effectLst>
+              <a:glow rad="152400">
+                <a:schemeClr val="bg1">
+                  <a:alpha val="19000"/>
+                </a:schemeClr>
+              </a:glow>
+            </a:effectLst>
+          </a:endParaRPr>
+        </a:p>
+      </dgm:t>
+    </dgm:pt>
+    <dgm:pt modelId="{14BC708E-A0A1-4102-88E4-E75128B4E51E}">
+      <dgm:prSet/>
+      <dgm:spPr/>
+      <dgm:t>
+        <a:bodyPr/>
+        <a:lstStyle/>
+        <a:p>
+          <a:pPr>
+            <a:lnSpc>
+              <a:spcPct val="100000"/>
+            </a:lnSpc>
+          </a:pPr>
+          <a:r>
+            <a:rPr lang="en-US" noProof="0" dirty="0" err="1">
+              <a:solidFill>
+                <a:schemeClr val="bg1"/>
+              </a:solidFill>
+              <a:effectLst>
+                <a:glow rad="152400">
+                  <a:schemeClr val="bg1">
+                    <a:alpha val="19000"/>
+                  </a:schemeClr>
+                </a:glow>
+              </a:effectLst>
+            </a:rPr>
+            <a:t>Geht</a:t>
+          </a:r>
+          <a:r>
+            <a:rPr lang="en-US" noProof="0" dirty="0">
+              <a:solidFill>
+                <a:schemeClr val="bg1"/>
+              </a:solidFill>
+              <a:effectLst>
+                <a:glow rad="152400">
+                  <a:schemeClr val="bg1">
+                    <a:alpha val="19000"/>
+                  </a:schemeClr>
+                </a:glow>
+              </a:effectLst>
+            </a:rPr>
+            <a:t> es </a:t>
+          </a:r>
+          <a:r>
+            <a:rPr lang="en-US" noProof="0" dirty="0" err="1">
+              <a:solidFill>
+                <a:schemeClr val="bg1"/>
+              </a:solidFill>
+              <a:effectLst>
+                <a:glow rad="152400">
+                  <a:schemeClr val="bg1">
+                    <a:alpha val="19000"/>
+                  </a:schemeClr>
+                </a:glow>
+              </a:effectLst>
+            </a:rPr>
+            <a:t>meinem</a:t>
+          </a:r>
+          <a:r>
+            <a:rPr lang="en-US" noProof="0" dirty="0">
+              <a:solidFill>
+                <a:schemeClr val="bg1"/>
+              </a:solidFill>
+              <a:effectLst>
+                <a:glow rad="152400">
+                  <a:schemeClr val="bg1">
+                    <a:alpha val="19000"/>
+                  </a:schemeClr>
+                </a:glow>
+              </a:effectLst>
+            </a:rPr>
+            <a:t> </a:t>
+          </a:r>
+          <a:r>
+            <a:rPr lang="en-US" noProof="0" dirty="0" err="1">
+              <a:solidFill>
+                <a:schemeClr val="bg1"/>
+              </a:solidFill>
+              <a:effectLst>
+                <a:glow rad="152400">
+                  <a:schemeClr val="bg1">
+                    <a:alpha val="19000"/>
+                  </a:schemeClr>
+                </a:glow>
+              </a:effectLst>
+            </a:rPr>
+            <a:t>Unternehmen</a:t>
+          </a:r>
+          <a:r>
+            <a:rPr lang="en-US" noProof="0" dirty="0">
+              <a:solidFill>
+                <a:schemeClr val="bg1"/>
+              </a:solidFill>
+              <a:effectLst>
+                <a:glow rad="152400">
+                  <a:schemeClr val="bg1">
+                    <a:alpha val="19000"/>
+                  </a:schemeClr>
+                </a:glow>
+              </a:effectLst>
+            </a:rPr>
+            <a:t> </a:t>
+          </a:r>
+          <a:r>
+            <a:rPr lang="en-US" noProof="0" dirty="0" err="1">
+              <a:solidFill>
+                <a:schemeClr val="bg1"/>
+              </a:solidFill>
+              <a:effectLst>
+                <a:glow rad="152400">
+                  <a:schemeClr val="bg1">
+                    <a:alpha val="19000"/>
+                  </a:schemeClr>
+                </a:glow>
+              </a:effectLst>
+            </a:rPr>
+            <a:t>schlecht</a:t>
+          </a:r>
+          <a:r>
+            <a:rPr lang="en-US" noProof="0" dirty="0">
+              <a:solidFill>
+                <a:schemeClr val="bg1"/>
+              </a:solidFill>
+              <a:effectLst>
+                <a:glow rad="152400">
+                  <a:schemeClr val="bg1">
+                    <a:alpha val="19000"/>
+                  </a:schemeClr>
+                </a:glow>
+              </a:effectLst>
+            </a:rPr>
+            <a:t>?</a:t>
+          </a:r>
         </a:p>
       </dgm:t>
     </dgm:pt>
@@ -3227,59 +3638,7 @@
         </a:p>
       </dgm:t>
     </dgm:pt>
-    <dgm:pt modelId="{C6D21269-399B-4BA2-8621-C7B9DA1E1B8F}">
-      <dgm:prSet/>
-      <dgm:spPr/>
-      <dgm:t>
-        <a:bodyPr/>
-        <a:lstStyle/>
-        <a:p>
-          <a:pPr>
-            <a:lnSpc>
-              <a:spcPct val="100000"/>
-            </a:lnSpc>
-          </a:pPr>
-          <a:r>
-            <a:rPr lang="en-US" noProof="0" dirty="0">
-              <a:solidFill>
-                <a:schemeClr val="bg1"/>
-              </a:solidFill>
-              <a:effectLst>
-                <a:glow rad="152400">
-                  <a:schemeClr val="bg1">
-                    <a:alpha val="19000"/>
-                  </a:schemeClr>
-                </a:glow>
-              </a:effectLst>
-            </a:rPr>
-            <a:t>When to Hold</a:t>
-          </a:r>
-        </a:p>
-      </dgm:t>
-    </dgm:pt>
-    <dgm:pt modelId="{AA3929B3-1058-4240-AD5D-9518D4976567}" type="parTrans" cxnId="{E4AD895B-72A4-4A6B-A7F4-C77A53EC51BC}">
-      <dgm:prSet/>
-      <dgm:spPr/>
-      <dgm:t>
-        <a:bodyPr/>
-        <a:lstStyle/>
-        <a:p>
-          <a:endParaRPr lang="en-US" noProof="0">
-            <a:solidFill>
-              <a:schemeClr val="bg1"/>
-            </a:solidFill>
-            <a:effectLst>
-              <a:glow rad="152400">
-                <a:schemeClr val="bg1">
-                  <a:alpha val="19000"/>
-                </a:schemeClr>
-              </a:glow>
-            </a:effectLst>
-          </a:endParaRPr>
-        </a:p>
-      </dgm:t>
-    </dgm:pt>
-    <dgm:pt modelId="{C79B0F2C-DDB4-44EB-89F7-717146B88B10}" type="sibTrans" cxnId="{E4AD895B-72A4-4A6B-A7F4-C77A53EC51BC}">
+    <dgm:pt modelId="{CF221EFF-354A-47A9-A498-1F0BBF01ECB8}" type="parTrans" cxnId="{EB9839C5-F324-41C4-8950-5284E09FB71E}">
       <dgm:prSet/>
       <dgm:spPr/>
       <dgm:t>
@@ -3334,13 +3693,14 @@
           <a:blip xmlns:r="http://schemas.openxmlformats.org/officeDocument/2006/relationships" r:embed="rId1">
             <a:extLst>
               <a:ext uri="{28A0092B-C50C-407E-A947-70E740481C1C}">
-                <a14:useLocalDpi xmlns:a14="http://schemas.microsoft.com/office/drawing/2010/main"/>
+                <a14:useLocalDpi xmlns:a14="http://schemas.microsoft.com/office/drawing/2010/main" val="0"/>
               </a:ext>
               <a:ext uri="{96DAC541-7B7A-43D3-8B79-37D633B846F1}">
                 <asvg:svgBlip xmlns:asvg="http://schemas.microsoft.com/office/drawing/2016/SVG/main" r:embed="rId2"/>
               </a:ext>
             </a:extLst>
           </a:blip>
+          <a:srcRect/>
           <a:stretch>
             <a:fillRect/>
           </a:stretch>
@@ -3351,7 +3711,7 @@
       </dgm:spPr>
       <dgm:extLst>
         <a:ext uri="{E40237B7-FDA0-4F09-8148-C483321AD2D9}">
-          <dgm14:cNvPr xmlns:dgm14="http://schemas.microsoft.com/office/drawing/2010/diagram" id="0" name="" descr="Shopping cart"/>
+          <dgm14:cNvPr xmlns:dgm14="http://schemas.microsoft.com/office/drawing/2010/diagram" id="0" name="" descr="Lachendes Gesicht ohne Füllung"/>
         </a:ext>
       </dgm:extLst>
     </dgm:pt>
@@ -3403,14 +3763,12 @@
         <a:blipFill>
           <a:blip xmlns:r="http://schemas.openxmlformats.org/officeDocument/2006/relationships" r:embed="rId3">
             <a:extLst>
-              <a:ext uri="{28A0092B-C50C-407E-A947-70E740481C1C}">
-                <a14:useLocalDpi xmlns:a14="http://schemas.microsoft.com/office/drawing/2010/main" val="0"/>
-              </a:ext>
               <a:ext uri="{96DAC541-7B7A-43D3-8B79-37D633B846F1}">
                 <asvg:svgBlip xmlns:asvg="http://schemas.microsoft.com/office/drawing/2016/SVG/main" r:embed="rId4"/>
               </a:ext>
             </a:extLst>
           </a:blip>
+          <a:srcRect/>
           <a:stretch>
             <a:fillRect/>
           </a:stretch>
@@ -3421,7 +3779,7 @@
       </dgm:spPr>
       <dgm:extLst>
         <a:ext uri="{E40237B7-FDA0-4F09-8148-C483321AD2D9}">
-          <dgm14:cNvPr xmlns:dgm14="http://schemas.microsoft.com/office/drawing/2010/diagram" id="0" name="" descr="Handshake"/>
+          <dgm14:cNvPr xmlns:dgm14="http://schemas.microsoft.com/office/drawing/2010/diagram" id="0" name="" descr="Weinendes Gesicht ohne Füllung"/>
         </a:ext>
       </dgm:extLst>
     </dgm:pt>
@@ -3473,14 +3831,12 @@
         <a:blipFill>
           <a:blip xmlns:r="http://schemas.openxmlformats.org/officeDocument/2006/relationships" r:embed="rId5">
             <a:extLst>
-              <a:ext uri="{28A0092B-C50C-407E-A947-70E740481C1C}">
-                <a14:useLocalDpi xmlns:a14="http://schemas.microsoft.com/office/drawing/2010/main"/>
-              </a:ext>
               <a:ext uri="{96DAC541-7B7A-43D3-8B79-37D633B846F1}">
                 <asvg:svgBlip xmlns:asvg="http://schemas.microsoft.com/office/drawing/2016/SVG/main" r:embed="rId6"/>
               </a:ext>
             </a:extLst>
           </a:blip>
+          <a:srcRect/>
           <a:stretch>
             <a:fillRect/>
           </a:stretch>
@@ -3491,7 +3847,7 @@
       </dgm:spPr>
       <dgm:extLst>
         <a:ext uri="{E40237B7-FDA0-4F09-8148-C483321AD2D9}">
-          <dgm14:cNvPr xmlns:dgm14="http://schemas.microsoft.com/office/drawing/2010/diagram" id="0" name="" descr="Close"/>
+          <dgm14:cNvPr xmlns:dgm14="http://schemas.microsoft.com/office/drawing/2010/diagram" id="0" name="" descr="Gesicht mit Zunge ohne Füllung"/>
         </a:ext>
       </dgm:extLst>
     </dgm:pt>
@@ -4297,13 +4653,14 @@
           <a:blip xmlns:r="http://schemas.openxmlformats.org/officeDocument/2006/relationships" r:embed="rId1">
             <a:extLst>
               <a:ext uri="{28A0092B-C50C-407E-A947-70E740481C1C}">
-                <a14:useLocalDpi xmlns:a14="http://schemas.microsoft.com/office/drawing/2010/main"/>
+                <a14:useLocalDpi xmlns:a14="http://schemas.microsoft.com/office/drawing/2010/main" val="0"/>
               </a:ext>
               <a:ext uri="{96DAC541-7B7A-43D3-8B79-37D633B846F1}">
                 <asvg:svgBlip xmlns:asvg="http://schemas.microsoft.com/office/drawing/2016/SVG/main" r:embed="rId2"/>
               </a:ext>
             </a:extLst>
           </a:blip>
+          <a:srcRect/>
           <a:stretch>
             <a:fillRect/>
           </a:stretch>
@@ -4378,6 +4735,21 @@
             <a:buNone/>
           </a:pPr>
           <a:r>
+            <a:rPr lang="en-US" sz="2500" kern="1200" noProof="0" dirty="0" err="1">
+              <a:solidFill>
+                <a:schemeClr val="bg1"/>
+              </a:solidFill>
+              <a:effectLst>
+                <a:glow rad="152400">
+                  <a:schemeClr val="bg1">
+                    <a:alpha val="19000"/>
+                  </a:schemeClr>
+                </a:glow>
+              </a:effectLst>
+            </a:rPr>
+            <a:t>Geht</a:t>
+          </a:r>
+          <a:r>
             <a:rPr lang="en-US" sz="2500" kern="1200" noProof="0" dirty="0">
               <a:solidFill>
                 <a:schemeClr val="bg1"/>
@@ -4390,7 +4762,67 @@
                 </a:glow>
               </a:effectLst>
             </a:rPr>
-            <a:t>When to Buy</a:t>
+            <a:t> es </a:t>
+          </a:r>
+          <a:r>
+            <a:rPr lang="en-US" sz="2500" kern="1200" noProof="0" dirty="0" err="1">
+              <a:solidFill>
+                <a:schemeClr val="bg1"/>
+              </a:solidFill>
+              <a:effectLst>
+                <a:glow rad="152400">
+                  <a:schemeClr val="bg1">
+                    <a:alpha val="19000"/>
+                  </a:schemeClr>
+                </a:glow>
+              </a:effectLst>
+            </a:rPr>
+            <a:t>meinem</a:t>
+          </a:r>
+          <a:r>
+            <a:rPr lang="en-US" sz="2500" kern="1200" noProof="0" dirty="0">
+              <a:solidFill>
+                <a:schemeClr val="bg1"/>
+              </a:solidFill>
+              <a:effectLst>
+                <a:glow rad="152400">
+                  <a:schemeClr val="bg1">
+                    <a:alpha val="19000"/>
+                  </a:schemeClr>
+                </a:glow>
+              </a:effectLst>
+            </a:rPr>
+            <a:t> </a:t>
+          </a:r>
+          <a:r>
+            <a:rPr lang="en-US" sz="2500" kern="1200" noProof="0" dirty="0" err="1">
+              <a:solidFill>
+                <a:schemeClr val="bg1"/>
+              </a:solidFill>
+              <a:effectLst>
+                <a:glow rad="152400">
+                  <a:schemeClr val="bg1">
+                    <a:alpha val="19000"/>
+                  </a:schemeClr>
+                </a:glow>
+              </a:effectLst>
+            </a:rPr>
+            <a:t>Unternehmen</a:t>
+          </a:r>
+          <a:r>
+            <a:rPr lang="en-US" sz="2500" kern="1200" noProof="0" dirty="0">
+              <a:solidFill>
+                <a:schemeClr val="bg1"/>
+              </a:solidFill>
+              <a:effectLst>
+                <a:glow rad="152400">
+                  <a:schemeClr val="bg1">
+                    <a:alpha val="19000"/>
+                  </a:schemeClr>
+                </a:glow>
+              </a:effectLst>
+            </a:rPr>
+            <a:t> gut?</a:t>
           </a:r>
         </a:p>
       </dsp:txBody>
@@ -4451,14 +4883,12 @@
         <a:blipFill>
           <a:blip xmlns:r="http://schemas.openxmlformats.org/officeDocument/2006/relationships" r:embed="rId3">
             <a:extLst>
-              <a:ext uri="{28A0092B-C50C-407E-A947-70E740481C1C}">
-                <a14:useLocalDpi xmlns:a14="http://schemas.microsoft.com/office/drawing/2010/main" val="0"/>
-              </a:ext>
               <a:ext uri="{96DAC541-7B7A-43D3-8B79-37D633B846F1}">
                 <asvg:svgBlip xmlns:asvg="http://schemas.microsoft.com/office/drawing/2016/SVG/main" r:embed="rId4"/>
               </a:ext>
             </a:extLst>
           </a:blip>
+          <a:srcRect/>
           <a:stretch>
             <a:fillRect/>
           </a:stretch>
@@ -4533,6 +4963,21 @@
             <a:buNone/>
           </a:pPr>
           <a:r>
+            <a:rPr lang="en-US" sz="2500" kern="1200" noProof="0" dirty="0" err="1">
+              <a:solidFill>
+                <a:schemeClr val="bg1"/>
+              </a:solidFill>
+              <a:effectLst>
+                <a:glow rad="152400">
+                  <a:schemeClr val="bg1">
+                    <a:alpha val="19000"/>
+                  </a:schemeClr>
+                </a:glow>
+              </a:effectLst>
+            </a:rPr>
+            <a:t>Geht</a:t>
+          </a:r>
+          <a:r>
             <a:rPr lang="en-US" sz="2500" kern="1200" noProof="0" dirty="0">
               <a:solidFill>
                 <a:schemeClr val="bg1"/>
@@ -4545,7 +4990,97 @@
                 </a:glow>
               </a:effectLst>
             </a:rPr>
-            <a:t>When to Sell</a:t>
+            <a:t> es </a:t>
+          </a:r>
+          <a:r>
+            <a:rPr lang="en-US" sz="2500" kern="1200" noProof="0" dirty="0" err="1">
+              <a:solidFill>
+                <a:schemeClr val="bg1"/>
+              </a:solidFill>
+              <a:effectLst>
+                <a:glow rad="152400">
+                  <a:schemeClr val="bg1">
+                    <a:alpha val="19000"/>
+                  </a:schemeClr>
+                </a:glow>
+              </a:effectLst>
+            </a:rPr>
+            <a:t>meinem</a:t>
+          </a:r>
+          <a:r>
+            <a:rPr lang="en-US" sz="2500" kern="1200" noProof="0" dirty="0">
+              <a:solidFill>
+                <a:schemeClr val="bg1"/>
+              </a:solidFill>
+              <a:effectLst>
+                <a:glow rad="152400">
+                  <a:schemeClr val="bg1">
+                    <a:alpha val="19000"/>
+                  </a:schemeClr>
+                </a:glow>
+              </a:effectLst>
+            </a:rPr>
+            <a:t> </a:t>
+          </a:r>
+          <a:r>
+            <a:rPr lang="en-US" sz="2500" kern="1200" noProof="0" dirty="0" err="1">
+              <a:solidFill>
+                <a:schemeClr val="bg1"/>
+              </a:solidFill>
+              <a:effectLst>
+                <a:glow rad="152400">
+                  <a:schemeClr val="bg1">
+                    <a:alpha val="19000"/>
+                  </a:schemeClr>
+                </a:glow>
+              </a:effectLst>
+            </a:rPr>
+            <a:t>Unternehmen</a:t>
+          </a:r>
+          <a:r>
+            <a:rPr lang="en-US" sz="2500" kern="1200" noProof="0" dirty="0">
+              <a:solidFill>
+                <a:schemeClr val="bg1"/>
+              </a:solidFill>
+              <a:effectLst>
+                <a:glow rad="152400">
+                  <a:schemeClr val="bg1">
+                    <a:alpha val="19000"/>
+                  </a:schemeClr>
+                </a:glow>
+              </a:effectLst>
+            </a:rPr>
+            <a:t> </a:t>
+          </a:r>
+          <a:r>
+            <a:rPr lang="en-US" sz="2500" kern="1200" noProof="0" dirty="0" err="1">
+              <a:solidFill>
+                <a:schemeClr val="bg1"/>
+              </a:solidFill>
+              <a:effectLst>
+                <a:glow rad="152400">
+                  <a:schemeClr val="bg1">
+                    <a:alpha val="19000"/>
+                  </a:schemeClr>
+                </a:glow>
+              </a:effectLst>
+            </a:rPr>
+            <a:t>schlecht</a:t>
+          </a:r>
+          <a:r>
+            <a:rPr lang="en-US" sz="2500" kern="1200" noProof="0" dirty="0">
+              <a:solidFill>
+                <a:schemeClr val="bg1"/>
+              </a:solidFill>
+              <a:effectLst>
+                <a:glow rad="152400">
+                  <a:schemeClr val="bg1">
+                    <a:alpha val="19000"/>
+                  </a:schemeClr>
+                </a:glow>
+              </a:effectLst>
+            </a:rPr>
+            <a:t>?</a:t>
           </a:r>
         </a:p>
       </dsp:txBody>
@@ -4606,14 +5141,12 @@
         <a:blipFill>
           <a:blip xmlns:r="http://schemas.openxmlformats.org/officeDocument/2006/relationships" r:embed="rId5">
             <a:extLst>
-              <a:ext uri="{28A0092B-C50C-407E-A947-70E740481C1C}">
-                <a14:useLocalDpi xmlns:a14="http://schemas.microsoft.com/office/drawing/2010/main"/>
-              </a:ext>
               <a:ext uri="{96DAC541-7B7A-43D3-8B79-37D633B846F1}">
                 <asvg:svgBlip xmlns:asvg="http://schemas.microsoft.com/office/drawing/2016/SVG/main" r:embed="rId6"/>
               </a:ext>
             </a:extLst>
           </a:blip>
+          <a:srcRect/>
           <a:stretch>
             <a:fillRect/>
           </a:stretch>
@@ -4688,6 +5221,21 @@
             <a:buNone/>
           </a:pPr>
           <a:r>
+            <a:rPr lang="en-US" sz="2500" kern="1200" noProof="0" dirty="0" err="1">
+              <a:solidFill>
+                <a:schemeClr val="bg1"/>
+              </a:solidFill>
+              <a:effectLst>
+                <a:glow rad="152400">
+                  <a:schemeClr val="bg1">
+                    <a:alpha val="19000"/>
+                  </a:schemeClr>
+                </a:glow>
+              </a:effectLst>
+            </a:rPr>
+            <a:t>Habe</a:t>
+          </a:r>
+          <a:r>
             <a:rPr lang="en-US" sz="2500" kern="1200" noProof="0" dirty="0">
               <a:solidFill>
                 <a:schemeClr val="bg1"/>
@@ -4700,7 +5248,157 @@
                 </a:glow>
               </a:effectLst>
             </a:rPr>
-            <a:t>When to Hold</a:t>
+            <a:t> ich </a:t>
+          </a:r>
+          <a:r>
+            <a:rPr lang="en-US" sz="2500" kern="1200" noProof="0" dirty="0" err="1">
+              <a:solidFill>
+                <a:schemeClr val="bg1"/>
+              </a:solidFill>
+              <a:effectLst>
+                <a:glow rad="152400">
+                  <a:schemeClr val="bg1">
+                    <a:alpha val="19000"/>
+                  </a:schemeClr>
+                </a:glow>
+              </a:effectLst>
+            </a:rPr>
+            <a:t>mich</a:t>
+          </a:r>
+          <a:r>
+            <a:rPr lang="en-US" sz="2500" kern="1200" noProof="0" dirty="0">
+              <a:solidFill>
+                <a:schemeClr val="bg1"/>
+              </a:solidFill>
+              <a:effectLst>
+                <a:glow rad="152400">
+                  <a:schemeClr val="bg1">
+                    <a:alpha val="19000"/>
+                  </a:schemeClr>
+                </a:glow>
+              </a:effectLst>
+            </a:rPr>
+            <a:t> </a:t>
+          </a:r>
+          <a:r>
+            <a:rPr lang="en-US" sz="2500" kern="1200" noProof="0" dirty="0" err="1">
+              <a:solidFill>
+                <a:schemeClr val="bg1"/>
+              </a:solidFill>
+              <a:effectLst>
+                <a:glow rad="152400">
+                  <a:schemeClr val="bg1">
+                    <a:alpha val="19000"/>
+                  </a:schemeClr>
+                </a:glow>
+              </a:effectLst>
+            </a:rPr>
+            <a:t>noch</a:t>
+          </a:r>
+          <a:r>
+            <a:rPr lang="en-US" sz="2500" kern="1200" noProof="0" dirty="0">
+              <a:solidFill>
+                <a:schemeClr val="bg1"/>
+              </a:solidFill>
+              <a:effectLst>
+                <a:glow rad="152400">
+                  <a:schemeClr val="bg1">
+                    <a:alpha val="19000"/>
+                  </a:schemeClr>
+                </a:glow>
+              </a:effectLst>
+            </a:rPr>
+            <a:t> </a:t>
+          </a:r>
+          <a:r>
+            <a:rPr lang="en-US" sz="2500" kern="1200" noProof="0" dirty="0" err="1">
+              <a:solidFill>
+                <a:schemeClr val="bg1"/>
+              </a:solidFill>
+              <a:effectLst>
+                <a:glow rad="152400">
+                  <a:schemeClr val="bg1">
+                    <a:alpha val="19000"/>
+                  </a:schemeClr>
+                </a:glow>
+              </a:effectLst>
+            </a:rPr>
+            <a:t>ein</a:t>
+          </a:r>
+          <a:r>
+            <a:rPr lang="en-US" sz="2500" kern="1200" noProof="0" dirty="0">
+              <a:solidFill>
+                <a:schemeClr val="bg1"/>
+              </a:solidFill>
+              <a:effectLst>
+                <a:glow rad="152400">
+                  <a:schemeClr val="bg1">
+                    <a:alpha val="19000"/>
+                  </a:schemeClr>
+                </a:glow>
+              </a:effectLst>
+            </a:rPr>
+            <a:t> </a:t>
+          </a:r>
+          <a:r>
+            <a:rPr lang="en-US" sz="2500" kern="1200" noProof="0" dirty="0" err="1">
+              <a:solidFill>
+                <a:schemeClr val="bg1"/>
+              </a:solidFill>
+              <a:effectLst>
+                <a:glow rad="152400">
+                  <a:schemeClr val="bg1">
+                    <a:alpha val="19000"/>
+                  </a:schemeClr>
+                </a:glow>
+              </a:effectLst>
+            </a:rPr>
+            <a:t>Jahr</a:t>
+          </a:r>
+          <a:r>
+            <a:rPr lang="en-US" sz="2500" kern="1200" noProof="0" dirty="0">
+              <a:solidFill>
+                <a:schemeClr val="bg1"/>
+              </a:solidFill>
+              <a:effectLst>
+                <a:glow rad="152400">
+                  <a:schemeClr val="bg1">
+                    <a:alpha val="19000"/>
+                  </a:schemeClr>
+                </a:glow>
+              </a:effectLst>
+            </a:rPr>
+            <a:t> </a:t>
+          </a:r>
+          <a:r>
+            <a:rPr lang="en-US" sz="2500" kern="1200" noProof="0" dirty="0" err="1">
+              <a:solidFill>
+                <a:schemeClr val="bg1"/>
+              </a:solidFill>
+              <a:effectLst>
+                <a:glow rad="152400">
+                  <a:schemeClr val="bg1">
+                    <a:alpha val="19000"/>
+                  </a:schemeClr>
+                </a:glow>
+              </a:effectLst>
+            </a:rPr>
+            <a:t>durchgedrückt</a:t>
+          </a:r>
+          <a:r>
+            <a:rPr lang="en-US" sz="2500" kern="1200" noProof="0" dirty="0">
+              <a:solidFill>
+                <a:schemeClr val="bg1"/>
+              </a:solidFill>
+              <a:effectLst>
+                <a:glow rad="152400">
+                  <a:schemeClr val="bg1">
+                    <a:alpha val="19000"/>
+                  </a:schemeClr>
+                </a:glow>
+              </a:effectLst>
+            </a:rPr>
+            <a:t>?</a:t>
           </a:r>
         </a:p>
       </dsp:txBody>
@@ -8606,7 +9304,7 @@
           <a:p>
             <a:fld id="{8369C108-6DA3-45F2-AE7E-50E80854775B}" type="datetimeFigureOut">
               <a:rPr lang="en-US" smtClean="0"/>
-              <a:t>1/23/2020</a:t>
+              <a:t>1/24/2020</a:t>
             </a:fld>
             <a:endParaRPr lang="en-US" dirty="0"/>
           </a:p>
@@ -8684,7 +9382,7 @@
           <a:p>
             <a:fld id="{9F6ED09B-8056-4B81-BB5B-ECA7E0231E72}" type="slidenum">
               <a:rPr lang="en-US" smtClean="0"/>
-              <a:t>‹#›</a:t>
+              <a:t>‹Nr.›</a:t>
             </a:fld>
             <a:endParaRPr lang="en-US" dirty="0"/>
           </a:p>
@@ -8783,7 +9481,7 @@
           <a:p>
             <a:fld id="{476A73B2-5605-4CC4-ADC6-622651651079}" type="datetimeFigureOut">
               <a:rPr lang="en-US" smtClean="0"/>
-              <a:t>1/23/2020</a:t>
+              <a:t>1/24/2020</a:t>
             </a:fld>
             <a:endParaRPr lang="en-US" dirty="0"/>
           </a:p>
@@ -8941,7 +9639,7 @@
           <a:p>
             <a:fld id="{CFED664B-377C-4B68-AF4E-EBDA643118DF}" type="slidenum">
               <a:rPr lang="en-US" smtClean="0"/>
-              <a:t>‹#›</a:t>
+              <a:t>‹Nr.›</a:t>
             </a:fld>
             <a:endParaRPr lang="en-US" dirty="0"/>
           </a:p>
@@ -9199,7 +9897,7 @@
           <a:p>
             <a:fld id="{CFED664B-377C-4B68-AF4E-EBDA643118DF}" type="slidenum">
               <a:rPr lang="en-US" smtClean="0"/>
-              <a:t>2</a:t>
+              <a:t>16</a:t>
             </a:fld>
             <a:endParaRPr lang="en-US" dirty="0"/>
           </a:p>
@@ -9283,7 +9981,7 @@
           <a:p>
             <a:fld id="{CFED664B-377C-4B68-AF4E-EBDA643118DF}" type="slidenum">
               <a:rPr lang="en-US" smtClean="0"/>
-              <a:t>3</a:t>
+              <a:t>17</a:t>
             </a:fld>
             <a:endParaRPr lang="en-US" dirty="0"/>
           </a:p>
@@ -9367,7 +10065,7 @@
           <a:p>
             <a:fld id="{CFED664B-377C-4B68-AF4E-EBDA643118DF}" type="slidenum">
               <a:rPr lang="en-US" smtClean="0"/>
-              <a:t>4</a:t>
+              <a:t>18</a:t>
             </a:fld>
             <a:endParaRPr lang="en-US" dirty="0"/>
           </a:p>
@@ -9451,7 +10149,7 @@
           <a:p>
             <a:fld id="{CFED664B-377C-4B68-AF4E-EBDA643118DF}" type="slidenum">
               <a:rPr lang="en-US" smtClean="0"/>
-              <a:t>5</a:t>
+              <a:t>19</a:t>
             </a:fld>
             <a:endParaRPr lang="en-US" dirty="0"/>
           </a:p>
@@ -9633,7 +10331,7 @@
           <a:p>
             <a:fld id="{9AB3A824-1A51-4B26-AD58-A6D8E14F6C04}" type="datetimeFigureOut">
               <a:rPr lang="en-US" smtClean="0"/>
-              <a:t>1/23/2020</a:t>
+              <a:t>1/24/2020</a:t>
             </a:fld>
             <a:endParaRPr lang="en-US" dirty="0"/>
           </a:p>
@@ -9679,7 +10377,7 @@
           <a:p>
             <a:fld id="{6D22F896-40B5-4ADD-8801-0D06FADFA095}" type="slidenum">
               <a:rPr lang="en-US" smtClean="0"/>
-              <a:t>‹#›</a:t>
+              <a:t>‹Nr.›</a:t>
             </a:fld>
             <a:endParaRPr lang="en-US" dirty="0"/>
           </a:p>
@@ -9807,7 +10505,7 @@
           <a:p>
             <a:fld id="{D857E33E-8B18-4087-B112-809917729534}" type="datetimeFigureOut">
               <a:rPr lang="en-US" smtClean="0"/>
-              <a:t>1/23/2020</a:t>
+              <a:t>1/24/2020</a:t>
             </a:fld>
             <a:endParaRPr lang="en-US" dirty="0"/>
           </a:p>
@@ -9853,7 +10551,7 @@
           <a:p>
             <a:fld id="{6D22F896-40B5-4ADD-8801-0D06FADFA095}" type="slidenum">
               <a:rPr lang="en-US" smtClean="0"/>
-              <a:t>‹#›</a:t>
+              <a:t>‹Nr.›</a:t>
             </a:fld>
             <a:endParaRPr lang="en-US" dirty="0"/>
           </a:p>
@@ -9991,7 +10689,7 @@
           <a:p>
             <a:fld id="{D3FFE419-2371-464F-8239-3959401C3561}" type="datetimeFigureOut">
               <a:rPr lang="en-US" smtClean="0"/>
-              <a:t>1/23/2020</a:t>
+              <a:t>1/24/2020</a:t>
             </a:fld>
             <a:endParaRPr lang="en-US" dirty="0"/>
           </a:p>
@@ -10037,7 +10735,7 @@
           <a:p>
             <a:fld id="{6D22F896-40B5-4ADD-8801-0D06FADFA095}" type="slidenum">
               <a:rPr lang="en-US" smtClean="0"/>
-              <a:t>‹#›</a:t>
+              <a:t>‹Nr.›</a:t>
             </a:fld>
             <a:endParaRPr lang="en-US" dirty="0"/>
           </a:p>
@@ -10165,7 +10863,7 @@
           <a:p>
             <a:fld id="{97D162C4-EDD9-4389-A98B-B87ECEA2A816}" type="datetimeFigureOut">
               <a:rPr lang="en-US" smtClean="0"/>
-              <a:t>1/23/2020</a:t>
+              <a:t>1/24/2020</a:t>
             </a:fld>
             <a:endParaRPr lang="en-US" dirty="0"/>
           </a:p>
@@ -10211,7 +10909,7 @@
           <a:p>
             <a:fld id="{6D22F896-40B5-4ADD-8801-0D06FADFA095}" type="slidenum">
               <a:rPr lang="en-US" smtClean="0"/>
-              <a:t>‹#›</a:t>
+              <a:t>‹Nr.›</a:t>
             </a:fld>
             <a:endParaRPr lang="en-US" dirty="0"/>
           </a:p>
@@ -10437,7 +11135,7 @@
           <a:p>
             <a:fld id="{3E5059C3-6A89-4494-99FF-5A4D6FFD50EB}" type="datetimeFigureOut">
               <a:rPr lang="en-US" smtClean="0"/>
-              <a:t>1/23/2020</a:t>
+              <a:t>1/24/2020</a:t>
             </a:fld>
             <a:endParaRPr lang="en-US" dirty="0"/>
           </a:p>
@@ -10483,7 +11181,7 @@
           <a:p>
             <a:fld id="{6D22F896-40B5-4ADD-8801-0D06FADFA095}" type="slidenum">
               <a:rPr lang="en-US" smtClean="0"/>
-              <a:t>‹#›</a:t>
+              <a:t>‹Nr.›</a:t>
             </a:fld>
             <a:endParaRPr lang="en-US" dirty="0"/>
           </a:p>
@@ -10673,7 +11371,7 @@
           <a:p>
             <a:fld id="{CA954B2F-12DE-47F5-8894-472B206D2E1E}" type="datetimeFigureOut">
               <a:rPr lang="en-US" smtClean="0"/>
-              <a:t>1/23/2020</a:t>
+              <a:t>1/24/2020</a:t>
             </a:fld>
             <a:endParaRPr lang="en-US" dirty="0"/>
           </a:p>
@@ -10719,7 +11417,7 @@
           <a:p>
             <a:fld id="{6D22F896-40B5-4ADD-8801-0D06FADFA095}" type="slidenum">
               <a:rPr lang="en-US" smtClean="0"/>
-              <a:t>‹#›</a:t>
+              <a:t>‹Nr.›</a:t>
             </a:fld>
             <a:endParaRPr lang="en-US" dirty="0"/>
           </a:p>
@@ -11036,7 +11734,7 @@
           <a:p>
             <a:fld id="{3CBC1C18-307B-4F68-A007-B5B542270E8D}" type="datetimeFigureOut">
               <a:rPr lang="en-US" smtClean="0"/>
-              <a:t>1/23/2020</a:t>
+              <a:t>1/24/2020</a:t>
             </a:fld>
             <a:endParaRPr lang="en-US" dirty="0"/>
           </a:p>
@@ -11083,7 +11781,7 @@
             <a:fld id="{6D22F896-40B5-4ADD-8801-0D06FADFA095}" type="slidenum">
               <a:rPr lang="en-US" smtClean="0"/>
               <a:pPr/>
-              <a:t>‹#›</a:t>
+              <a:t>‹Nr.›</a:t>
             </a:fld>
             <a:endParaRPr lang="en-US" dirty="0"/>
           </a:p>
@@ -11183,7 +11881,7 @@
           <a:p>
             <a:fld id="{1FAF3416-4057-4DAA-829D-4CA07428D088}" type="datetimeFigureOut">
               <a:rPr lang="en-US" smtClean="0"/>
-              <a:t>1/23/2020</a:t>
+              <a:t>1/24/2020</a:t>
             </a:fld>
             <a:endParaRPr lang="en-US" dirty="0"/>
           </a:p>
@@ -11229,7 +11927,7 @@
           <a:p>
             <a:fld id="{6D22F896-40B5-4ADD-8801-0D06FADFA095}" type="slidenum">
               <a:rPr lang="en-US" smtClean="0"/>
-              <a:t>‹#›</a:t>
+              <a:t>‹Nr.›</a:t>
             </a:fld>
             <a:endParaRPr lang="en-US" dirty="0"/>
           </a:p>
@@ -11282,7 +11980,7 @@
           <a:p>
             <a:fld id="{921D9284-D300-4297-87F7-E791DCC15DB1}" type="datetimeFigureOut">
               <a:rPr lang="en-US" smtClean="0"/>
-              <a:t>1/23/2020</a:t>
+              <a:t>1/24/2020</a:t>
             </a:fld>
             <a:endParaRPr lang="en-US" dirty="0"/>
           </a:p>
@@ -11328,7 +12026,7 @@
           <a:p>
             <a:fld id="{6D22F896-40B5-4ADD-8801-0D06FADFA095}" type="slidenum">
               <a:rPr lang="en-US" smtClean="0"/>
-              <a:t>‹#›</a:t>
+              <a:t>‹Nr.›</a:t>
             </a:fld>
             <a:endParaRPr lang="en-US" dirty="0"/>
           </a:p>
@@ -11643,7 +12341,7 @@
           <a:p>
             <a:fld id="{37D525BB-DA17-4BA0-B3C8-3AC3ABC827E6}" type="datetimeFigureOut">
               <a:rPr lang="en-US" smtClean="0"/>
-              <a:t>1/23/2020</a:t>
+              <a:t>1/24/2020</a:t>
             </a:fld>
             <a:endParaRPr lang="en-US" dirty="0"/>
           </a:p>
@@ -11704,7 +12402,7 @@
           <a:p>
             <a:fld id="{6D22F896-40B5-4ADD-8801-0D06FADFA095}" type="slidenum">
               <a:rPr lang="en-US" smtClean="0"/>
-              <a:t>‹#›</a:t>
+              <a:t>‹Nr.›</a:t>
             </a:fld>
             <a:endParaRPr lang="en-US" dirty="0"/>
           </a:p>
@@ -12004,7 +12702,7 @@
           <a:p>
             <a:fld id="{B16C4C9A-3960-41CF-A4E9-2A8FB932454B}" type="datetimeFigureOut">
               <a:rPr lang="en-US" smtClean="0"/>
-              <a:t>1/23/2020</a:t>
+              <a:t>1/24/2020</a:t>
             </a:fld>
             <a:endParaRPr lang="en-US" dirty="0"/>
           </a:p>
@@ -12065,7 +12763,7 @@
           <a:p>
             <a:fld id="{6D22F896-40B5-4ADD-8801-0D06FADFA095}" type="slidenum">
               <a:rPr lang="en-US" smtClean="0"/>
-              <a:t>‹#›</a:t>
+              <a:t>‹Nr.›</a:t>
             </a:fld>
             <a:endParaRPr lang="en-US" dirty="0"/>
           </a:p>
@@ -12250,7 +12948,7 @@
           <a:p>
             <a:fld id="{3CBC1C18-307B-4F68-A007-B5B542270E8D}" type="datetimeFigureOut">
               <a:rPr lang="en-US" smtClean="0"/>
-              <a:t>1/23/2020</a:t>
+              <a:t>1/24/2020</a:t>
             </a:fld>
             <a:endParaRPr lang="en-US" dirty="0"/>
           </a:p>
@@ -12338,7 +13036,7 @@
             <a:fld id="{6D22F896-40B5-4ADD-8801-0D06FADFA095}" type="slidenum">
               <a:rPr lang="en-US" smtClean="0"/>
               <a:pPr/>
-              <a:t>‹#›</a:t>
+              <a:t>‹Nr.›</a:t>
             </a:fld>
             <a:endParaRPr lang="en-US" dirty="0"/>
           </a:p>
@@ -12697,7 +13395,7 @@
     <p:bg>
       <p:bgPr>
         <a:solidFill>
-          <a:schemeClr val="bg2"/>
+          <a:srgbClr val="0052C8"/>
         </a:solidFill>
         <a:effectLst/>
       </p:bgPr>
@@ -12853,12 +13551,27 @@
           <a:lstStyle/>
           <a:p>
             <a:r>
-              <a:rPr lang="en-US" sz="3000" dirty="0">
+              <a:rPr lang="de-AT" sz="3000" dirty="0">
                 <a:solidFill>
                   <a:schemeClr val="tx1"/>
                 </a:solidFill>
               </a:rPr>
-              <a:t>Financial Parcel Design</a:t>
+              <a:t>Finanzierungs-</a:t>
+            </a:r>
+            <a:br>
+              <a:rPr lang="de-AT" sz="3000" dirty="0">
+                <a:solidFill>
+                  <a:schemeClr val="tx1"/>
+                </a:solidFill>
+              </a:rPr>
+            </a:br>
+            <a:r>
+              <a:rPr lang="de-AT" sz="3000" dirty="0">
+                <a:solidFill>
+                  <a:schemeClr val="tx1"/>
+                </a:solidFill>
+              </a:rPr>
+              <a:t>Kennzahlen</a:t>
             </a:r>
           </a:p>
         </p:txBody>
@@ -12892,28 +13605,33 @@
           <a:lstStyle/>
           <a:p>
             <a:r>
-              <a:rPr lang="en-US" sz="1800" dirty="0">
+              <a:rPr lang="en-GB" sz="1800" dirty="0">
                 <a:solidFill>
                   <a:schemeClr val="tx1"/>
                 </a:solidFill>
               </a:rPr>
-              <a:t>How to Trade Online:</a:t>
+              <a:t>Hlavacek &amp; Pechak</a:t>
             </a:r>
             <a:br>
-              <a:rPr lang="en-US" sz="1800" dirty="0">
+              <a:rPr lang="en-GB" sz="1800" dirty="0">
                 <a:solidFill>
                   <a:schemeClr val="tx1"/>
                 </a:solidFill>
               </a:rPr>
             </a:br>
             <a:r>
-              <a:rPr lang="en-US" sz="1800" dirty="0">
+              <a:rPr lang="en-GB" sz="1800" dirty="0">
                 <a:solidFill>
                   <a:schemeClr val="tx1"/>
                 </a:solidFill>
               </a:rPr>
-              <a:t>The definitive guide to online trading</a:t>
+              <a:t>7ABIF</a:t>
             </a:r>
+            <a:endParaRPr lang="en-US" sz="1800" dirty="0">
+              <a:solidFill>
+                <a:schemeClr val="tx1"/>
+              </a:solidFill>
+            </a:endParaRPr>
           </a:p>
         </p:txBody>
       </p:sp>
@@ -12965,7 +13683,1063 @@
 </p:sld>
 </file>
 
-<file path=ppt/slides/slide2.xml><?xml version="1.0" encoding="utf-8"?>
+<file path=ppt/slides/slide10.xml><?xml version="1.0" encoding="utf-8"?>
+<p:sld xmlns:a="http://schemas.openxmlformats.org/drawingml/2006/main" xmlns:r="http://schemas.openxmlformats.org/officeDocument/2006/relationships" xmlns:p="http://schemas.openxmlformats.org/presentationml/2006/main">
+  <p:cSld>
+    <p:bg>
+      <p:bgPr>
+        <a:solidFill>
+          <a:schemeClr val="tx1"/>
+        </a:solidFill>
+        <a:effectLst/>
+      </p:bgPr>
+    </p:bg>
+    <p:spTree>
+      <p:nvGrpSpPr>
+        <p:cNvPr id="1" name=""/>
+        <p:cNvGrpSpPr/>
+        <p:nvPr/>
+      </p:nvGrpSpPr>
+      <p:grpSpPr>
+        <a:xfrm>
+          <a:off x="0" y="0"/>
+          <a:ext cx="0" cy="0"/>
+          <a:chOff x="0" y="0"/>
+          <a:chExt cx="0" cy="0"/>
+        </a:xfrm>
+      </p:grpSpPr>
+      <p:cxnSp>
+        <p:nvCxnSpPr>
+          <p:cNvPr id="3" name="Gerader Verbinder 2">
+            <a:extLst>
+              <a:ext uri="{FF2B5EF4-FFF2-40B4-BE49-F238E27FC236}">
+                <a16:creationId xmlns:a16="http://schemas.microsoft.com/office/drawing/2014/main" id="{761B5283-BF06-4D2E-BB29-31CBEA529E60}"/>
+              </a:ext>
+            </a:extLst>
+          </p:cNvPr>
+          <p:cNvCxnSpPr>
+            <a:cxnSpLocks/>
+          </p:cNvCxnSpPr>
+          <p:nvPr/>
+        </p:nvCxnSpPr>
+        <p:spPr>
+          <a:xfrm>
+            <a:off x="1274323" y="1215953"/>
+            <a:ext cx="9643354" cy="0"/>
+          </a:xfrm>
+          <a:prstGeom prst="line">
+            <a:avLst/>
+          </a:prstGeom>
+          <a:ln w="19050">
+            <a:solidFill>
+              <a:srgbClr val="0052C8"/>
+            </a:solidFill>
+          </a:ln>
+        </p:spPr>
+        <p:style>
+          <a:lnRef idx="1">
+            <a:schemeClr val="accent1"/>
+          </a:lnRef>
+          <a:fillRef idx="0">
+            <a:schemeClr val="accent1"/>
+          </a:fillRef>
+          <a:effectRef idx="0">
+            <a:schemeClr val="accent1"/>
+          </a:effectRef>
+          <a:fontRef idx="minor">
+            <a:schemeClr val="tx1"/>
+          </a:fontRef>
+        </p:style>
+      </p:cxnSp>
+      <p:sp>
+        <p:nvSpPr>
+          <p:cNvPr id="2" name="Textfeld 1">
+            <a:extLst>
+              <a:ext uri="{FF2B5EF4-FFF2-40B4-BE49-F238E27FC236}">
+                <a16:creationId xmlns:a16="http://schemas.microsoft.com/office/drawing/2014/main" id="{009D6097-CE57-4C1B-9218-5B62B542F2CF}"/>
+              </a:ext>
+            </a:extLst>
+          </p:cNvPr>
+          <p:cNvSpPr txBox="1"/>
+          <p:nvPr/>
+        </p:nvSpPr>
+        <p:spPr>
+          <a:xfrm>
+            <a:off x="1274323" y="389104"/>
+            <a:ext cx="9967418" cy="707886"/>
+          </a:xfrm>
+          <a:prstGeom prst="rect">
+            <a:avLst/>
+          </a:prstGeom>
+          <a:noFill/>
+        </p:spPr>
+        <p:txBody>
+          <a:bodyPr wrap="square" rtlCol="0">
+            <a:spAutoFit/>
+          </a:bodyPr>
+          <a:lstStyle/>
+          <a:p>
+            <a:r>
+              <a:rPr lang="en-GB" sz="4000" dirty="0" err="1">
+                <a:solidFill>
+                  <a:schemeClr val="bg1"/>
+                </a:solidFill>
+              </a:rPr>
+              <a:t>Kapitalumschlagshäufigkeit</a:t>
+            </a:r>
+            <a:endParaRPr lang="de-AT" sz="4000" dirty="0">
+              <a:solidFill>
+                <a:schemeClr val="bg1"/>
+              </a:solidFill>
+            </a:endParaRPr>
+          </a:p>
+        </p:txBody>
+      </p:sp>
+      <p:sp>
+        <p:nvSpPr>
+          <p:cNvPr id="4" name="Textfeld 3">
+            <a:extLst>
+              <a:ext uri="{FF2B5EF4-FFF2-40B4-BE49-F238E27FC236}">
+                <a16:creationId xmlns:a16="http://schemas.microsoft.com/office/drawing/2014/main" id="{4AFCA2CE-E68A-4E9D-9915-E4E8ADE04C7A}"/>
+              </a:ext>
+            </a:extLst>
+          </p:cNvPr>
+          <p:cNvSpPr txBox="1"/>
+          <p:nvPr/>
+        </p:nvSpPr>
+        <p:spPr>
+          <a:xfrm>
+            <a:off x="1274323" y="1429966"/>
+            <a:ext cx="7782128" cy="523220"/>
+          </a:xfrm>
+          <a:prstGeom prst="rect">
+            <a:avLst/>
+          </a:prstGeom>
+          <a:noFill/>
+        </p:spPr>
+        <p:txBody>
+          <a:bodyPr wrap="square" rtlCol="0">
+            <a:spAutoFit/>
+          </a:bodyPr>
+          <a:lstStyle/>
+          <a:p>
+            <a:pPr marL="285750" indent="-285750">
+              <a:buFont typeface="Arial" panose="020B0604020202020204" pitchFamily="34" charset="0"/>
+              <a:buChar char="•"/>
+            </a:pPr>
+            <a:r>
+              <a:rPr lang="en-GB" sz="2800" dirty="0" err="1">
+                <a:solidFill>
+                  <a:schemeClr val="bg1"/>
+                </a:solidFill>
+              </a:rPr>
+              <a:t>Platzhalter</a:t>
+            </a:r>
+            <a:endParaRPr lang="de-AT" sz="2800" dirty="0">
+              <a:solidFill>
+                <a:schemeClr val="bg1"/>
+              </a:solidFill>
+            </a:endParaRPr>
+          </a:p>
+        </p:txBody>
+      </p:sp>
+    </p:spTree>
+    <p:extLst>
+      <p:ext uri="{BB962C8B-B14F-4D97-AF65-F5344CB8AC3E}">
+        <p14:creationId xmlns:p14="http://schemas.microsoft.com/office/powerpoint/2010/main" val="2260590689"/>
+      </p:ext>
+    </p:extLst>
+  </p:cSld>
+  <p:clrMapOvr>
+    <a:masterClrMapping/>
+  </p:clrMapOvr>
+</p:sld>
+</file>
+
+<file path=ppt/slides/slide11.xml><?xml version="1.0" encoding="utf-8"?>
+<p:sld xmlns:a="http://schemas.openxmlformats.org/drawingml/2006/main" xmlns:r="http://schemas.openxmlformats.org/officeDocument/2006/relationships" xmlns:p="http://schemas.openxmlformats.org/presentationml/2006/main" show="0">
+  <p:cSld>
+    <p:bg>
+      <p:bgPr>
+        <a:solidFill>
+          <a:schemeClr val="tx1"/>
+        </a:solidFill>
+        <a:effectLst/>
+      </p:bgPr>
+    </p:bg>
+    <p:spTree>
+      <p:nvGrpSpPr>
+        <p:cNvPr id="1" name=""/>
+        <p:cNvGrpSpPr/>
+        <p:nvPr/>
+      </p:nvGrpSpPr>
+      <p:grpSpPr>
+        <a:xfrm>
+          <a:off x="0" y="0"/>
+          <a:ext cx="0" cy="0"/>
+          <a:chOff x="0" y="0"/>
+          <a:chExt cx="0" cy="0"/>
+        </a:xfrm>
+      </p:grpSpPr>
+      <p:cxnSp>
+        <p:nvCxnSpPr>
+          <p:cNvPr id="3" name="Gerader Verbinder 2">
+            <a:extLst>
+              <a:ext uri="{FF2B5EF4-FFF2-40B4-BE49-F238E27FC236}">
+                <a16:creationId xmlns:a16="http://schemas.microsoft.com/office/drawing/2014/main" id="{761B5283-BF06-4D2E-BB29-31CBEA529E60}"/>
+              </a:ext>
+            </a:extLst>
+          </p:cNvPr>
+          <p:cNvCxnSpPr>
+            <a:cxnSpLocks/>
+          </p:cNvCxnSpPr>
+          <p:nvPr/>
+        </p:nvCxnSpPr>
+        <p:spPr>
+          <a:xfrm>
+            <a:off x="1274323" y="1215953"/>
+            <a:ext cx="9643354" cy="0"/>
+          </a:xfrm>
+          <a:prstGeom prst="line">
+            <a:avLst/>
+          </a:prstGeom>
+          <a:ln w="19050">
+            <a:solidFill>
+              <a:srgbClr val="0052C8"/>
+            </a:solidFill>
+          </a:ln>
+        </p:spPr>
+        <p:style>
+          <a:lnRef idx="1">
+            <a:schemeClr val="accent1"/>
+          </a:lnRef>
+          <a:fillRef idx="0">
+            <a:schemeClr val="accent1"/>
+          </a:fillRef>
+          <a:effectRef idx="0">
+            <a:schemeClr val="accent1"/>
+          </a:effectRef>
+          <a:fontRef idx="minor">
+            <a:schemeClr val="tx1"/>
+          </a:fontRef>
+        </p:style>
+      </p:cxnSp>
+      <p:sp>
+        <p:nvSpPr>
+          <p:cNvPr id="2" name="Textfeld 1">
+            <a:extLst>
+              <a:ext uri="{FF2B5EF4-FFF2-40B4-BE49-F238E27FC236}">
+                <a16:creationId xmlns:a16="http://schemas.microsoft.com/office/drawing/2014/main" id="{009D6097-CE57-4C1B-9218-5B62B542F2CF}"/>
+              </a:ext>
+            </a:extLst>
+          </p:cNvPr>
+          <p:cNvSpPr txBox="1"/>
+          <p:nvPr/>
+        </p:nvSpPr>
+        <p:spPr>
+          <a:xfrm>
+            <a:off x="1274323" y="389104"/>
+            <a:ext cx="9967418" cy="707886"/>
+          </a:xfrm>
+          <a:prstGeom prst="rect">
+            <a:avLst/>
+          </a:prstGeom>
+          <a:noFill/>
+        </p:spPr>
+        <p:txBody>
+          <a:bodyPr wrap="square" rtlCol="0">
+            <a:spAutoFit/>
+          </a:bodyPr>
+          <a:lstStyle/>
+          <a:p>
+            <a:r>
+              <a:rPr lang="en-GB" sz="4000" dirty="0" err="1">
+                <a:solidFill>
+                  <a:schemeClr val="bg1"/>
+                </a:solidFill>
+              </a:rPr>
+              <a:t>Debitorenumschlagshäufigkeit</a:t>
+            </a:r>
+            <a:r>
+              <a:rPr lang="en-GB" sz="4000" dirty="0">
+                <a:solidFill>
+                  <a:schemeClr val="bg1"/>
+                </a:solidFill>
+              </a:rPr>
+              <a:t> | </a:t>
+            </a:r>
+            <a:endParaRPr lang="de-AT" sz="4000" dirty="0">
+              <a:solidFill>
+                <a:schemeClr val="bg1"/>
+              </a:solidFill>
+            </a:endParaRPr>
+          </a:p>
+        </p:txBody>
+      </p:sp>
+      <p:sp>
+        <p:nvSpPr>
+          <p:cNvPr id="4" name="Textfeld 3">
+            <a:extLst>
+              <a:ext uri="{FF2B5EF4-FFF2-40B4-BE49-F238E27FC236}">
+                <a16:creationId xmlns:a16="http://schemas.microsoft.com/office/drawing/2014/main" id="{4AFCA2CE-E68A-4E9D-9915-E4E8ADE04C7A}"/>
+              </a:ext>
+            </a:extLst>
+          </p:cNvPr>
+          <p:cNvSpPr txBox="1"/>
+          <p:nvPr/>
+        </p:nvSpPr>
+        <p:spPr>
+          <a:xfrm>
+            <a:off x="1274323" y="1429966"/>
+            <a:ext cx="7782128" cy="523220"/>
+          </a:xfrm>
+          <a:prstGeom prst="rect">
+            <a:avLst/>
+          </a:prstGeom>
+          <a:noFill/>
+        </p:spPr>
+        <p:txBody>
+          <a:bodyPr wrap="square" rtlCol="0">
+            <a:spAutoFit/>
+          </a:bodyPr>
+          <a:lstStyle/>
+          <a:p>
+            <a:pPr marL="285750" indent="-285750">
+              <a:buFont typeface="Arial" panose="020B0604020202020204" pitchFamily="34" charset="0"/>
+              <a:buChar char="•"/>
+            </a:pPr>
+            <a:r>
+              <a:rPr lang="en-GB" sz="2800" dirty="0" err="1">
+                <a:solidFill>
+                  <a:schemeClr val="bg1"/>
+                </a:solidFill>
+              </a:rPr>
+              <a:t>Platzhalter</a:t>
+            </a:r>
+            <a:endParaRPr lang="de-AT" sz="2800" dirty="0">
+              <a:solidFill>
+                <a:schemeClr val="bg1"/>
+              </a:solidFill>
+            </a:endParaRPr>
+          </a:p>
+        </p:txBody>
+      </p:sp>
+    </p:spTree>
+    <p:extLst>
+      <p:ext uri="{BB962C8B-B14F-4D97-AF65-F5344CB8AC3E}">
+        <p14:creationId xmlns:p14="http://schemas.microsoft.com/office/powerpoint/2010/main" val="39388458"/>
+      </p:ext>
+    </p:extLst>
+  </p:cSld>
+  <p:clrMapOvr>
+    <a:masterClrMapping/>
+  </p:clrMapOvr>
+</p:sld>
+</file>
+
+<file path=ppt/slides/slide12.xml><?xml version="1.0" encoding="utf-8"?>
+<p:sld xmlns:a="http://schemas.openxmlformats.org/drawingml/2006/main" xmlns:r="http://schemas.openxmlformats.org/officeDocument/2006/relationships" xmlns:p="http://schemas.openxmlformats.org/presentationml/2006/main" show="0">
+  <p:cSld>
+    <p:bg>
+      <p:bgPr>
+        <a:solidFill>
+          <a:schemeClr val="tx1"/>
+        </a:solidFill>
+        <a:effectLst/>
+      </p:bgPr>
+    </p:bg>
+    <p:spTree>
+      <p:nvGrpSpPr>
+        <p:cNvPr id="1" name=""/>
+        <p:cNvGrpSpPr/>
+        <p:nvPr/>
+      </p:nvGrpSpPr>
+      <p:grpSpPr>
+        <a:xfrm>
+          <a:off x="0" y="0"/>
+          <a:ext cx="0" cy="0"/>
+          <a:chOff x="0" y="0"/>
+          <a:chExt cx="0" cy="0"/>
+        </a:xfrm>
+      </p:grpSpPr>
+      <p:cxnSp>
+        <p:nvCxnSpPr>
+          <p:cNvPr id="3" name="Gerader Verbinder 2">
+            <a:extLst>
+              <a:ext uri="{FF2B5EF4-FFF2-40B4-BE49-F238E27FC236}">
+                <a16:creationId xmlns:a16="http://schemas.microsoft.com/office/drawing/2014/main" id="{761B5283-BF06-4D2E-BB29-31CBEA529E60}"/>
+              </a:ext>
+            </a:extLst>
+          </p:cNvPr>
+          <p:cNvCxnSpPr>
+            <a:cxnSpLocks/>
+          </p:cNvCxnSpPr>
+          <p:nvPr/>
+        </p:nvCxnSpPr>
+        <p:spPr>
+          <a:xfrm>
+            <a:off x="1274323" y="1753833"/>
+            <a:ext cx="9643354" cy="0"/>
+          </a:xfrm>
+          <a:prstGeom prst="line">
+            <a:avLst/>
+          </a:prstGeom>
+          <a:ln w="19050">
+            <a:solidFill>
+              <a:srgbClr val="0052C8"/>
+            </a:solidFill>
+          </a:ln>
+        </p:spPr>
+        <p:style>
+          <a:lnRef idx="1">
+            <a:schemeClr val="accent1"/>
+          </a:lnRef>
+          <a:fillRef idx="0">
+            <a:schemeClr val="accent1"/>
+          </a:fillRef>
+          <a:effectRef idx="0">
+            <a:schemeClr val="accent1"/>
+          </a:effectRef>
+          <a:fontRef idx="minor">
+            <a:schemeClr val="tx1"/>
+          </a:fontRef>
+        </p:style>
+      </p:cxnSp>
+      <p:sp>
+        <p:nvSpPr>
+          <p:cNvPr id="2" name="Textfeld 1">
+            <a:extLst>
+              <a:ext uri="{FF2B5EF4-FFF2-40B4-BE49-F238E27FC236}">
+                <a16:creationId xmlns:a16="http://schemas.microsoft.com/office/drawing/2014/main" id="{009D6097-CE57-4C1B-9218-5B62B542F2CF}"/>
+              </a:ext>
+            </a:extLst>
+          </p:cNvPr>
+          <p:cNvSpPr txBox="1"/>
+          <p:nvPr/>
+        </p:nvSpPr>
+        <p:spPr>
+          <a:xfrm>
+            <a:off x="1274323" y="389104"/>
+            <a:ext cx="9967418" cy="707886"/>
+          </a:xfrm>
+          <a:prstGeom prst="rect">
+            <a:avLst/>
+          </a:prstGeom>
+          <a:noFill/>
+        </p:spPr>
+        <p:txBody>
+          <a:bodyPr wrap="square" rtlCol="0">
+            <a:spAutoFit/>
+          </a:bodyPr>
+          <a:lstStyle/>
+          <a:p>
+            <a:r>
+              <a:rPr lang="en-GB" sz="4000" dirty="0" err="1">
+                <a:solidFill>
+                  <a:schemeClr val="bg1"/>
+                </a:solidFill>
+              </a:rPr>
+              <a:t>Lagerumschlagshäufigkeit</a:t>
+            </a:r>
+            <a:r>
+              <a:rPr lang="en-GB" sz="4000" dirty="0">
+                <a:solidFill>
+                  <a:schemeClr val="bg1"/>
+                </a:solidFill>
+              </a:rPr>
+              <a:t> | </a:t>
+            </a:r>
+            <a:r>
+              <a:rPr lang="en-GB" sz="4000" dirty="0" err="1">
+                <a:solidFill>
+                  <a:schemeClr val="bg1"/>
+                </a:solidFill>
+              </a:rPr>
+              <a:t>Lagerdauer</a:t>
+            </a:r>
+            <a:endParaRPr lang="de-AT" sz="4000" dirty="0">
+              <a:solidFill>
+                <a:schemeClr val="bg1"/>
+              </a:solidFill>
+            </a:endParaRPr>
+          </a:p>
+        </p:txBody>
+      </p:sp>
+      <p:sp>
+        <p:nvSpPr>
+          <p:cNvPr id="4" name="Textfeld 3">
+            <a:extLst>
+              <a:ext uri="{FF2B5EF4-FFF2-40B4-BE49-F238E27FC236}">
+                <a16:creationId xmlns:a16="http://schemas.microsoft.com/office/drawing/2014/main" id="{4AFCA2CE-E68A-4E9D-9915-E4E8ADE04C7A}"/>
+              </a:ext>
+            </a:extLst>
+          </p:cNvPr>
+          <p:cNvSpPr txBox="1"/>
+          <p:nvPr/>
+        </p:nvSpPr>
+        <p:spPr>
+          <a:xfrm>
+            <a:off x="1274323" y="2102316"/>
+            <a:ext cx="7782128" cy="523220"/>
+          </a:xfrm>
+          <a:prstGeom prst="rect">
+            <a:avLst/>
+          </a:prstGeom>
+          <a:noFill/>
+        </p:spPr>
+        <p:txBody>
+          <a:bodyPr wrap="square" rtlCol="0">
+            <a:spAutoFit/>
+          </a:bodyPr>
+          <a:lstStyle/>
+          <a:p>
+            <a:pPr marL="285750" indent="-285750">
+              <a:buFont typeface="Arial" panose="020B0604020202020204" pitchFamily="34" charset="0"/>
+              <a:buChar char="•"/>
+            </a:pPr>
+            <a:r>
+              <a:rPr lang="en-GB" sz="2800" dirty="0" err="1">
+                <a:solidFill>
+                  <a:schemeClr val="bg1"/>
+                </a:solidFill>
+              </a:rPr>
+              <a:t>Platzhalter</a:t>
+            </a:r>
+            <a:endParaRPr lang="de-AT" sz="2800" dirty="0">
+              <a:solidFill>
+                <a:schemeClr val="bg1"/>
+              </a:solidFill>
+            </a:endParaRPr>
+          </a:p>
+        </p:txBody>
+      </p:sp>
+    </p:spTree>
+    <p:extLst>
+      <p:ext uri="{BB962C8B-B14F-4D97-AF65-F5344CB8AC3E}">
+        <p14:creationId xmlns:p14="http://schemas.microsoft.com/office/powerpoint/2010/main" val="581735024"/>
+      </p:ext>
+    </p:extLst>
+  </p:cSld>
+  <p:clrMapOvr>
+    <a:masterClrMapping/>
+  </p:clrMapOvr>
+</p:sld>
+</file>
+
+<file path=ppt/slides/slide13.xml><?xml version="1.0" encoding="utf-8"?>
+<p:sld xmlns:a="http://schemas.openxmlformats.org/drawingml/2006/main" xmlns:r="http://schemas.openxmlformats.org/officeDocument/2006/relationships" xmlns:p="http://schemas.openxmlformats.org/presentationml/2006/main" show="0">
+  <p:cSld>
+    <p:bg>
+      <p:bgPr>
+        <a:solidFill>
+          <a:schemeClr val="tx1"/>
+        </a:solidFill>
+        <a:effectLst/>
+      </p:bgPr>
+    </p:bg>
+    <p:spTree>
+      <p:nvGrpSpPr>
+        <p:cNvPr id="1" name=""/>
+        <p:cNvGrpSpPr/>
+        <p:nvPr/>
+      </p:nvGrpSpPr>
+      <p:grpSpPr>
+        <a:xfrm>
+          <a:off x="0" y="0"/>
+          <a:ext cx="0" cy="0"/>
+          <a:chOff x="0" y="0"/>
+          <a:chExt cx="0" cy="0"/>
+        </a:xfrm>
+      </p:grpSpPr>
+      <p:cxnSp>
+        <p:nvCxnSpPr>
+          <p:cNvPr id="3" name="Gerader Verbinder 2">
+            <a:extLst>
+              <a:ext uri="{FF2B5EF4-FFF2-40B4-BE49-F238E27FC236}">
+                <a16:creationId xmlns:a16="http://schemas.microsoft.com/office/drawing/2014/main" id="{761B5283-BF06-4D2E-BB29-31CBEA529E60}"/>
+              </a:ext>
+            </a:extLst>
+          </p:cNvPr>
+          <p:cNvCxnSpPr>
+            <a:cxnSpLocks/>
+          </p:cNvCxnSpPr>
+          <p:nvPr/>
+        </p:nvCxnSpPr>
+        <p:spPr>
+          <a:xfrm>
+            <a:off x="1274323" y="1215953"/>
+            <a:ext cx="9643354" cy="0"/>
+          </a:xfrm>
+          <a:prstGeom prst="line">
+            <a:avLst/>
+          </a:prstGeom>
+          <a:ln w="19050">
+            <a:solidFill>
+              <a:srgbClr val="0052C8"/>
+            </a:solidFill>
+          </a:ln>
+        </p:spPr>
+        <p:style>
+          <a:lnRef idx="1">
+            <a:schemeClr val="accent1"/>
+          </a:lnRef>
+          <a:fillRef idx="0">
+            <a:schemeClr val="accent1"/>
+          </a:fillRef>
+          <a:effectRef idx="0">
+            <a:schemeClr val="accent1"/>
+          </a:effectRef>
+          <a:fontRef idx="minor">
+            <a:schemeClr val="tx1"/>
+          </a:fontRef>
+        </p:style>
+      </p:cxnSp>
+    </p:spTree>
+    <p:extLst>
+      <p:ext uri="{BB962C8B-B14F-4D97-AF65-F5344CB8AC3E}">
+        <p14:creationId xmlns:p14="http://schemas.microsoft.com/office/powerpoint/2010/main" val="3991389098"/>
+      </p:ext>
+    </p:extLst>
+  </p:cSld>
+  <p:clrMapOvr>
+    <a:masterClrMapping/>
+  </p:clrMapOvr>
+</p:sld>
+</file>
+
+<file path=ppt/slides/slide14.xml><?xml version="1.0" encoding="utf-8"?>
+<p:sld xmlns:a="http://schemas.openxmlformats.org/drawingml/2006/main" xmlns:r="http://schemas.openxmlformats.org/officeDocument/2006/relationships" xmlns:p="http://schemas.openxmlformats.org/presentationml/2006/main" show="0">
+  <p:cSld>
+    <p:bg>
+      <p:bgPr>
+        <a:solidFill>
+          <a:schemeClr val="tx1"/>
+        </a:solidFill>
+        <a:effectLst/>
+      </p:bgPr>
+    </p:bg>
+    <p:spTree>
+      <p:nvGrpSpPr>
+        <p:cNvPr id="1" name=""/>
+        <p:cNvGrpSpPr/>
+        <p:nvPr/>
+      </p:nvGrpSpPr>
+      <p:grpSpPr>
+        <a:xfrm>
+          <a:off x="0" y="0"/>
+          <a:ext cx="0" cy="0"/>
+          <a:chOff x="0" y="0"/>
+          <a:chExt cx="0" cy="0"/>
+        </a:xfrm>
+      </p:grpSpPr>
+      <p:cxnSp>
+        <p:nvCxnSpPr>
+          <p:cNvPr id="3" name="Gerader Verbinder 2">
+            <a:extLst>
+              <a:ext uri="{FF2B5EF4-FFF2-40B4-BE49-F238E27FC236}">
+                <a16:creationId xmlns:a16="http://schemas.microsoft.com/office/drawing/2014/main" id="{761B5283-BF06-4D2E-BB29-31CBEA529E60}"/>
+              </a:ext>
+            </a:extLst>
+          </p:cNvPr>
+          <p:cNvCxnSpPr>
+            <a:cxnSpLocks/>
+          </p:cNvCxnSpPr>
+          <p:nvPr/>
+        </p:nvCxnSpPr>
+        <p:spPr>
+          <a:xfrm>
+            <a:off x="1274323" y="1215953"/>
+            <a:ext cx="9643354" cy="0"/>
+          </a:xfrm>
+          <a:prstGeom prst="line">
+            <a:avLst/>
+          </a:prstGeom>
+          <a:ln w="19050">
+            <a:solidFill>
+              <a:srgbClr val="0052C8"/>
+            </a:solidFill>
+          </a:ln>
+        </p:spPr>
+        <p:style>
+          <a:lnRef idx="1">
+            <a:schemeClr val="accent1"/>
+          </a:lnRef>
+          <a:fillRef idx="0">
+            <a:schemeClr val="accent1"/>
+          </a:fillRef>
+          <a:effectRef idx="0">
+            <a:schemeClr val="accent1"/>
+          </a:effectRef>
+          <a:fontRef idx="minor">
+            <a:schemeClr val="tx1"/>
+          </a:fontRef>
+        </p:style>
+      </p:cxnSp>
+      <p:sp>
+        <p:nvSpPr>
+          <p:cNvPr id="2" name="Textfeld 1">
+            <a:extLst>
+              <a:ext uri="{FF2B5EF4-FFF2-40B4-BE49-F238E27FC236}">
+                <a16:creationId xmlns:a16="http://schemas.microsoft.com/office/drawing/2014/main" id="{009D6097-CE57-4C1B-9218-5B62B542F2CF}"/>
+              </a:ext>
+            </a:extLst>
+          </p:cNvPr>
+          <p:cNvSpPr txBox="1"/>
+          <p:nvPr/>
+        </p:nvSpPr>
+        <p:spPr>
+          <a:xfrm>
+            <a:off x="1274323" y="389104"/>
+            <a:ext cx="7402749" cy="707886"/>
+          </a:xfrm>
+          <a:prstGeom prst="rect">
+            <a:avLst/>
+          </a:prstGeom>
+          <a:noFill/>
+        </p:spPr>
+        <p:txBody>
+          <a:bodyPr wrap="square" rtlCol="0">
+            <a:spAutoFit/>
+          </a:bodyPr>
+          <a:lstStyle/>
+          <a:p>
+            <a:r>
+              <a:rPr lang="en-GB" sz="4000" dirty="0">
+                <a:solidFill>
+                  <a:schemeClr val="bg1"/>
+                </a:solidFill>
+              </a:rPr>
+              <a:t>INHALT</a:t>
+            </a:r>
+            <a:endParaRPr lang="de-AT" sz="4000" dirty="0">
+              <a:solidFill>
+                <a:schemeClr val="bg1"/>
+              </a:solidFill>
+            </a:endParaRPr>
+          </a:p>
+        </p:txBody>
+      </p:sp>
+      <p:sp>
+        <p:nvSpPr>
+          <p:cNvPr id="4" name="Textfeld 3">
+            <a:extLst>
+              <a:ext uri="{FF2B5EF4-FFF2-40B4-BE49-F238E27FC236}">
+                <a16:creationId xmlns:a16="http://schemas.microsoft.com/office/drawing/2014/main" id="{4AFCA2CE-E68A-4E9D-9915-E4E8ADE04C7A}"/>
+              </a:ext>
+            </a:extLst>
+          </p:cNvPr>
+          <p:cNvSpPr txBox="1"/>
+          <p:nvPr/>
+        </p:nvSpPr>
+        <p:spPr>
+          <a:xfrm>
+            <a:off x="1274323" y="1429966"/>
+            <a:ext cx="7782128" cy="1384995"/>
+          </a:xfrm>
+          <a:prstGeom prst="rect">
+            <a:avLst/>
+          </a:prstGeom>
+          <a:noFill/>
+        </p:spPr>
+        <p:txBody>
+          <a:bodyPr wrap="square" rtlCol="0">
+            <a:spAutoFit/>
+          </a:bodyPr>
+          <a:lstStyle/>
+          <a:p>
+            <a:pPr marL="285750" indent="-285750">
+              <a:buFont typeface="Arial" panose="020B0604020202020204" pitchFamily="34" charset="0"/>
+              <a:buChar char="•"/>
+            </a:pPr>
+            <a:r>
+              <a:rPr lang="en-GB" sz="2800" dirty="0" err="1">
+                <a:solidFill>
+                  <a:schemeClr val="bg1"/>
+                </a:solidFill>
+              </a:rPr>
+              <a:t>Erster</a:t>
+            </a:r>
+            <a:r>
+              <a:rPr lang="en-GB" sz="2800" dirty="0">
+                <a:solidFill>
+                  <a:schemeClr val="bg1"/>
+                </a:solidFill>
+              </a:rPr>
+              <a:t> </a:t>
+            </a:r>
+            <a:r>
+              <a:rPr lang="en-GB" sz="2800" dirty="0" err="1">
+                <a:solidFill>
+                  <a:schemeClr val="bg1"/>
+                </a:solidFill>
+              </a:rPr>
+              <a:t>Punkt</a:t>
+            </a:r>
+            <a:endParaRPr lang="en-GB" sz="2800" dirty="0">
+              <a:solidFill>
+                <a:schemeClr val="bg1"/>
+              </a:solidFill>
+            </a:endParaRPr>
+          </a:p>
+          <a:p>
+            <a:pPr marL="285750" indent="-285750">
+              <a:buFont typeface="Arial" panose="020B0604020202020204" pitchFamily="34" charset="0"/>
+              <a:buChar char="•"/>
+            </a:pPr>
+            <a:r>
+              <a:rPr lang="en-GB" sz="2800" dirty="0" err="1">
+                <a:solidFill>
+                  <a:schemeClr val="bg1"/>
+                </a:solidFill>
+              </a:rPr>
+              <a:t>Zweiter</a:t>
+            </a:r>
+            <a:r>
+              <a:rPr lang="en-GB" sz="2800" dirty="0">
+                <a:solidFill>
+                  <a:schemeClr val="bg1"/>
+                </a:solidFill>
+              </a:rPr>
+              <a:t> </a:t>
+            </a:r>
+            <a:r>
+              <a:rPr lang="en-GB" sz="2800" dirty="0" err="1">
+                <a:solidFill>
+                  <a:schemeClr val="bg1"/>
+                </a:solidFill>
+              </a:rPr>
+              <a:t>Punkt</a:t>
+            </a:r>
+            <a:endParaRPr lang="en-GB" sz="2800" dirty="0">
+              <a:solidFill>
+                <a:schemeClr val="bg1"/>
+              </a:solidFill>
+            </a:endParaRPr>
+          </a:p>
+          <a:p>
+            <a:pPr marL="285750" indent="-285750">
+              <a:buFont typeface="Arial" panose="020B0604020202020204" pitchFamily="34" charset="0"/>
+              <a:buChar char="•"/>
+            </a:pPr>
+            <a:r>
+              <a:rPr lang="en-GB" sz="2800" dirty="0" err="1">
+                <a:solidFill>
+                  <a:schemeClr val="bg1"/>
+                </a:solidFill>
+              </a:rPr>
+              <a:t>Dritter</a:t>
+            </a:r>
+            <a:r>
+              <a:rPr lang="en-GB" sz="2800" dirty="0">
+                <a:solidFill>
+                  <a:schemeClr val="bg1"/>
+                </a:solidFill>
+              </a:rPr>
+              <a:t> </a:t>
+            </a:r>
+            <a:r>
+              <a:rPr lang="en-GB" sz="2800" dirty="0" err="1">
+                <a:solidFill>
+                  <a:schemeClr val="bg1"/>
+                </a:solidFill>
+              </a:rPr>
+              <a:t>Punkt</a:t>
+            </a:r>
+            <a:endParaRPr lang="de-AT" sz="2800" dirty="0">
+              <a:solidFill>
+                <a:schemeClr val="bg1"/>
+              </a:solidFill>
+            </a:endParaRPr>
+          </a:p>
+        </p:txBody>
+      </p:sp>
+    </p:spTree>
+    <p:extLst>
+      <p:ext uri="{BB962C8B-B14F-4D97-AF65-F5344CB8AC3E}">
+        <p14:creationId xmlns:p14="http://schemas.microsoft.com/office/powerpoint/2010/main" val="158230458"/>
+      </p:ext>
+    </p:extLst>
+  </p:cSld>
+  <p:clrMapOvr>
+    <a:masterClrMapping/>
+  </p:clrMapOvr>
+</p:sld>
+</file>
+
+<file path=ppt/slides/slide15.xml><?xml version="1.0" encoding="utf-8"?>
+<p:sld xmlns:a="http://schemas.openxmlformats.org/drawingml/2006/main" xmlns:r="http://schemas.openxmlformats.org/officeDocument/2006/relationships" xmlns:p="http://schemas.openxmlformats.org/presentationml/2006/main" show="0">
+  <p:cSld>
+    <p:bg>
+      <p:bgPr>
+        <a:solidFill>
+          <a:schemeClr val="tx1"/>
+        </a:solidFill>
+        <a:effectLst/>
+      </p:bgPr>
+    </p:bg>
+    <p:spTree>
+      <p:nvGrpSpPr>
+        <p:cNvPr id="1" name=""/>
+        <p:cNvGrpSpPr/>
+        <p:nvPr/>
+      </p:nvGrpSpPr>
+      <p:grpSpPr>
+        <a:xfrm>
+          <a:off x="0" y="0"/>
+          <a:ext cx="0" cy="0"/>
+          <a:chOff x="0" y="0"/>
+          <a:chExt cx="0" cy="0"/>
+        </a:xfrm>
+      </p:grpSpPr>
+      <p:cxnSp>
+        <p:nvCxnSpPr>
+          <p:cNvPr id="3" name="Gerader Verbinder 2">
+            <a:extLst>
+              <a:ext uri="{FF2B5EF4-FFF2-40B4-BE49-F238E27FC236}">
+                <a16:creationId xmlns:a16="http://schemas.microsoft.com/office/drawing/2014/main" id="{761B5283-BF06-4D2E-BB29-31CBEA529E60}"/>
+              </a:ext>
+            </a:extLst>
+          </p:cNvPr>
+          <p:cNvCxnSpPr>
+            <a:cxnSpLocks/>
+          </p:cNvCxnSpPr>
+          <p:nvPr/>
+        </p:nvCxnSpPr>
+        <p:spPr>
+          <a:xfrm>
+            <a:off x="1274323" y="4922203"/>
+            <a:ext cx="9643354" cy="0"/>
+          </a:xfrm>
+          <a:prstGeom prst="line">
+            <a:avLst/>
+          </a:prstGeom>
+          <a:ln w="19050">
+            <a:solidFill>
+              <a:srgbClr val="0052C8"/>
+            </a:solidFill>
+          </a:ln>
+        </p:spPr>
+        <p:style>
+          <a:lnRef idx="1">
+            <a:schemeClr val="accent1"/>
+          </a:lnRef>
+          <a:fillRef idx="0">
+            <a:schemeClr val="accent1"/>
+          </a:fillRef>
+          <a:effectRef idx="0">
+            <a:schemeClr val="accent1"/>
+          </a:effectRef>
+          <a:fontRef idx="minor">
+            <a:schemeClr val="tx1"/>
+          </a:fontRef>
+        </p:style>
+      </p:cxnSp>
+      <p:sp>
+        <p:nvSpPr>
+          <p:cNvPr id="2" name="Textfeld 1">
+            <a:extLst>
+              <a:ext uri="{FF2B5EF4-FFF2-40B4-BE49-F238E27FC236}">
+                <a16:creationId xmlns:a16="http://schemas.microsoft.com/office/drawing/2014/main" id="{009D6097-CE57-4C1B-9218-5B62B542F2CF}"/>
+              </a:ext>
+            </a:extLst>
+          </p:cNvPr>
+          <p:cNvSpPr txBox="1"/>
+          <p:nvPr/>
+        </p:nvSpPr>
+        <p:spPr>
+          <a:xfrm>
+            <a:off x="1274323" y="3988358"/>
+            <a:ext cx="8959175" cy="707886"/>
+          </a:xfrm>
+          <a:prstGeom prst="rect">
+            <a:avLst/>
+          </a:prstGeom>
+          <a:noFill/>
+        </p:spPr>
+        <p:txBody>
+          <a:bodyPr wrap="square" rtlCol="0">
+            <a:spAutoFit/>
+          </a:bodyPr>
+          <a:lstStyle/>
+          <a:p>
+            <a:r>
+              <a:rPr lang="en-GB" sz="4000" dirty="0">
+                <a:solidFill>
+                  <a:schemeClr val="bg1"/>
+                </a:solidFill>
+              </a:rPr>
+              <a:t>Die </a:t>
+            </a:r>
+            <a:r>
+              <a:rPr lang="en-GB" sz="4000" dirty="0" err="1">
+                <a:solidFill>
+                  <a:schemeClr val="bg1"/>
+                </a:solidFill>
+              </a:rPr>
+              <a:t>wichtigsten</a:t>
+            </a:r>
+            <a:r>
+              <a:rPr lang="en-GB" sz="4000" dirty="0">
+                <a:solidFill>
+                  <a:schemeClr val="bg1"/>
+                </a:solidFill>
+              </a:rPr>
+              <a:t> </a:t>
+            </a:r>
+            <a:r>
+              <a:rPr lang="en-GB" sz="4000" dirty="0" err="1">
+                <a:solidFill>
+                  <a:schemeClr val="bg1"/>
+                </a:solidFill>
+              </a:rPr>
+              <a:t>Kennzahlen</a:t>
+            </a:r>
+            <a:r>
+              <a:rPr lang="en-GB" sz="4000" dirty="0">
+                <a:solidFill>
+                  <a:schemeClr val="bg1"/>
+                </a:solidFill>
+              </a:rPr>
+              <a:t> </a:t>
+            </a:r>
+            <a:r>
+              <a:rPr lang="en-GB" sz="4000" dirty="0" err="1">
+                <a:solidFill>
+                  <a:schemeClr val="bg1"/>
+                </a:solidFill>
+              </a:rPr>
+              <a:t>im</a:t>
+            </a:r>
+            <a:r>
+              <a:rPr lang="en-GB" sz="4000" dirty="0">
+                <a:solidFill>
+                  <a:schemeClr val="bg1"/>
+                </a:solidFill>
+              </a:rPr>
+              <a:t> Detail</a:t>
+            </a:r>
+            <a:endParaRPr lang="de-AT" sz="4000" dirty="0">
+              <a:solidFill>
+                <a:schemeClr val="bg1"/>
+              </a:solidFill>
+            </a:endParaRPr>
+          </a:p>
+        </p:txBody>
+      </p:sp>
+    </p:spTree>
+    <p:extLst>
+      <p:ext uri="{BB962C8B-B14F-4D97-AF65-F5344CB8AC3E}">
+        <p14:creationId xmlns:p14="http://schemas.microsoft.com/office/powerpoint/2010/main" val="3703125568"/>
+      </p:ext>
+    </p:extLst>
+  </p:cSld>
+  <p:clrMapOvr>
+    <a:masterClrMapping/>
+  </p:clrMapOvr>
+</p:sld>
+</file>
+
+<file path=ppt/slides/slide16.xml><?xml version="1.0" encoding="utf-8"?>
 <p:sld xmlns:a="http://schemas.openxmlformats.org/drawingml/2006/main" xmlns:r="http://schemas.openxmlformats.org/officeDocument/2006/relationships" xmlns:p="http://schemas.openxmlformats.org/presentationml/2006/main">
   <p:cSld>
     <p:bg>
@@ -13151,17 +14925,33 @@
         </p:spPr>
         <p:txBody>
           <a:bodyPr wrap="square">
-            <a:normAutofit/>
+            <a:normAutofit fontScale="90000"/>
           </a:bodyPr>
           <a:lstStyle/>
           <a:p>
             <a:r>
-              <a:rPr lang="en-US" dirty="0">
+              <a:rPr lang="de-AT" dirty="0">
                 <a:solidFill>
                   <a:schemeClr val="bg1"/>
                 </a:solidFill>
               </a:rPr>
-              <a:t>Need to know</a:t>
+              <a:t>Zweck der Finanzierungs-</a:t>
+            </a:r>
+            <a:r>
+              <a:rPr lang="de-AT" dirty="0" err="1">
+                <a:solidFill>
+                  <a:schemeClr val="bg1"/>
+                </a:solidFill>
+              </a:rPr>
+              <a:t>kennzahlen</a:t>
+            </a:r>
+            <a:r>
+              <a:rPr lang="de-AT" dirty="0">
+                <a:solidFill>
+                  <a:schemeClr val="bg1"/>
+                </a:solidFill>
+              </a:rPr>
+              <a:t> </a:t>
             </a:r>
           </a:p>
         </p:txBody>
@@ -13217,7 +15007,7 @@
             <p:ph idx="1"/>
             <p:extLst>
               <p:ext uri="{D42A27DB-BD31-4B8C-83A1-F6EECF244321}">
-                <p14:modId xmlns:p14="http://schemas.microsoft.com/office/powerpoint/2010/main" val="1755388112"/>
+                <p14:modId xmlns:p14="http://schemas.microsoft.com/office/powerpoint/2010/main" val="1943389816"/>
               </p:ext>
             </p:extLst>
           </p:nvPr>
@@ -13245,7 +15035,7 @@
 </p:sld>
 </file>
 
-<file path=ppt/slides/slide3.xml><?xml version="1.0" encoding="utf-8"?>
+<file path=ppt/slides/slide17.xml><?xml version="1.0" encoding="utf-8"?>
 <p:sld xmlns:a="http://schemas.openxmlformats.org/drawingml/2006/main" xmlns:r="http://schemas.openxmlformats.org/officeDocument/2006/relationships" xmlns:p="http://schemas.openxmlformats.org/presentationml/2006/main">
   <p:cSld>
     <p:bg>
@@ -13492,7 +15282,7 @@
 </p:sld>
 </file>
 
-<file path=ppt/slides/slide4.xml><?xml version="1.0" encoding="utf-8"?>
+<file path=ppt/slides/slide18.xml><?xml version="1.0" encoding="utf-8"?>
 <p:sld xmlns:a="http://schemas.openxmlformats.org/drawingml/2006/main" xmlns:r="http://schemas.openxmlformats.org/officeDocument/2006/relationships" xmlns:p="http://schemas.openxmlformats.org/presentationml/2006/main">
   <p:cSld>
     <p:bg>
@@ -13738,7 +15528,7 @@
 </p:sld>
 </file>
 
-<file path=ppt/slides/slide5.xml><?xml version="1.0" encoding="utf-8"?>
+<file path=ppt/slides/slide19.xml><?xml version="1.0" encoding="utf-8"?>
 <p:sld xmlns:a="http://schemas.openxmlformats.org/drawingml/2006/main" xmlns:r="http://schemas.openxmlformats.org/officeDocument/2006/relationships" xmlns:p="http://schemas.openxmlformats.org/presentationml/2006/main">
   <p:cSld>
     <p:bg>
@@ -13905,6 +15695,1658 @@
     <p:extLst>
       <p:ext uri="{BB962C8B-B14F-4D97-AF65-F5344CB8AC3E}">
         <p14:creationId xmlns:p14="http://schemas.microsoft.com/office/powerpoint/2010/main" val="2673849116"/>
+      </p:ext>
+    </p:extLst>
+  </p:cSld>
+  <p:clrMapOvr>
+    <a:masterClrMapping/>
+  </p:clrMapOvr>
+</p:sld>
+</file>
+
+<file path=ppt/slides/slide2.xml><?xml version="1.0" encoding="utf-8"?>
+<p:sld xmlns:a="http://schemas.openxmlformats.org/drawingml/2006/main" xmlns:r="http://schemas.openxmlformats.org/officeDocument/2006/relationships" xmlns:p="http://schemas.openxmlformats.org/presentationml/2006/main">
+  <p:cSld>
+    <p:bg>
+      <p:bgPr>
+        <a:solidFill>
+          <a:schemeClr val="tx1"/>
+        </a:solidFill>
+        <a:effectLst/>
+      </p:bgPr>
+    </p:bg>
+    <p:spTree>
+      <p:nvGrpSpPr>
+        <p:cNvPr id="1" name=""/>
+        <p:cNvGrpSpPr/>
+        <p:nvPr/>
+      </p:nvGrpSpPr>
+      <p:grpSpPr>
+        <a:xfrm>
+          <a:off x="0" y="0"/>
+          <a:ext cx="0" cy="0"/>
+          <a:chOff x="0" y="0"/>
+          <a:chExt cx="0" cy="0"/>
+        </a:xfrm>
+      </p:grpSpPr>
+      <p:cxnSp>
+        <p:nvCxnSpPr>
+          <p:cNvPr id="3" name="Gerader Verbinder 2">
+            <a:extLst>
+              <a:ext uri="{FF2B5EF4-FFF2-40B4-BE49-F238E27FC236}">
+                <a16:creationId xmlns:a16="http://schemas.microsoft.com/office/drawing/2014/main" id="{761B5283-BF06-4D2E-BB29-31CBEA529E60}"/>
+              </a:ext>
+            </a:extLst>
+          </p:cNvPr>
+          <p:cNvCxnSpPr>
+            <a:cxnSpLocks/>
+          </p:cNvCxnSpPr>
+          <p:nvPr/>
+        </p:nvCxnSpPr>
+        <p:spPr>
+          <a:xfrm>
+            <a:off x="1274323" y="1215953"/>
+            <a:ext cx="9643354" cy="0"/>
+          </a:xfrm>
+          <a:prstGeom prst="line">
+            <a:avLst/>
+          </a:prstGeom>
+          <a:ln w="19050">
+            <a:solidFill>
+              <a:srgbClr val="0052C8"/>
+            </a:solidFill>
+          </a:ln>
+        </p:spPr>
+        <p:style>
+          <a:lnRef idx="1">
+            <a:schemeClr val="accent1"/>
+          </a:lnRef>
+          <a:fillRef idx="0">
+            <a:schemeClr val="accent1"/>
+          </a:fillRef>
+          <a:effectRef idx="0">
+            <a:schemeClr val="accent1"/>
+          </a:effectRef>
+          <a:fontRef idx="minor">
+            <a:schemeClr val="tx1"/>
+          </a:fontRef>
+        </p:style>
+      </p:cxnSp>
+      <p:sp>
+        <p:nvSpPr>
+          <p:cNvPr id="2" name="Textfeld 1">
+            <a:extLst>
+              <a:ext uri="{FF2B5EF4-FFF2-40B4-BE49-F238E27FC236}">
+                <a16:creationId xmlns:a16="http://schemas.microsoft.com/office/drawing/2014/main" id="{009D6097-CE57-4C1B-9218-5B62B542F2CF}"/>
+              </a:ext>
+            </a:extLst>
+          </p:cNvPr>
+          <p:cNvSpPr txBox="1"/>
+          <p:nvPr/>
+        </p:nvSpPr>
+        <p:spPr>
+          <a:xfrm>
+            <a:off x="1274323" y="389104"/>
+            <a:ext cx="7402749" cy="707886"/>
+          </a:xfrm>
+          <a:prstGeom prst="rect">
+            <a:avLst/>
+          </a:prstGeom>
+          <a:noFill/>
+        </p:spPr>
+        <p:txBody>
+          <a:bodyPr wrap="square" rtlCol="0">
+            <a:spAutoFit/>
+          </a:bodyPr>
+          <a:lstStyle/>
+          <a:p>
+            <a:r>
+              <a:rPr lang="en-GB" sz="4000" dirty="0" err="1">
+                <a:solidFill>
+                  <a:schemeClr val="bg1"/>
+                </a:solidFill>
+              </a:rPr>
+              <a:t>Inhalt</a:t>
+            </a:r>
+            <a:endParaRPr lang="de-AT" sz="4000" dirty="0">
+              <a:solidFill>
+                <a:schemeClr val="bg1"/>
+              </a:solidFill>
+            </a:endParaRPr>
+          </a:p>
+        </p:txBody>
+      </p:sp>
+      <p:sp>
+        <p:nvSpPr>
+          <p:cNvPr id="4" name="Textfeld 3">
+            <a:extLst>
+              <a:ext uri="{FF2B5EF4-FFF2-40B4-BE49-F238E27FC236}">
+                <a16:creationId xmlns:a16="http://schemas.microsoft.com/office/drawing/2014/main" id="{4AFCA2CE-E68A-4E9D-9915-E4E8ADE04C7A}"/>
+              </a:ext>
+            </a:extLst>
+          </p:cNvPr>
+          <p:cNvSpPr txBox="1"/>
+          <p:nvPr/>
+        </p:nvSpPr>
+        <p:spPr>
+          <a:xfrm>
+            <a:off x="1274323" y="1429966"/>
+            <a:ext cx="7782128" cy="1384995"/>
+          </a:xfrm>
+          <a:prstGeom prst="rect">
+            <a:avLst/>
+          </a:prstGeom>
+          <a:noFill/>
+        </p:spPr>
+        <p:txBody>
+          <a:bodyPr wrap="square" rtlCol="0">
+            <a:spAutoFit/>
+          </a:bodyPr>
+          <a:lstStyle/>
+          <a:p>
+            <a:pPr marL="285750" indent="-285750">
+              <a:buFont typeface="Arial" panose="020B0604020202020204" pitchFamily="34" charset="0"/>
+              <a:buChar char="•"/>
+            </a:pPr>
+            <a:r>
+              <a:rPr lang="en-GB" sz="2800" dirty="0" err="1">
+                <a:solidFill>
+                  <a:schemeClr val="bg1"/>
+                </a:solidFill>
+              </a:rPr>
+              <a:t>Erster</a:t>
+            </a:r>
+            <a:r>
+              <a:rPr lang="en-GB" sz="2800" dirty="0">
+                <a:solidFill>
+                  <a:schemeClr val="bg1"/>
+                </a:solidFill>
+              </a:rPr>
+              <a:t> </a:t>
+            </a:r>
+            <a:r>
+              <a:rPr lang="en-GB" sz="2800" dirty="0" err="1">
+                <a:solidFill>
+                  <a:schemeClr val="bg1"/>
+                </a:solidFill>
+              </a:rPr>
+              <a:t>Punkt</a:t>
+            </a:r>
+            <a:endParaRPr lang="en-GB" sz="2800" dirty="0">
+              <a:solidFill>
+                <a:schemeClr val="bg1"/>
+              </a:solidFill>
+            </a:endParaRPr>
+          </a:p>
+          <a:p>
+            <a:pPr marL="285750" indent="-285750">
+              <a:buFont typeface="Arial" panose="020B0604020202020204" pitchFamily="34" charset="0"/>
+              <a:buChar char="•"/>
+            </a:pPr>
+            <a:r>
+              <a:rPr lang="en-GB" sz="2800" dirty="0" err="1">
+                <a:solidFill>
+                  <a:schemeClr val="bg1"/>
+                </a:solidFill>
+              </a:rPr>
+              <a:t>Zweiter</a:t>
+            </a:r>
+            <a:r>
+              <a:rPr lang="en-GB" sz="2800" dirty="0">
+                <a:solidFill>
+                  <a:schemeClr val="bg1"/>
+                </a:solidFill>
+              </a:rPr>
+              <a:t> </a:t>
+            </a:r>
+            <a:r>
+              <a:rPr lang="en-GB" sz="2800" dirty="0" err="1">
+                <a:solidFill>
+                  <a:schemeClr val="bg1"/>
+                </a:solidFill>
+              </a:rPr>
+              <a:t>Punkt</a:t>
+            </a:r>
+            <a:endParaRPr lang="en-GB" sz="2800" dirty="0">
+              <a:solidFill>
+                <a:schemeClr val="bg1"/>
+              </a:solidFill>
+            </a:endParaRPr>
+          </a:p>
+          <a:p>
+            <a:pPr marL="285750" indent="-285750">
+              <a:buFont typeface="Arial" panose="020B0604020202020204" pitchFamily="34" charset="0"/>
+              <a:buChar char="•"/>
+            </a:pPr>
+            <a:r>
+              <a:rPr lang="en-GB" sz="2800" dirty="0" err="1">
+                <a:solidFill>
+                  <a:schemeClr val="bg1"/>
+                </a:solidFill>
+              </a:rPr>
+              <a:t>Dritter</a:t>
+            </a:r>
+            <a:r>
+              <a:rPr lang="en-GB" sz="2800" dirty="0">
+                <a:solidFill>
+                  <a:schemeClr val="bg1"/>
+                </a:solidFill>
+              </a:rPr>
+              <a:t> </a:t>
+            </a:r>
+            <a:r>
+              <a:rPr lang="en-GB" sz="2800" dirty="0" err="1">
+                <a:solidFill>
+                  <a:schemeClr val="bg1"/>
+                </a:solidFill>
+              </a:rPr>
+              <a:t>Punkt</a:t>
+            </a:r>
+            <a:endParaRPr lang="de-AT" sz="2800" dirty="0">
+              <a:solidFill>
+                <a:schemeClr val="bg1"/>
+              </a:solidFill>
+            </a:endParaRPr>
+          </a:p>
+        </p:txBody>
+      </p:sp>
+    </p:spTree>
+    <p:extLst>
+      <p:ext uri="{BB962C8B-B14F-4D97-AF65-F5344CB8AC3E}">
+        <p14:creationId xmlns:p14="http://schemas.microsoft.com/office/powerpoint/2010/main" val="1310894955"/>
+      </p:ext>
+    </p:extLst>
+  </p:cSld>
+  <p:clrMapOvr>
+    <a:masterClrMapping/>
+  </p:clrMapOvr>
+</p:sld>
+</file>
+
+<file path=ppt/slides/slide3.xml><?xml version="1.0" encoding="utf-8"?>
+<p:sld xmlns:a="http://schemas.openxmlformats.org/drawingml/2006/main" xmlns:r="http://schemas.openxmlformats.org/officeDocument/2006/relationships" xmlns:p="http://schemas.openxmlformats.org/presentationml/2006/main">
+  <p:cSld>
+    <p:bg>
+      <p:bgPr>
+        <a:solidFill>
+          <a:schemeClr val="tx1"/>
+        </a:solidFill>
+        <a:effectLst/>
+      </p:bgPr>
+    </p:bg>
+    <p:spTree>
+      <p:nvGrpSpPr>
+        <p:cNvPr id="1" name=""/>
+        <p:cNvGrpSpPr/>
+        <p:nvPr/>
+      </p:nvGrpSpPr>
+      <p:grpSpPr>
+        <a:xfrm>
+          <a:off x="0" y="0"/>
+          <a:ext cx="0" cy="0"/>
+          <a:chOff x="0" y="0"/>
+          <a:chExt cx="0" cy="0"/>
+        </a:xfrm>
+      </p:grpSpPr>
+      <p:cxnSp>
+        <p:nvCxnSpPr>
+          <p:cNvPr id="3" name="Gerader Verbinder 2">
+            <a:extLst>
+              <a:ext uri="{FF2B5EF4-FFF2-40B4-BE49-F238E27FC236}">
+                <a16:creationId xmlns:a16="http://schemas.microsoft.com/office/drawing/2014/main" id="{761B5283-BF06-4D2E-BB29-31CBEA529E60}"/>
+              </a:ext>
+            </a:extLst>
+          </p:cNvPr>
+          <p:cNvCxnSpPr>
+            <a:cxnSpLocks/>
+          </p:cNvCxnSpPr>
+          <p:nvPr/>
+        </p:nvCxnSpPr>
+        <p:spPr>
+          <a:xfrm>
+            <a:off x="1274323" y="4922203"/>
+            <a:ext cx="9643354" cy="0"/>
+          </a:xfrm>
+          <a:prstGeom prst="line">
+            <a:avLst/>
+          </a:prstGeom>
+          <a:ln w="19050">
+            <a:solidFill>
+              <a:srgbClr val="0052C8"/>
+            </a:solidFill>
+          </a:ln>
+        </p:spPr>
+        <p:style>
+          <a:lnRef idx="1">
+            <a:schemeClr val="accent1"/>
+          </a:lnRef>
+          <a:fillRef idx="0">
+            <a:schemeClr val="accent1"/>
+          </a:fillRef>
+          <a:effectRef idx="0">
+            <a:schemeClr val="accent1"/>
+          </a:effectRef>
+          <a:fontRef idx="minor">
+            <a:schemeClr val="tx1"/>
+          </a:fontRef>
+        </p:style>
+      </p:cxnSp>
+      <p:sp>
+        <p:nvSpPr>
+          <p:cNvPr id="2" name="Textfeld 1">
+            <a:extLst>
+              <a:ext uri="{FF2B5EF4-FFF2-40B4-BE49-F238E27FC236}">
+                <a16:creationId xmlns:a16="http://schemas.microsoft.com/office/drawing/2014/main" id="{009D6097-CE57-4C1B-9218-5B62B542F2CF}"/>
+              </a:ext>
+            </a:extLst>
+          </p:cNvPr>
+          <p:cNvSpPr txBox="1"/>
+          <p:nvPr/>
+        </p:nvSpPr>
+        <p:spPr>
+          <a:xfrm>
+            <a:off x="1274323" y="3988358"/>
+            <a:ext cx="8959175" cy="707886"/>
+          </a:xfrm>
+          <a:prstGeom prst="rect">
+            <a:avLst/>
+          </a:prstGeom>
+          <a:noFill/>
+        </p:spPr>
+        <p:txBody>
+          <a:bodyPr wrap="square" rtlCol="0">
+            <a:spAutoFit/>
+          </a:bodyPr>
+          <a:lstStyle/>
+          <a:p>
+            <a:r>
+              <a:rPr lang="en-GB" sz="4000" dirty="0">
+                <a:solidFill>
+                  <a:schemeClr val="bg1"/>
+                </a:solidFill>
+              </a:rPr>
+              <a:t>Die </a:t>
+            </a:r>
+            <a:r>
+              <a:rPr lang="en-GB" sz="4000" dirty="0" err="1">
+                <a:solidFill>
+                  <a:schemeClr val="bg1"/>
+                </a:solidFill>
+              </a:rPr>
+              <a:t>wichtigsten</a:t>
+            </a:r>
+            <a:r>
+              <a:rPr lang="en-GB" sz="4000" dirty="0">
+                <a:solidFill>
+                  <a:schemeClr val="bg1"/>
+                </a:solidFill>
+              </a:rPr>
+              <a:t> </a:t>
+            </a:r>
+            <a:r>
+              <a:rPr lang="en-GB" sz="4000" dirty="0" err="1">
+                <a:solidFill>
+                  <a:schemeClr val="bg1"/>
+                </a:solidFill>
+              </a:rPr>
+              <a:t>Kennzahlen</a:t>
+            </a:r>
+            <a:r>
+              <a:rPr lang="en-GB" sz="4000" dirty="0">
+                <a:solidFill>
+                  <a:schemeClr val="bg1"/>
+                </a:solidFill>
+              </a:rPr>
+              <a:t> </a:t>
+            </a:r>
+            <a:r>
+              <a:rPr lang="en-GB" sz="4000" dirty="0" err="1">
+                <a:solidFill>
+                  <a:schemeClr val="bg1"/>
+                </a:solidFill>
+              </a:rPr>
+              <a:t>im</a:t>
+            </a:r>
+            <a:r>
+              <a:rPr lang="en-GB" sz="4000" dirty="0">
+                <a:solidFill>
+                  <a:schemeClr val="bg1"/>
+                </a:solidFill>
+              </a:rPr>
+              <a:t> Detail</a:t>
+            </a:r>
+            <a:endParaRPr lang="de-AT" sz="4000" dirty="0">
+              <a:solidFill>
+                <a:schemeClr val="bg1"/>
+              </a:solidFill>
+            </a:endParaRPr>
+          </a:p>
+        </p:txBody>
+      </p:sp>
+    </p:spTree>
+    <p:extLst>
+      <p:ext uri="{BB962C8B-B14F-4D97-AF65-F5344CB8AC3E}">
+        <p14:creationId xmlns:p14="http://schemas.microsoft.com/office/powerpoint/2010/main" val="255550009"/>
+      </p:ext>
+    </p:extLst>
+  </p:cSld>
+  <p:clrMapOvr>
+    <a:masterClrMapping/>
+  </p:clrMapOvr>
+</p:sld>
+</file>
+
+<file path=ppt/slides/slide4.xml><?xml version="1.0" encoding="utf-8"?>
+<p:sld xmlns:a="http://schemas.openxmlformats.org/drawingml/2006/main" xmlns:r="http://schemas.openxmlformats.org/officeDocument/2006/relationships" xmlns:p="http://schemas.openxmlformats.org/presentationml/2006/main">
+  <p:cSld>
+    <p:bg>
+      <p:bgPr>
+        <a:solidFill>
+          <a:schemeClr val="tx1"/>
+        </a:solidFill>
+        <a:effectLst/>
+      </p:bgPr>
+    </p:bg>
+    <p:spTree>
+      <p:nvGrpSpPr>
+        <p:cNvPr id="1" name=""/>
+        <p:cNvGrpSpPr/>
+        <p:nvPr/>
+      </p:nvGrpSpPr>
+      <p:grpSpPr>
+        <a:xfrm>
+          <a:off x="0" y="0"/>
+          <a:ext cx="0" cy="0"/>
+          <a:chOff x="0" y="0"/>
+          <a:chExt cx="0" cy="0"/>
+        </a:xfrm>
+      </p:grpSpPr>
+      <p:cxnSp>
+        <p:nvCxnSpPr>
+          <p:cNvPr id="3" name="Gerader Verbinder 2">
+            <a:extLst>
+              <a:ext uri="{FF2B5EF4-FFF2-40B4-BE49-F238E27FC236}">
+                <a16:creationId xmlns:a16="http://schemas.microsoft.com/office/drawing/2014/main" id="{761B5283-BF06-4D2E-BB29-31CBEA529E60}"/>
+              </a:ext>
+            </a:extLst>
+          </p:cNvPr>
+          <p:cNvCxnSpPr>
+            <a:cxnSpLocks/>
+          </p:cNvCxnSpPr>
+          <p:nvPr/>
+        </p:nvCxnSpPr>
+        <p:spPr>
+          <a:xfrm>
+            <a:off x="1274323" y="1215953"/>
+            <a:ext cx="9643354" cy="0"/>
+          </a:xfrm>
+          <a:prstGeom prst="line">
+            <a:avLst/>
+          </a:prstGeom>
+          <a:ln w="19050">
+            <a:solidFill>
+              <a:srgbClr val="0052C8"/>
+            </a:solidFill>
+          </a:ln>
+        </p:spPr>
+        <p:style>
+          <a:lnRef idx="1">
+            <a:schemeClr val="accent1"/>
+          </a:lnRef>
+          <a:fillRef idx="0">
+            <a:schemeClr val="accent1"/>
+          </a:fillRef>
+          <a:effectRef idx="0">
+            <a:schemeClr val="accent1"/>
+          </a:effectRef>
+          <a:fontRef idx="minor">
+            <a:schemeClr val="tx1"/>
+          </a:fontRef>
+        </p:style>
+      </p:cxnSp>
+      <p:sp>
+        <p:nvSpPr>
+          <p:cNvPr id="2" name="Textfeld 1">
+            <a:extLst>
+              <a:ext uri="{FF2B5EF4-FFF2-40B4-BE49-F238E27FC236}">
+                <a16:creationId xmlns:a16="http://schemas.microsoft.com/office/drawing/2014/main" id="{009D6097-CE57-4C1B-9218-5B62B542F2CF}"/>
+              </a:ext>
+            </a:extLst>
+          </p:cNvPr>
+          <p:cNvSpPr txBox="1"/>
+          <p:nvPr/>
+        </p:nvSpPr>
+        <p:spPr>
+          <a:xfrm>
+            <a:off x="1274323" y="389104"/>
+            <a:ext cx="9967418" cy="707886"/>
+          </a:xfrm>
+          <a:prstGeom prst="rect">
+            <a:avLst/>
+          </a:prstGeom>
+          <a:noFill/>
+        </p:spPr>
+        <p:txBody>
+          <a:bodyPr wrap="square" rtlCol="0">
+            <a:spAutoFit/>
+          </a:bodyPr>
+          <a:lstStyle/>
+          <a:p>
+            <a:r>
+              <a:rPr lang="en-GB" sz="4000" dirty="0" err="1">
+                <a:solidFill>
+                  <a:schemeClr val="bg1"/>
+                </a:solidFill>
+              </a:rPr>
+              <a:t>Anlagenintensität</a:t>
+            </a:r>
+            <a:r>
+              <a:rPr lang="en-GB" sz="4000" dirty="0">
+                <a:solidFill>
+                  <a:schemeClr val="bg1"/>
+                </a:solidFill>
+              </a:rPr>
+              <a:t> | </a:t>
+            </a:r>
+            <a:r>
+              <a:rPr lang="en-GB" sz="4000" dirty="0" err="1">
+                <a:solidFill>
+                  <a:schemeClr val="bg1"/>
+                </a:solidFill>
+              </a:rPr>
+              <a:t>Umlaufintensität</a:t>
+            </a:r>
+            <a:endParaRPr lang="de-AT" sz="4000" dirty="0">
+              <a:solidFill>
+                <a:schemeClr val="bg1"/>
+              </a:solidFill>
+            </a:endParaRPr>
+          </a:p>
+        </p:txBody>
+      </p:sp>
+      <p:sp>
+        <p:nvSpPr>
+          <p:cNvPr id="4" name="Textfeld 3">
+            <a:extLst>
+              <a:ext uri="{FF2B5EF4-FFF2-40B4-BE49-F238E27FC236}">
+                <a16:creationId xmlns:a16="http://schemas.microsoft.com/office/drawing/2014/main" id="{4AFCA2CE-E68A-4E9D-9915-E4E8ADE04C7A}"/>
+              </a:ext>
+            </a:extLst>
+          </p:cNvPr>
+          <p:cNvSpPr txBox="1"/>
+          <p:nvPr/>
+        </p:nvSpPr>
+        <p:spPr>
+          <a:xfrm>
+            <a:off x="1274323" y="1429966"/>
+            <a:ext cx="7782128" cy="523220"/>
+          </a:xfrm>
+          <a:prstGeom prst="rect">
+            <a:avLst/>
+          </a:prstGeom>
+          <a:noFill/>
+        </p:spPr>
+        <p:txBody>
+          <a:bodyPr wrap="square" rtlCol="0">
+            <a:spAutoFit/>
+          </a:bodyPr>
+          <a:lstStyle/>
+          <a:p>
+            <a:pPr marL="285750" indent="-285750">
+              <a:buFont typeface="Arial" panose="020B0604020202020204" pitchFamily="34" charset="0"/>
+              <a:buChar char="•"/>
+            </a:pPr>
+            <a:r>
+              <a:rPr lang="en-GB" sz="2800" dirty="0" err="1">
+                <a:solidFill>
+                  <a:schemeClr val="bg1"/>
+                </a:solidFill>
+              </a:rPr>
+              <a:t>Platzhalter</a:t>
+            </a:r>
+            <a:endParaRPr lang="de-AT" sz="2800" dirty="0">
+              <a:solidFill>
+                <a:schemeClr val="bg1"/>
+              </a:solidFill>
+            </a:endParaRPr>
+          </a:p>
+        </p:txBody>
+      </p:sp>
+    </p:spTree>
+    <p:extLst>
+      <p:ext uri="{BB962C8B-B14F-4D97-AF65-F5344CB8AC3E}">
+        <p14:creationId xmlns:p14="http://schemas.microsoft.com/office/powerpoint/2010/main" val="3931687853"/>
+      </p:ext>
+    </p:extLst>
+  </p:cSld>
+  <p:clrMapOvr>
+    <a:masterClrMapping/>
+  </p:clrMapOvr>
+</p:sld>
+</file>
+
+<file path=ppt/slides/slide5.xml><?xml version="1.0" encoding="utf-8"?>
+<p:sld xmlns:a="http://schemas.openxmlformats.org/drawingml/2006/main" xmlns:r="http://schemas.openxmlformats.org/officeDocument/2006/relationships" xmlns:p="http://schemas.openxmlformats.org/presentationml/2006/main">
+  <p:cSld>
+    <p:bg>
+      <p:bgPr>
+        <a:solidFill>
+          <a:schemeClr val="tx1"/>
+        </a:solidFill>
+        <a:effectLst/>
+      </p:bgPr>
+    </p:bg>
+    <p:spTree>
+      <p:nvGrpSpPr>
+        <p:cNvPr id="1" name=""/>
+        <p:cNvGrpSpPr/>
+        <p:nvPr/>
+      </p:nvGrpSpPr>
+      <p:grpSpPr>
+        <a:xfrm>
+          <a:off x="0" y="0"/>
+          <a:ext cx="0" cy="0"/>
+          <a:chOff x="0" y="0"/>
+          <a:chExt cx="0" cy="0"/>
+        </a:xfrm>
+      </p:grpSpPr>
+      <p:cxnSp>
+        <p:nvCxnSpPr>
+          <p:cNvPr id="3" name="Gerader Verbinder 2">
+            <a:extLst>
+              <a:ext uri="{FF2B5EF4-FFF2-40B4-BE49-F238E27FC236}">
+                <a16:creationId xmlns:a16="http://schemas.microsoft.com/office/drawing/2014/main" id="{761B5283-BF06-4D2E-BB29-31CBEA529E60}"/>
+              </a:ext>
+            </a:extLst>
+          </p:cNvPr>
+          <p:cNvCxnSpPr>
+            <a:cxnSpLocks/>
+          </p:cNvCxnSpPr>
+          <p:nvPr/>
+        </p:nvCxnSpPr>
+        <p:spPr>
+          <a:xfrm>
+            <a:off x="1274323" y="1215953"/>
+            <a:ext cx="9643354" cy="0"/>
+          </a:xfrm>
+          <a:prstGeom prst="line">
+            <a:avLst/>
+          </a:prstGeom>
+          <a:ln w="19050">
+            <a:solidFill>
+              <a:srgbClr val="0052C8"/>
+            </a:solidFill>
+          </a:ln>
+        </p:spPr>
+        <p:style>
+          <a:lnRef idx="1">
+            <a:schemeClr val="accent1"/>
+          </a:lnRef>
+          <a:fillRef idx="0">
+            <a:schemeClr val="accent1"/>
+          </a:fillRef>
+          <a:effectRef idx="0">
+            <a:schemeClr val="accent1"/>
+          </a:effectRef>
+          <a:fontRef idx="minor">
+            <a:schemeClr val="tx1"/>
+          </a:fontRef>
+        </p:style>
+      </p:cxnSp>
+      <p:sp>
+        <p:nvSpPr>
+          <p:cNvPr id="2" name="Textfeld 1">
+            <a:extLst>
+              <a:ext uri="{FF2B5EF4-FFF2-40B4-BE49-F238E27FC236}">
+                <a16:creationId xmlns:a16="http://schemas.microsoft.com/office/drawing/2014/main" id="{009D6097-CE57-4C1B-9218-5B62B542F2CF}"/>
+              </a:ext>
+            </a:extLst>
+          </p:cNvPr>
+          <p:cNvSpPr txBox="1"/>
+          <p:nvPr/>
+        </p:nvSpPr>
+        <p:spPr>
+          <a:xfrm>
+            <a:off x="1274323" y="389104"/>
+            <a:ext cx="9967418" cy="707886"/>
+          </a:xfrm>
+          <a:prstGeom prst="rect">
+            <a:avLst/>
+          </a:prstGeom>
+          <a:noFill/>
+        </p:spPr>
+        <p:txBody>
+          <a:bodyPr wrap="square" rtlCol="0">
+            <a:spAutoFit/>
+          </a:bodyPr>
+          <a:lstStyle/>
+          <a:p>
+            <a:r>
+              <a:rPr lang="en-GB" sz="4000" dirty="0" err="1">
+                <a:solidFill>
+                  <a:schemeClr val="bg1"/>
+                </a:solidFill>
+              </a:rPr>
+              <a:t>Eigenkapitalquote</a:t>
+            </a:r>
+            <a:r>
+              <a:rPr lang="en-GB" sz="4000" dirty="0">
+                <a:solidFill>
+                  <a:schemeClr val="bg1"/>
+                </a:solidFill>
+              </a:rPr>
+              <a:t> | </a:t>
+            </a:r>
+            <a:r>
+              <a:rPr lang="en-GB" sz="4000" dirty="0" err="1">
+                <a:solidFill>
+                  <a:schemeClr val="bg1"/>
+                </a:solidFill>
+              </a:rPr>
+              <a:t>Fremdkapitalquote</a:t>
+            </a:r>
+            <a:endParaRPr lang="de-AT" sz="4000" dirty="0">
+              <a:solidFill>
+                <a:schemeClr val="bg1"/>
+              </a:solidFill>
+            </a:endParaRPr>
+          </a:p>
+        </p:txBody>
+      </p:sp>
+      <p:sp>
+        <p:nvSpPr>
+          <p:cNvPr id="4" name="Textfeld 3">
+            <a:extLst>
+              <a:ext uri="{FF2B5EF4-FFF2-40B4-BE49-F238E27FC236}">
+                <a16:creationId xmlns:a16="http://schemas.microsoft.com/office/drawing/2014/main" id="{4AFCA2CE-E68A-4E9D-9915-E4E8ADE04C7A}"/>
+              </a:ext>
+            </a:extLst>
+          </p:cNvPr>
+          <p:cNvSpPr txBox="1"/>
+          <p:nvPr/>
+        </p:nvSpPr>
+        <p:spPr>
+          <a:xfrm>
+            <a:off x="1274323" y="1429966"/>
+            <a:ext cx="7782128" cy="523220"/>
+          </a:xfrm>
+          <a:prstGeom prst="rect">
+            <a:avLst/>
+          </a:prstGeom>
+          <a:noFill/>
+        </p:spPr>
+        <p:txBody>
+          <a:bodyPr wrap="square" rtlCol="0">
+            <a:spAutoFit/>
+          </a:bodyPr>
+          <a:lstStyle/>
+          <a:p>
+            <a:pPr marL="285750" indent="-285750">
+              <a:buFont typeface="Arial" panose="020B0604020202020204" pitchFamily="34" charset="0"/>
+              <a:buChar char="•"/>
+            </a:pPr>
+            <a:r>
+              <a:rPr lang="en-GB" sz="2800" dirty="0" err="1">
+                <a:solidFill>
+                  <a:schemeClr val="bg1"/>
+                </a:solidFill>
+              </a:rPr>
+              <a:t>Platzhalter</a:t>
+            </a:r>
+            <a:endParaRPr lang="de-AT" sz="2800" dirty="0">
+              <a:solidFill>
+                <a:schemeClr val="bg1"/>
+              </a:solidFill>
+            </a:endParaRPr>
+          </a:p>
+        </p:txBody>
+      </p:sp>
+    </p:spTree>
+    <p:extLst>
+      <p:ext uri="{BB962C8B-B14F-4D97-AF65-F5344CB8AC3E}">
+        <p14:creationId xmlns:p14="http://schemas.microsoft.com/office/powerpoint/2010/main" val="2708369024"/>
+      </p:ext>
+    </p:extLst>
+  </p:cSld>
+  <p:clrMapOvr>
+    <a:masterClrMapping/>
+  </p:clrMapOvr>
+</p:sld>
+</file>
+
+<file path=ppt/slides/slide6.xml><?xml version="1.0" encoding="utf-8"?>
+<p:sld xmlns:a="http://schemas.openxmlformats.org/drawingml/2006/main" xmlns:r="http://schemas.openxmlformats.org/officeDocument/2006/relationships" xmlns:p="http://schemas.openxmlformats.org/presentationml/2006/main">
+  <p:cSld>
+    <p:bg>
+      <p:bgPr>
+        <a:solidFill>
+          <a:schemeClr val="tx1"/>
+        </a:solidFill>
+        <a:effectLst/>
+      </p:bgPr>
+    </p:bg>
+    <p:spTree>
+      <p:nvGrpSpPr>
+        <p:cNvPr id="1" name=""/>
+        <p:cNvGrpSpPr/>
+        <p:nvPr/>
+      </p:nvGrpSpPr>
+      <p:grpSpPr>
+        <a:xfrm>
+          <a:off x="0" y="0"/>
+          <a:ext cx="0" cy="0"/>
+          <a:chOff x="0" y="0"/>
+          <a:chExt cx="0" cy="0"/>
+        </a:xfrm>
+      </p:grpSpPr>
+      <p:cxnSp>
+        <p:nvCxnSpPr>
+          <p:cNvPr id="3" name="Gerader Verbinder 2">
+            <a:extLst>
+              <a:ext uri="{FF2B5EF4-FFF2-40B4-BE49-F238E27FC236}">
+                <a16:creationId xmlns:a16="http://schemas.microsoft.com/office/drawing/2014/main" id="{761B5283-BF06-4D2E-BB29-31CBEA529E60}"/>
+              </a:ext>
+            </a:extLst>
+          </p:cNvPr>
+          <p:cNvCxnSpPr>
+            <a:cxnSpLocks/>
+          </p:cNvCxnSpPr>
+          <p:nvPr/>
+        </p:nvCxnSpPr>
+        <p:spPr>
+          <a:xfrm>
+            <a:off x="1274323" y="1753833"/>
+            <a:ext cx="9643354" cy="0"/>
+          </a:xfrm>
+          <a:prstGeom prst="line">
+            <a:avLst/>
+          </a:prstGeom>
+          <a:ln w="19050">
+            <a:solidFill>
+              <a:srgbClr val="0052C8"/>
+            </a:solidFill>
+          </a:ln>
+        </p:spPr>
+        <p:style>
+          <a:lnRef idx="1">
+            <a:schemeClr val="accent1"/>
+          </a:lnRef>
+          <a:fillRef idx="0">
+            <a:schemeClr val="accent1"/>
+          </a:fillRef>
+          <a:effectRef idx="0">
+            <a:schemeClr val="accent1"/>
+          </a:effectRef>
+          <a:fontRef idx="minor">
+            <a:schemeClr val="tx1"/>
+          </a:fontRef>
+        </p:style>
+      </p:cxnSp>
+      <p:sp>
+        <p:nvSpPr>
+          <p:cNvPr id="2" name="Textfeld 1">
+            <a:extLst>
+              <a:ext uri="{FF2B5EF4-FFF2-40B4-BE49-F238E27FC236}">
+                <a16:creationId xmlns:a16="http://schemas.microsoft.com/office/drawing/2014/main" id="{009D6097-CE57-4C1B-9218-5B62B542F2CF}"/>
+              </a:ext>
+            </a:extLst>
+          </p:cNvPr>
+          <p:cNvSpPr txBox="1"/>
+          <p:nvPr/>
+        </p:nvSpPr>
+        <p:spPr>
+          <a:xfrm>
+            <a:off x="1274323" y="389104"/>
+            <a:ext cx="9967418" cy="1323439"/>
+          </a:xfrm>
+          <a:prstGeom prst="rect">
+            <a:avLst/>
+          </a:prstGeom>
+          <a:noFill/>
+        </p:spPr>
+        <p:txBody>
+          <a:bodyPr wrap="square" rtlCol="0">
+            <a:spAutoFit/>
+          </a:bodyPr>
+          <a:lstStyle/>
+          <a:p>
+            <a:r>
+              <a:rPr lang="en-GB" sz="4000" dirty="0" err="1">
+                <a:solidFill>
+                  <a:schemeClr val="bg1"/>
+                </a:solidFill>
+              </a:rPr>
+              <a:t>Fiktive</a:t>
+            </a:r>
+            <a:r>
+              <a:rPr lang="en-GB" sz="4000" dirty="0">
+                <a:solidFill>
+                  <a:schemeClr val="bg1"/>
+                </a:solidFill>
+              </a:rPr>
+              <a:t> </a:t>
+            </a:r>
+            <a:r>
+              <a:rPr lang="en-GB" sz="4000" dirty="0" err="1">
+                <a:solidFill>
+                  <a:schemeClr val="bg1"/>
+                </a:solidFill>
+              </a:rPr>
+              <a:t>Schuldentilgungsdauer</a:t>
+            </a:r>
+            <a:r>
+              <a:rPr lang="en-GB" sz="4000" dirty="0">
+                <a:solidFill>
+                  <a:schemeClr val="bg1"/>
+                </a:solidFill>
+              </a:rPr>
+              <a:t> (</a:t>
+            </a:r>
+            <a:r>
+              <a:rPr lang="en-GB" sz="4000" dirty="0" err="1">
+                <a:solidFill>
+                  <a:schemeClr val="bg1"/>
+                </a:solidFill>
+              </a:rPr>
+              <a:t>Entschuldungsdauer</a:t>
+            </a:r>
+            <a:r>
+              <a:rPr lang="en-GB" sz="4000" dirty="0">
+                <a:solidFill>
+                  <a:schemeClr val="bg1"/>
+                </a:solidFill>
+              </a:rPr>
+              <a:t>)</a:t>
+            </a:r>
+            <a:endParaRPr lang="de-AT" sz="4000" dirty="0">
+              <a:solidFill>
+                <a:schemeClr val="bg1"/>
+              </a:solidFill>
+            </a:endParaRPr>
+          </a:p>
+        </p:txBody>
+      </p:sp>
+      <p:sp>
+        <p:nvSpPr>
+          <p:cNvPr id="4" name="Textfeld 3">
+            <a:extLst>
+              <a:ext uri="{FF2B5EF4-FFF2-40B4-BE49-F238E27FC236}">
+                <a16:creationId xmlns:a16="http://schemas.microsoft.com/office/drawing/2014/main" id="{4AFCA2CE-E68A-4E9D-9915-E4E8ADE04C7A}"/>
+              </a:ext>
+            </a:extLst>
+          </p:cNvPr>
+          <p:cNvSpPr txBox="1"/>
+          <p:nvPr/>
+        </p:nvSpPr>
+        <p:spPr>
+          <a:xfrm>
+            <a:off x="1274323" y="2102316"/>
+            <a:ext cx="7782128" cy="523220"/>
+          </a:xfrm>
+          <a:prstGeom prst="rect">
+            <a:avLst/>
+          </a:prstGeom>
+          <a:noFill/>
+        </p:spPr>
+        <p:txBody>
+          <a:bodyPr wrap="square" rtlCol="0">
+            <a:spAutoFit/>
+          </a:bodyPr>
+          <a:lstStyle/>
+          <a:p>
+            <a:pPr marL="285750" indent="-285750">
+              <a:buFont typeface="Arial" panose="020B0604020202020204" pitchFamily="34" charset="0"/>
+              <a:buChar char="•"/>
+            </a:pPr>
+            <a:r>
+              <a:rPr lang="en-GB" sz="2800" dirty="0" err="1">
+                <a:solidFill>
+                  <a:schemeClr val="bg1"/>
+                </a:solidFill>
+              </a:rPr>
+              <a:t>Platzhalter</a:t>
+            </a:r>
+            <a:endParaRPr lang="de-AT" sz="2800" dirty="0">
+              <a:solidFill>
+                <a:schemeClr val="bg1"/>
+              </a:solidFill>
+            </a:endParaRPr>
+          </a:p>
+        </p:txBody>
+      </p:sp>
+    </p:spTree>
+    <p:extLst>
+      <p:ext uri="{BB962C8B-B14F-4D97-AF65-F5344CB8AC3E}">
+        <p14:creationId xmlns:p14="http://schemas.microsoft.com/office/powerpoint/2010/main" val="2614073432"/>
+      </p:ext>
+    </p:extLst>
+  </p:cSld>
+  <p:clrMapOvr>
+    <a:masterClrMapping/>
+  </p:clrMapOvr>
+</p:sld>
+</file>
+
+<file path=ppt/slides/slide7.xml><?xml version="1.0" encoding="utf-8"?>
+<p:sld xmlns:a="http://schemas.openxmlformats.org/drawingml/2006/main" xmlns:r="http://schemas.openxmlformats.org/officeDocument/2006/relationships" xmlns:p="http://schemas.openxmlformats.org/presentationml/2006/main">
+  <p:cSld>
+    <p:bg>
+      <p:bgPr>
+        <a:solidFill>
+          <a:schemeClr val="tx1"/>
+        </a:solidFill>
+        <a:effectLst/>
+      </p:bgPr>
+    </p:bg>
+    <p:spTree>
+      <p:nvGrpSpPr>
+        <p:cNvPr id="1" name=""/>
+        <p:cNvGrpSpPr/>
+        <p:nvPr/>
+      </p:nvGrpSpPr>
+      <p:grpSpPr>
+        <a:xfrm>
+          <a:off x="0" y="0"/>
+          <a:ext cx="0" cy="0"/>
+          <a:chOff x="0" y="0"/>
+          <a:chExt cx="0" cy="0"/>
+        </a:xfrm>
+      </p:grpSpPr>
+      <p:cxnSp>
+        <p:nvCxnSpPr>
+          <p:cNvPr id="3" name="Gerader Verbinder 2">
+            <a:extLst>
+              <a:ext uri="{FF2B5EF4-FFF2-40B4-BE49-F238E27FC236}">
+                <a16:creationId xmlns:a16="http://schemas.microsoft.com/office/drawing/2014/main" id="{761B5283-BF06-4D2E-BB29-31CBEA529E60}"/>
+              </a:ext>
+            </a:extLst>
+          </p:cNvPr>
+          <p:cNvCxnSpPr>
+            <a:cxnSpLocks/>
+          </p:cNvCxnSpPr>
+          <p:nvPr/>
+        </p:nvCxnSpPr>
+        <p:spPr>
+          <a:xfrm>
+            <a:off x="1274323" y="1215953"/>
+            <a:ext cx="9643354" cy="0"/>
+          </a:xfrm>
+          <a:prstGeom prst="line">
+            <a:avLst/>
+          </a:prstGeom>
+          <a:ln w="19050">
+            <a:solidFill>
+              <a:srgbClr val="0052C8"/>
+            </a:solidFill>
+          </a:ln>
+        </p:spPr>
+        <p:style>
+          <a:lnRef idx="1">
+            <a:schemeClr val="accent1"/>
+          </a:lnRef>
+          <a:fillRef idx="0">
+            <a:schemeClr val="accent1"/>
+          </a:fillRef>
+          <a:effectRef idx="0">
+            <a:schemeClr val="accent1"/>
+          </a:effectRef>
+          <a:fontRef idx="minor">
+            <a:schemeClr val="tx1"/>
+          </a:fontRef>
+        </p:style>
+      </p:cxnSp>
+      <p:sp>
+        <p:nvSpPr>
+          <p:cNvPr id="2" name="Textfeld 1">
+            <a:extLst>
+              <a:ext uri="{FF2B5EF4-FFF2-40B4-BE49-F238E27FC236}">
+                <a16:creationId xmlns:a16="http://schemas.microsoft.com/office/drawing/2014/main" id="{009D6097-CE57-4C1B-9218-5B62B542F2CF}"/>
+              </a:ext>
+            </a:extLst>
+          </p:cNvPr>
+          <p:cNvSpPr txBox="1"/>
+          <p:nvPr/>
+        </p:nvSpPr>
+        <p:spPr>
+          <a:xfrm>
+            <a:off x="1274323" y="389104"/>
+            <a:ext cx="9967418" cy="707886"/>
+          </a:xfrm>
+          <a:prstGeom prst="rect">
+            <a:avLst/>
+          </a:prstGeom>
+          <a:noFill/>
+        </p:spPr>
+        <p:txBody>
+          <a:bodyPr wrap="square" rtlCol="0">
+            <a:spAutoFit/>
+          </a:bodyPr>
+          <a:lstStyle/>
+          <a:p>
+            <a:r>
+              <a:rPr lang="en-GB" sz="4000" dirty="0" err="1">
+                <a:solidFill>
+                  <a:schemeClr val="bg1"/>
+                </a:solidFill>
+              </a:rPr>
+              <a:t>Lagerumschlagshäufigkeit</a:t>
+            </a:r>
+            <a:r>
+              <a:rPr lang="en-GB" sz="4000" dirty="0">
+                <a:solidFill>
+                  <a:schemeClr val="bg1"/>
+                </a:solidFill>
+              </a:rPr>
+              <a:t> | </a:t>
+            </a:r>
+            <a:r>
+              <a:rPr lang="en-GB" sz="4000" dirty="0" err="1">
+                <a:solidFill>
+                  <a:schemeClr val="bg1"/>
+                </a:solidFill>
+              </a:rPr>
+              <a:t>Lagerdauer</a:t>
+            </a:r>
+            <a:endParaRPr lang="de-AT" sz="4000" dirty="0">
+              <a:solidFill>
+                <a:schemeClr val="bg1"/>
+              </a:solidFill>
+            </a:endParaRPr>
+          </a:p>
+        </p:txBody>
+      </p:sp>
+      <p:sp>
+        <p:nvSpPr>
+          <p:cNvPr id="4" name="Textfeld 3">
+            <a:extLst>
+              <a:ext uri="{FF2B5EF4-FFF2-40B4-BE49-F238E27FC236}">
+                <a16:creationId xmlns:a16="http://schemas.microsoft.com/office/drawing/2014/main" id="{4AFCA2CE-E68A-4E9D-9915-E4E8ADE04C7A}"/>
+              </a:ext>
+            </a:extLst>
+          </p:cNvPr>
+          <p:cNvSpPr txBox="1"/>
+          <p:nvPr/>
+        </p:nvSpPr>
+        <p:spPr>
+          <a:xfrm>
+            <a:off x="1274323" y="1429966"/>
+            <a:ext cx="7782128" cy="523220"/>
+          </a:xfrm>
+          <a:prstGeom prst="rect">
+            <a:avLst/>
+          </a:prstGeom>
+          <a:noFill/>
+        </p:spPr>
+        <p:txBody>
+          <a:bodyPr wrap="square" rtlCol="0">
+            <a:spAutoFit/>
+          </a:bodyPr>
+          <a:lstStyle/>
+          <a:p>
+            <a:pPr marL="285750" indent="-285750">
+              <a:buFont typeface="Arial" panose="020B0604020202020204" pitchFamily="34" charset="0"/>
+              <a:buChar char="•"/>
+            </a:pPr>
+            <a:r>
+              <a:rPr lang="en-GB" sz="2800" dirty="0" err="1">
+                <a:solidFill>
+                  <a:schemeClr val="bg1"/>
+                </a:solidFill>
+              </a:rPr>
+              <a:t>Platzhalter</a:t>
+            </a:r>
+            <a:endParaRPr lang="de-AT" sz="2800" dirty="0">
+              <a:solidFill>
+                <a:schemeClr val="bg1"/>
+              </a:solidFill>
+            </a:endParaRPr>
+          </a:p>
+        </p:txBody>
+      </p:sp>
+    </p:spTree>
+    <p:extLst>
+      <p:ext uri="{BB962C8B-B14F-4D97-AF65-F5344CB8AC3E}">
+        <p14:creationId xmlns:p14="http://schemas.microsoft.com/office/powerpoint/2010/main" val="1554373919"/>
+      </p:ext>
+    </p:extLst>
+  </p:cSld>
+  <p:clrMapOvr>
+    <a:masterClrMapping/>
+  </p:clrMapOvr>
+</p:sld>
+</file>
+
+<file path=ppt/slides/slide8.xml><?xml version="1.0" encoding="utf-8"?>
+<p:sld xmlns:a="http://schemas.openxmlformats.org/drawingml/2006/main" xmlns:r="http://schemas.openxmlformats.org/officeDocument/2006/relationships" xmlns:p="http://schemas.openxmlformats.org/presentationml/2006/main">
+  <p:cSld>
+    <p:bg>
+      <p:bgPr>
+        <a:solidFill>
+          <a:schemeClr val="tx1"/>
+        </a:solidFill>
+        <a:effectLst/>
+      </p:bgPr>
+    </p:bg>
+    <p:spTree>
+      <p:nvGrpSpPr>
+        <p:cNvPr id="1" name=""/>
+        <p:cNvGrpSpPr/>
+        <p:nvPr/>
+      </p:nvGrpSpPr>
+      <p:grpSpPr>
+        <a:xfrm>
+          <a:off x="0" y="0"/>
+          <a:ext cx="0" cy="0"/>
+          <a:chOff x="0" y="0"/>
+          <a:chExt cx="0" cy="0"/>
+        </a:xfrm>
+      </p:grpSpPr>
+      <p:cxnSp>
+        <p:nvCxnSpPr>
+          <p:cNvPr id="3" name="Gerader Verbinder 2">
+            <a:extLst>
+              <a:ext uri="{FF2B5EF4-FFF2-40B4-BE49-F238E27FC236}">
+                <a16:creationId xmlns:a16="http://schemas.microsoft.com/office/drawing/2014/main" id="{761B5283-BF06-4D2E-BB29-31CBEA529E60}"/>
+              </a:ext>
+            </a:extLst>
+          </p:cNvPr>
+          <p:cNvCxnSpPr>
+            <a:cxnSpLocks/>
+          </p:cNvCxnSpPr>
+          <p:nvPr/>
+        </p:nvCxnSpPr>
+        <p:spPr>
+          <a:xfrm>
+            <a:off x="1274323" y="1753833"/>
+            <a:ext cx="9643354" cy="0"/>
+          </a:xfrm>
+          <a:prstGeom prst="line">
+            <a:avLst/>
+          </a:prstGeom>
+          <a:ln w="19050">
+            <a:solidFill>
+              <a:srgbClr val="0052C8"/>
+            </a:solidFill>
+          </a:ln>
+        </p:spPr>
+        <p:style>
+          <a:lnRef idx="1">
+            <a:schemeClr val="accent1"/>
+          </a:lnRef>
+          <a:fillRef idx="0">
+            <a:schemeClr val="accent1"/>
+          </a:fillRef>
+          <a:effectRef idx="0">
+            <a:schemeClr val="accent1"/>
+          </a:effectRef>
+          <a:fontRef idx="minor">
+            <a:schemeClr val="tx1"/>
+          </a:fontRef>
+        </p:style>
+      </p:cxnSp>
+      <p:sp>
+        <p:nvSpPr>
+          <p:cNvPr id="2" name="Textfeld 1">
+            <a:extLst>
+              <a:ext uri="{FF2B5EF4-FFF2-40B4-BE49-F238E27FC236}">
+                <a16:creationId xmlns:a16="http://schemas.microsoft.com/office/drawing/2014/main" id="{009D6097-CE57-4C1B-9218-5B62B542F2CF}"/>
+              </a:ext>
+            </a:extLst>
+          </p:cNvPr>
+          <p:cNvSpPr txBox="1"/>
+          <p:nvPr/>
+        </p:nvSpPr>
+        <p:spPr>
+          <a:xfrm>
+            <a:off x="1274323" y="389104"/>
+            <a:ext cx="9967418" cy="1323439"/>
+          </a:xfrm>
+          <a:prstGeom prst="rect">
+            <a:avLst/>
+          </a:prstGeom>
+          <a:noFill/>
+        </p:spPr>
+        <p:txBody>
+          <a:bodyPr wrap="square" rtlCol="0">
+            <a:spAutoFit/>
+          </a:bodyPr>
+          <a:lstStyle/>
+          <a:p>
+            <a:r>
+              <a:rPr lang="en-GB" sz="4000" dirty="0" err="1">
+                <a:solidFill>
+                  <a:schemeClr val="bg1"/>
+                </a:solidFill>
+              </a:rPr>
+              <a:t>Debitorenumschlagshäufigkeit</a:t>
+            </a:r>
+            <a:r>
+              <a:rPr lang="en-GB" sz="4000" dirty="0">
+                <a:solidFill>
+                  <a:schemeClr val="bg1"/>
+                </a:solidFill>
+              </a:rPr>
+              <a:t> –</a:t>
+            </a:r>
+            <a:br>
+              <a:rPr lang="en-GB" sz="4000" dirty="0">
+                <a:solidFill>
+                  <a:schemeClr val="bg1"/>
+                </a:solidFill>
+              </a:rPr>
+            </a:br>
+            <a:r>
+              <a:rPr lang="en-GB" sz="4000" dirty="0" err="1">
+                <a:solidFill>
+                  <a:schemeClr val="bg1"/>
+                </a:solidFill>
+              </a:rPr>
+              <a:t>Debitorendauer</a:t>
+            </a:r>
+            <a:r>
+              <a:rPr lang="en-GB" sz="4000" dirty="0">
+                <a:solidFill>
+                  <a:schemeClr val="bg1"/>
+                </a:solidFill>
+              </a:rPr>
+              <a:t> (</a:t>
+            </a:r>
+            <a:r>
+              <a:rPr lang="en-GB" sz="4000" dirty="0" err="1">
+                <a:solidFill>
+                  <a:schemeClr val="bg1"/>
+                </a:solidFill>
+              </a:rPr>
+              <a:t>Debitorenziel</a:t>
+            </a:r>
+            <a:r>
+              <a:rPr lang="en-GB" sz="4000" dirty="0">
+                <a:solidFill>
+                  <a:schemeClr val="bg1"/>
+                </a:solidFill>
+              </a:rPr>
+              <a:t>)</a:t>
+            </a:r>
+            <a:endParaRPr lang="de-AT" sz="4000" dirty="0">
+              <a:solidFill>
+                <a:schemeClr val="bg1"/>
+              </a:solidFill>
+            </a:endParaRPr>
+          </a:p>
+        </p:txBody>
+      </p:sp>
+      <p:sp>
+        <p:nvSpPr>
+          <p:cNvPr id="4" name="Textfeld 3">
+            <a:extLst>
+              <a:ext uri="{FF2B5EF4-FFF2-40B4-BE49-F238E27FC236}">
+                <a16:creationId xmlns:a16="http://schemas.microsoft.com/office/drawing/2014/main" id="{4AFCA2CE-E68A-4E9D-9915-E4E8ADE04C7A}"/>
+              </a:ext>
+            </a:extLst>
+          </p:cNvPr>
+          <p:cNvSpPr txBox="1"/>
+          <p:nvPr/>
+        </p:nvSpPr>
+        <p:spPr>
+          <a:xfrm>
+            <a:off x="1274323" y="2102316"/>
+            <a:ext cx="7782128" cy="523220"/>
+          </a:xfrm>
+          <a:prstGeom prst="rect">
+            <a:avLst/>
+          </a:prstGeom>
+          <a:noFill/>
+        </p:spPr>
+        <p:txBody>
+          <a:bodyPr wrap="square" rtlCol="0">
+            <a:spAutoFit/>
+          </a:bodyPr>
+          <a:lstStyle/>
+          <a:p>
+            <a:pPr marL="285750" indent="-285750">
+              <a:buFont typeface="Arial" panose="020B0604020202020204" pitchFamily="34" charset="0"/>
+              <a:buChar char="•"/>
+            </a:pPr>
+            <a:r>
+              <a:rPr lang="en-GB" sz="2800" dirty="0" err="1">
+                <a:solidFill>
+                  <a:schemeClr val="bg1"/>
+                </a:solidFill>
+              </a:rPr>
+              <a:t>Platzhalter</a:t>
+            </a:r>
+            <a:endParaRPr lang="de-AT" sz="2800" dirty="0">
+              <a:solidFill>
+                <a:schemeClr val="bg1"/>
+              </a:solidFill>
+            </a:endParaRPr>
+          </a:p>
+        </p:txBody>
+      </p:sp>
+    </p:spTree>
+    <p:extLst>
+      <p:ext uri="{BB962C8B-B14F-4D97-AF65-F5344CB8AC3E}">
+        <p14:creationId xmlns:p14="http://schemas.microsoft.com/office/powerpoint/2010/main" val="3311728465"/>
+      </p:ext>
+    </p:extLst>
+  </p:cSld>
+  <p:clrMapOvr>
+    <a:masterClrMapping/>
+  </p:clrMapOvr>
+</p:sld>
+</file>
+
+<file path=ppt/slides/slide9.xml><?xml version="1.0" encoding="utf-8"?>
+<p:sld xmlns:a="http://schemas.openxmlformats.org/drawingml/2006/main" xmlns:r="http://schemas.openxmlformats.org/officeDocument/2006/relationships" xmlns:p="http://schemas.openxmlformats.org/presentationml/2006/main">
+  <p:cSld>
+    <p:bg>
+      <p:bgPr>
+        <a:solidFill>
+          <a:schemeClr val="tx1"/>
+        </a:solidFill>
+        <a:effectLst/>
+      </p:bgPr>
+    </p:bg>
+    <p:spTree>
+      <p:nvGrpSpPr>
+        <p:cNvPr id="1" name=""/>
+        <p:cNvGrpSpPr/>
+        <p:nvPr/>
+      </p:nvGrpSpPr>
+      <p:grpSpPr>
+        <a:xfrm>
+          <a:off x="0" y="0"/>
+          <a:ext cx="0" cy="0"/>
+          <a:chOff x="0" y="0"/>
+          <a:chExt cx="0" cy="0"/>
+        </a:xfrm>
+      </p:grpSpPr>
+      <p:cxnSp>
+        <p:nvCxnSpPr>
+          <p:cNvPr id="3" name="Gerader Verbinder 2">
+            <a:extLst>
+              <a:ext uri="{FF2B5EF4-FFF2-40B4-BE49-F238E27FC236}">
+                <a16:creationId xmlns:a16="http://schemas.microsoft.com/office/drawing/2014/main" id="{761B5283-BF06-4D2E-BB29-31CBEA529E60}"/>
+              </a:ext>
+            </a:extLst>
+          </p:cNvPr>
+          <p:cNvCxnSpPr>
+            <a:cxnSpLocks/>
+          </p:cNvCxnSpPr>
+          <p:nvPr/>
+        </p:nvCxnSpPr>
+        <p:spPr>
+          <a:xfrm>
+            <a:off x="1274323" y="1753833"/>
+            <a:ext cx="9643354" cy="0"/>
+          </a:xfrm>
+          <a:prstGeom prst="line">
+            <a:avLst/>
+          </a:prstGeom>
+          <a:ln w="19050">
+            <a:solidFill>
+              <a:srgbClr val="0052C8"/>
+            </a:solidFill>
+          </a:ln>
+        </p:spPr>
+        <p:style>
+          <a:lnRef idx="1">
+            <a:schemeClr val="accent1"/>
+          </a:lnRef>
+          <a:fillRef idx="0">
+            <a:schemeClr val="accent1"/>
+          </a:fillRef>
+          <a:effectRef idx="0">
+            <a:schemeClr val="accent1"/>
+          </a:effectRef>
+          <a:fontRef idx="minor">
+            <a:schemeClr val="tx1"/>
+          </a:fontRef>
+        </p:style>
+      </p:cxnSp>
+      <p:sp>
+        <p:nvSpPr>
+          <p:cNvPr id="2" name="Textfeld 1">
+            <a:extLst>
+              <a:ext uri="{FF2B5EF4-FFF2-40B4-BE49-F238E27FC236}">
+                <a16:creationId xmlns:a16="http://schemas.microsoft.com/office/drawing/2014/main" id="{009D6097-CE57-4C1B-9218-5B62B542F2CF}"/>
+              </a:ext>
+            </a:extLst>
+          </p:cNvPr>
+          <p:cNvSpPr txBox="1"/>
+          <p:nvPr/>
+        </p:nvSpPr>
+        <p:spPr>
+          <a:xfrm>
+            <a:off x="1274323" y="389104"/>
+            <a:ext cx="9967418" cy="1323439"/>
+          </a:xfrm>
+          <a:prstGeom prst="rect">
+            <a:avLst/>
+          </a:prstGeom>
+          <a:noFill/>
+        </p:spPr>
+        <p:txBody>
+          <a:bodyPr wrap="square" rtlCol="0">
+            <a:spAutoFit/>
+          </a:bodyPr>
+          <a:lstStyle/>
+          <a:p>
+            <a:r>
+              <a:rPr lang="en-GB" sz="4000" dirty="0" err="1">
+                <a:solidFill>
+                  <a:schemeClr val="bg1"/>
+                </a:solidFill>
+              </a:rPr>
+              <a:t>Kreditorenumschlagshäufigkeit</a:t>
+            </a:r>
+            <a:r>
+              <a:rPr lang="en-GB" sz="4000" dirty="0">
+                <a:solidFill>
+                  <a:schemeClr val="bg1"/>
+                </a:solidFill>
+              </a:rPr>
+              <a:t> –</a:t>
+            </a:r>
+            <a:br>
+              <a:rPr lang="en-GB" sz="4000" dirty="0">
+                <a:solidFill>
+                  <a:schemeClr val="bg1"/>
+                </a:solidFill>
+              </a:rPr>
+            </a:br>
+            <a:r>
+              <a:rPr lang="en-GB" sz="4000" dirty="0" err="1">
+                <a:solidFill>
+                  <a:schemeClr val="bg1"/>
+                </a:solidFill>
+              </a:rPr>
+              <a:t>Kreditorendauer</a:t>
+            </a:r>
+            <a:r>
+              <a:rPr lang="en-GB" sz="4000" dirty="0">
+                <a:solidFill>
+                  <a:schemeClr val="bg1"/>
+                </a:solidFill>
+              </a:rPr>
+              <a:t> (</a:t>
+            </a:r>
+            <a:r>
+              <a:rPr lang="en-GB" sz="4000" dirty="0" err="1">
+                <a:solidFill>
+                  <a:schemeClr val="bg1"/>
+                </a:solidFill>
+              </a:rPr>
+              <a:t>Kreditorenziel</a:t>
+            </a:r>
+            <a:r>
+              <a:rPr lang="en-GB" sz="4000" dirty="0">
+                <a:solidFill>
+                  <a:schemeClr val="bg1"/>
+                </a:solidFill>
+              </a:rPr>
+              <a:t>)</a:t>
+            </a:r>
+            <a:endParaRPr lang="de-AT" sz="4000" dirty="0">
+              <a:solidFill>
+                <a:schemeClr val="bg1"/>
+              </a:solidFill>
+            </a:endParaRPr>
+          </a:p>
+        </p:txBody>
+      </p:sp>
+      <p:sp>
+        <p:nvSpPr>
+          <p:cNvPr id="4" name="Textfeld 3">
+            <a:extLst>
+              <a:ext uri="{FF2B5EF4-FFF2-40B4-BE49-F238E27FC236}">
+                <a16:creationId xmlns:a16="http://schemas.microsoft.com/office/drawing/2014/main" id="{4AFCA2CE-E68A-4E9D-9915-E4E8ADE04C7A}"/>
+              </a:ext>
+            </a:extLst>
+          </p:cNvPr>
+          <p:cNvSpPr txBox="1"/>
+          <p:nvPr/>
+        </p:nvSpPr>
+        <p:spPr>
+          <a:xfrm>
+            <a:off x="1274323" y="2102316"/>
+            <a:ext cx="7782128" cy="523220"/>
+          </a:xfrm>
+          <a:prstGeom prst="rect">
+            <a:avLst/>
+          </a:prstGeom>
+          <a:noFill/>
+        </p:spPr>
+        <p:txBody>
+          <a:bodyPr wrap="square" rtlCol="0">
+            <a:spAutoFit/>
+          </a:bodyPr>
+          <a:lstStyle/>
+          <a:p>
+            <a:pPr marL="285750" indent="-285750">
+              <a:buFont typeface="Arial" panose="020B0604020202020204" pitchFamily="34" charset="0"/>
+              <a:buChar char="•"/>
+            </a:pPr>
+            <a:r>
+              <a:rPr lang="en-GB" sz="2800" dirty="0" err="1">
+                <a:solidFill>
+                  <a:schemeClr val="bg1"/>
+                </a:solidFill>
+              </a:rPr>
+              <a:t>Platzhalter</a:t>
+            </a:r>
+            <a:endParaRPr lang="de-AT" sz="2800" dirty="0">
+              <a:solidFill>
+                <a:schemeClr val="bg1"/>
+              </a:solidFill>
+            </a:endParaRPr>
+          </a:p>
+        </p:txBody>
+      </p:sp>
+    </p:spTree>
+    <p:extLst>
+      <p:ext uri="{BB962C8B-B14F-4D97-AF65-F5344CB8AC3E}">
+        <p14:creationId xmlns:p14="http://schemas.microsoft.com/office/powerpoint/2010/main" val="2861563437"/>
       </p:ext>
     </p:extLst>
   </p:cSld>
@@ -14765,24 +18207,6 @@
 </file>
 
 <file path=customXml/item1.xml><?xml version="1.0" encoding="utf-8"?>
-<p:properties xmlns:p="http://schemas.microsoft.com/office/2006/metadata/properties" xmlns:xsi="http://www.w3.org/2001/XMLSchema-instance" xmlns:pc="http://schemas.microsoft.com/office/infopath/2007/PartnerControls">
-  <documentManagement>
-    <MediaServiceKeyPoints xmlns="71af3243-3dd4-4a8d-8c0d-dd76da1f02a5" xsi:nil="true"/>
-    <Status xmlns="71af3243-3dd4-4a8d-8c0d-dd76da1f02a5">Not started</Status>
-  </documentManagement>
-</p:properties>
-</file>
-
-<file path=customXml/item2.xml><?xml version="1.0" encoding="utf-8"?>
-<?mso-contentType ?>
-<FormTemplates xmlns="http://schemas.microsoft.com/sharepoint/v3/contenttype/forms">
-  <Display>DocumentLibraryForm</Display>
-  <Edit>DocumentLibraryForm</Edit>
-  <New>DocumentLibraryForm</New>
-</FormTemplates>
-</file>
-
-<file path=customXml/item3.xml><?xml version="1.0" encoding="utf-8"?>
 <ct:contentTypeSchema xmlns:ct="http://schemas.microsoft.com/office/2006/metadata/contentType" xmlns:ma="http://schemas.microsoft.com/office/2006/metadata/properties/metaAttributes" ct:_="" ma:_="" ma:contentTypeName="Document" ma:contentTypeID="0x01010079F111ED35F8CC479449609E8A0923A6" ma:contentTypeVersion="12" ma:contentTypeDescription="Create a new document." ma:contentTypeScope="" ma:versionID="b385d60f68dd989dca1fdc827799d853">
   <xsd:schema xmlns:xsd="http://www.w3.org/2001/XMLSchema" xmlns:xs="http://www.w3.org/2001/XMLSchema" xmlns:p="http://schemas.microsoft.com/office/2006/metadata/properties" xmlns:ns2="71af3243-3dd4-4a8d-8c0d-dd76da1f02a5" xmlns:ns3="16c05727-aa75-4e4a-9b5f-8a80a1165891" targetNamespace="http://schemas.microsoft.com/office/2006/metadata/properties" ma:root="true" ma:fieldsID="1911b479caf7b199da365455750e4572" ns2:_="" ns3:_="">
     <xsd:import namespace="71af3243-3dd4-4a8d-8c0d-dd76da1f02a5"/>
@@ -15003,25 +18427,25 @@
 </ct:contentTypeSchema>
 </file>
 
-<file path=customXml/itemProps1.xml><?xml version="1.0" encoding="utf-8"?>
-<ds:datastoreItem xmlns:ds="http://schemas.openxmlformats.org/officeDocument/2006/customXml" ds:itemID="{69E38AEF-4E2D-4D00-9707-4356DDB77317}">
-  <ds:schemaRefs>
-    <ds:schemaRef ds:uri="http://schemas.microsoft.com/office/2006/metadata/properties"/>
-    <ds:schemaRef ds:uri="http://schemas.microsoft.com/office/infopath/2007/PartnerControls"/>
-    <ds:schemaRef ds:uri="71af3243-3dd4-4a8d-8c0d-dd76da1f02a5"/>
-  </ds:schemaRefs>
-</ds:datastoreItem>
+<file path=customXml/item2.xml><?xml version="1.0" encoding="utf-8"?>
+<?mso-contentType ?>
+<FormTemplates xmlns="http://schemas.microsoft.com/sharepoint/v3/contenttype/forms">
+  <Display>DocumentLibraryForm</Display>
+  <Edit>DocumentLibraryForm</Edit>
+  <New>DocumentLibraryForm</New>
+</FormTemplates>
 </file>
 
-<file path=customXml/itemProps2.xml><?xml version="1.0" encoding="utf-8"?>
-<ds:datastoreItem xmlns:ds="http://schemas.openxmlformats.org/officeDocument/2006/customXml" ds:itemID="{E7235C91-959C-45D9-B60A-005B894ACEE3}">
-  <ds:schemaRefs>
-    <ds:schemaRef ds:uri="http://schemas.microsoft.com/sharepoint/v3/contenttype/forms"/>
-  </ds:schemaRefs>
-</ds:datastoreItem>
+<file path=customXml/item3.xml><?xml version="1.0" encoding="utf-8"?>
+<p:properties xmlns:p="http://schemas.microsoft.com/office/2006/metadata/properties" xmlns:xsi="http://www.w3.org/2001/XMLSchema-instance" xmlns:pc="http://schemas.microsoft.com/office/infopath/2007/PartnerControls">
+  <documentManagement>
+    <MediaServiceKeyPoints xmlns="71af3243-3dd4-4a8d-8c0d-dd76da1f02a5" xsi:nil="true"/>
+    <Status xmlns="71af3243-3dd4-4a8d-8c0d-dd76da1f02a5">Not started</Status>
+  </documentManagement>
+</p:properties>
 </file>
 
-<file path=customXml/itemProps3.xml><?xml version="1.0" encoding="utf-8"?>
+<file path=customXml/itemProps1.xml><?xml version="1.0" encoding="utf-8"?>
 <ds:datastoreItem xmlns:ds="http://schemas.openxmlformats.org/officeDocument/2006/customXml" ds:itemID="{1EF06AFC-006B-4BB6-8B59-5A9E1B0534F1}">
   <ds:schemaRefs>
     <ds:schemaRef ds:uri="http://schemas.microsoft.com/office/2006/metadata/contentType"/>
@@ -15038,4 +18462,29 @@
     <ds:schemaRef ds:uri="http://schemas.microsoft.com/internal/obd"/>
   </ds:schemaRefs>
 </ds:datastoreItem>
+</file>
+
+<file path=customXml/itemProps2.xml><?xml version="1.0" encoding="utf-8"?>
+<ds:datastoreItem xmlns:ds="http://schemas.openxmlformats.org/officeDocument/2006/customXml" ds:itemID="{E7235C91-959C-45D9-B60A-005B894ACEE3}">
+  <ds:schemaRefs>
+    <ds:schemaRef ds:uri="http://schemas.microsoft.com/sharepoint/v3/contenttype/forms"/>
+  </ds:schemaRefs>
+</ds:datastoreItem>
+</file>
+
+<file path=customXml/itemProps3.xml><?xml version="1.0" encoding="utf-8"?>
+<ds:datastoreItem xmlns:ds="http://schemas.openxmlformats.org/officeDocument/2006/customXml" ds:itemID="{69E38AEF-4E2D-4D00-9707-4356DDB77317}">
+  <ds:schemaRefs>
+    <ds:schemaRef ds:uri="http://schemas.microsoft.com/office/2006/documentManagement/types"/>
+    <ds:schemaRef ds:uri="16c05727-aa75-4e4a-9b5f-8a80a1165891"/>
+    <ds:schemaRef ds:uri="http://www.w3.org/XML/1998/namespace"/>
+    <ds:schemaRef ds:uri="http://purl.org/dc/dcmitype/"/>
+    <ds:schemaRef ds:uri="http://purl.org/dc/terms/"/>
+    <ds:schemaRef ds:uri="http://purl.org/dc/elements/1.1/"/>
+    <ds:schemaRef ds:uri="http://schemas.microsoft.com/office/infopath/2007/PartnerControls"/>
+    <ds:schemaRef ds:uri="http://schemas.openxmlformats.org/package/2006/metadata/core-properties"/>
+    <ds:schemaRef ds:uri="71af3243-3dd4-4a8d-8c0d-dd76da1f02a5"/>
+    <ds:schemaRef ds:uri="http://schemas.microsoft.com/office/2006/metadata/properties"/>
+  </ds:schemaRefs>
+</ds:datastoreItem>
 </file>
--- a/Presentation-Kennzahlen.pptx
+++ b/Presentation-Kennzahlen.pptx
@@ -16233,85 +16233,358 @@
           <a:lstStyle/>
           <a:p>
             <a:r>
-              <a:rPr lang="en-GB" sz="4000" dirty="0" err="1">
+              <a:rPr lang="de-AT" sz="4000" dirty="0">
                 <a:solidFill>
                   <a:schemeClr val="bg1"/>
                 </a:solidFill>
               </a:rPr>
-              <a:t>Anlagenintensität</a:t>
+              <a:t>Anlagenintensität | Umlaufintensität</a:t>
             </a:r>
-            <a:r>
-              <a:rPr lang="en-GB" sz="4000" dirty="0">
-                <a:solidFill>
-                  <a:schemeClr val="bg1"/>
-                </a:solidFill>
-              </a:rPr>
-              <a:t> | </a:t>
-            </a:r>
-            <a:r>
-              <a:rPr lang="en-GB" sz="4000" dirty="0" err="1">
-                <a:solidFill>
-                  <a:schemeClr val="bg1"/>
-                </a:solidFill>
-              </a:rPr>
-              <a:t>Umlaufintensität</a:t>
-            </a:r>
-            <a:endParaRPr lang="de-AT" sz="4000" dirty="0">
-              <a:solidFill>
-                <a:schemeClr val="bg1"/>
-              </a:solidFill>
-            </a:endParaRPr>
           </a:p>
         </p:txBody>
       </p:sp>
-      <p:sp>
-        <p:nvSpPr>
-          <p:cNvPr id="4" name="Textfeld 3">
+      <mc:AlternateContent xmlns:mc="http://schemas.openxmlformats.org/markup-compatibility/2006">
+        <mc:Choice xmlns:a14="http://schemas.microsoft.com/office/drawing/2010/main" Requires="a14">
+          <p:sp>
+            <p:nvSpPr>
+              <p:cNvPr id="8" name="Textfeld 7">
+                <a:extLst>
+                  <a:ext uri="{FF2B5EF4-FFF2-40B4-BE49-F238E27FC236}">
+                    <a16:creationId xmlns:a16="http://schemas.microsoft.com/office/drawing/2014/main" id="{37DCE5E9-37B8-4166-8361-EFCC7CAB32D1}"/>
+                  </a:ext>
+                </a:extLst>
+              </p:cNvPr>
+              <p:cNvSpPr txBox="1"/>
+              <p:nvPr/>
+            </p:nvSpPr>
+            <p:spPr>
+              <a:xfrm>
+                <a:off x="1283455" y="5379058"/>
+                <a:ext cx="4340414" cy="525978"/>
+              </a:xfrm>
+              <a:prstGeom prst="rect">
+                <a:avLst/>
+              </a:prstGeom>
+              <a:solidFill>
+                <a:srgbClr val="00B050"/>
+              </a:solidFill>
+            </p:spPr>
+            <p:txBody>
+              <a:bodyPr wrap="square" lIns="0" tIns="0" rIns="0" bIns="0" rtlCol="0">
+                <a:spAutoFit/>
+              </a:bodyPr>
+              <a:lstStyle/>
+              <a:p>
+                <a14:m>
+                  <m:oMathPara xmlns:m="http://schemas.openxmlformats.org/officeDocument/2006/math">
+                    <m:oMathParaPr>
+                      <m:jc m:val="centerGroup"/>
+                    </m:oMathParaPr>
+                    <m:oMath xmlns:m="http://schemas.openxmlformats.org/officeDocument/2006/math">
+                      <m:f>
+                        <m:fPr>
+                          <m:ctrlPr>
+                            <a:rPr lang="en-US" i="1" smtClean="0">
+                              <a:solidFill>
+                                <a:schemeClr val="bg1"/>
+                              </a:solidFill>
+                              <a:latin typeface="Cambria Math" panose="02040503050406030204" pitchFamily="18" charset="0"/>
+                            </a:rPr>
+                          </m:ctrlPr>
+                        </m:fPr>
+                        <m:num>
+                          <m:r>
+                            <a:rPr lang="en-GB" b="0" i="1" smtClean="0">
+                              <a:solidFill>
+                                <a:schemeClr val="bg1"/>
+                              </a:solidFill>
+                              <a:latin typeface="Cambria Math" panose="02040503050406030204" pitchFamily="18" charset="0"/>
+                            </a:rPr>
+                            <m:t>𝐴𝑛𝑙𝑎𝑔𝑒𝑣𝑒𝑟𝑚</m:t>
+                          </m:r>
+                          <m:r>
+                            <a:rPr lang="en-GB" b="0" i="1" smtClean="0">
+                              <a:solidFill>
+                                <a:schemeClr val="bg1"/>
+                              </a:solidFill>
+                              <a:latin typeface="Cambria Math" panose="02040503050406030204" pitchFamily="18" charset="0"/>
+                            </a:rPr>
+                            <m:t>ö</m:t>
+                          </m:r>
+                          <m:r>
+                            <a:rPr lang="en-GB" b="0" i="1" smtClean="0">
+                              <a:solidFill>
+                                <a:schemeClr val="bg1"/>
+                              </a:solidFill>
+                              <a:latin typeface="Cambria Math" panose="02040503050406030204" pitchFamily="18" charset="0"/>
+                            </a:rPr>
+                            <m:t>𝑔𝑒𝑛</m:t>
+                          </m:r>
+                        </m:num>
+                        <m:den>
+                          <m:r>
+                            <a:rPr lang="en-GB" b="0" i="1" smtClean="0">
+                              <a:solidFill>
+                                <a:schemeClr val="bg1"/>
+                              </a:solidFill>
+                              <a:latin typeface="Cambria Math" panose="02040503050406030204" pitchFamily="18" charset="0"/>
+                            </a:rPr>
+                            <m:t>𝐵𝑖𝑙𝑎𝑚𝑛𝑧𝑠𝑢𝑚𝑚𝑒</m:t>
+                          </m:r>
+                        </m:den>
+                      </m:f>
+                      <m:r>
+                        <a:rPr lang="en-GB" b="0" i="1" smtClean="0">
+                          <a:solidFill>
+                            <a:schemeClr val="bg1"/>
+                          </a:solidFill>
+                          <a:latin typeface="Cambria Math" panose="02040503050406030204" pitchFamily="18" charset="0"/>
+                        </a:rPr>
+                        <m:t>∗100=28,1%</m:t>
+                      </m:r>
+                    </m:oMath>
+                  </m:oMathPara>
+                </a14:m>
+                <a:endParaRPr lang="de-AT" dirty="0">
+                  <a:solidFill>
+                    <a:schemeClr val="bg1"/>
+                  </a:solidFill>
+                </a:endParaRPr>
+              </a:p>
+            </p:txBody>
+          </p:sp>
+        </mc:Choice>
+        <mc:Fallback>
+          <p:sp>
+            <p:nvSpPr>
+              <p:cNvPr id="8" name="Textfeld 7">
+                <a:extLst>
+                  <a:ext uri="{FF2B5EF4-FFF2-40B4-BE49-F238E27FC236}">
+                    <a16:creationId xmlns:a16="http://schemas.microsoft.com/office/drawing/2014/main" id="{37DCE5E9-37B8-4166-8361-EFCC7CAB32D1}"/>
+                  </a:ext>
+                </a:extLst>
+              </p:cNvPr>
+              <p:cNvSpPr txBox="1">
+                <a:spLocks noRot="1" noChangeAspect="1" noMove="1" noResize="1" noEditPoints="1" noAdjustHandles="1" noChangeArrowheads="1" noChangeShapeType="1" noTextEdit="1"/>
+              </p:cNvSpPr>
+              <p:nvPr/>
+            </p:nvSpPr>
+            <p:spPr>
+              <a:xfrm>
+                <a:off x="1283455" y="5379058"/>
+                <a:ext cx="4340414" cy="525978"/>
+              </a:xfrm>
+              <a:prstGeom prst="rect">
+                <a:avLst/>
+              </a:prstGeom>
+              <a:blipFill>
+                <a:blip r:embed="rId2"/>
+                <a:stretch>
+                  <a:fillRect/>
+                </a:stretch>
+              </a:blipFill>
+            </p:spPr>
+            <p:txBody>
+              <a:bodyPr/>
+              <a:lstStyle/>
+              <a:p>
+                <a:r>
+                  <a:rPr lang="de-AT">
+                    <a:noFill/>
+                  </a:rPr>
+                  <a:t> </a:t>
+                </a:r>
+              </a:p>
+            </p:txBody>
+          </p:sp>
+        </mc:Fallback>
+      </mc:AlternateContent>
+      <mc:AlternateContent xmlns:mc="http://schemas.openxmlformats.org/markup-compatibility/2006">
+        <mc:Choice xmlns:a14="http://schemas.microsoft.com/office/drawing/2010/main" Requires="a14">
+          <p:sp>
+            <p:nvSpPr>
+              <p:cNvPr id="10" name="Textfeld 9">
+                <a:extLst>
+                  <a:ext uri="{FF2B5EF4-FFF2-40B4-BE49-F238E27FC236}">
+                    <a16:creationId xmlns:a16="http://schemas.microsoft.com/office/drawing/2014/main" id="{75F98BB5-81A3-4C12-A35E-16321FCA7777}"/>
+                  </a:ext>
+                </a:extLst>
+              </p:cNvPr>
+              <p:cNvSpPr txBox="1"/>
+              <p:nvPr/>
+            </p:nvSpPr>
+            <p:spPr>
+              <a:xfrm>
+                <a:off x="5824754" y="5379058"/>
+                <a:ext cx="4340414" cy="525978"/>
+              </a:xfrm>
+              <a:prstGeom prst="rect">
+                <a:avLst/>
+              </a:prstGeom>
+              <a:solidFill>
+                <a:srgbClr val="0070C0"/>
+              </a:solidFill>
+            </p:spPr>
+            <p:txBody>
+              <a:bodyPr wrap="square" lIns="0" tIns="0" rIns="0" bIns="0" rtlCol="0">
+                <a:spAutoFit/>
+              </a:bodyPr>
+              <a:lstStyle/>
+              <a:p>
+                <a14:m>
+                  <m:oMathPara xmlns:m="http://schemas.openxmlformats.org/officeDocument/2006/math">
+                    <m:oMathParaPr>
+                      <m:jc m:val="centerGroup"/>
+                    </m:oMathParaPr>
+                    <m:oMath xmlns:m="http://schemas.openxmlformats.org/officeDocument/2006/math">
+                      <m:f>
+                        <m:fPr>
+                          <m:ctrlPr>
+                            <a:rPr lang="en-US" i="1" smtClean="0">
+                              <a:solidFill>
+                                <a:schemeClr val="bg1"/>
+                              </a:solidFill>
+                              <a:latin typeface="Cambria Math" panose="02040503050406030204" pitchFamily="18" charset="0"/>
+                            </a:rPr>
+                          </m:ctrlPr>
+                        </m:fPr>
+                        <m:num>
+                          <m:r>
+                            <a:rPr lang="en-GB" b="0" i="1" smtClean="0">
+                              <a:solidFill>
+                                <a:schemeClr val="bg1"/>
+                              </a:solidFill>
+                              <a:latin typeface="Cambria Math" panose="02040503050406030204" pitchFamily="18" charset="0"/>
+                            </a:rPr>
+                            <m:t>𝑈𝑚𝑙𝑎𝑢𝑓𝑣𝑒𝑟𝑚</m:t>
+                          </m:r>
+                          <m:r>
+                            <a:rPr lang="en-GB" b="0" i="1" smtClean="0">
+                              <a:solidFill>
+                                <a:schemeClr val="bg1"/>
+                              </a:solidFill>
+                              <a:latin typeface="Cambria Math" panose="02040503050406030204" pitchFamily="18" charset="0"/>
+                            </a:rPr>
+                            <m:t>ö</m:t>
+                          </m:r>
+                          <m:r>
+                            <a:rPr lang="en-GB" b="0" i="1" smtClean="0">
+                              <a:solidFill>
+                                <a:schemeClr val="bg1"/>
+                              </a:solidFill>
+                              <a:latin typeface="Cambria Math" panose="02040503050406030204" pitchFamily="18" charset="0"/>
+                            </a:rPr>
+                            <m:t>𝑔𝑒𝑛</m:t>
+                          </m:r>
+                        </m:num>
+                        <m:den>
+                          <m:r>
+                            <a:rPr lang="en-GB" b="0" i="1" smtClean="0">
+                              <a:solidFill>
+                                <a:schemeClr val="bg1"/>
+                              </a:solidFill>
+                              <a:latin typeface="Cambria Math" panose="02040503050406030204" pitchFamily="18" charset="0"/>
+                            </a:rPr>
+                            <m:t>𝐵𝑖𝑙𝑎𝑚𝑛𝑧𝑠𝑢𝑚𝑚𝑒</m:t>
+                          </m:r>
+                        </m:den>
+                      </m:f>
+                      <m:r>
+                        <a:rPr lang="en-GB" b="0" i="1" smtClean="0">
+                          <a:solidFill>
+                            <a:schemeClr val="bg1"/>
+                          </a:solidFill>
+                          <a:latin typeface="Cambria Math" panose="02040503050406030204" pitchFamily="18" charset="0"/>
+                        </a:rPr>
+                        <m:t>∗100=79,1%</m:t>
+                      </m:r>
+                    </m:oMath>
+                  </m:oMathPara>
+                </a14:m>
+                <a:endParaRPr lang="de-AT" dirty="0">
+                  <a:solidFill>
+                    <a:schemeClr val="bg1"/>
+                  </a:solidFill>
+                </a:endParaRPr>
+              </a:p>
+            </p:txBody>
+          </p:sp>
+        </mc:Choice>
+        <mc:Fallback>
+          <p:sp>
+            <p:nvSpPr>
+              <p:cNvPr id="10" name="Textfeld 9">
+                <a:extLst>
+                  <a:ext uri="{FF2B5EF4-FFF2-40B4-BE49-F238E27FC236}">
+                    <a16:creationId xmlns:a16="http://schemas.microsoft.com/office/drawing/2014/main" id="{75F98BB5-81A3-4C12-A35E-16321FCA7777}"/>
+                  </a:ext>
+                </a:extLst>
+              </p:cNvPr>
+              <p:cNvSpPr txBox="1">
+                <a:spLocks noRot="1" noChangeAspect="1" noMove="1" noResize="1" noEditPoints="1" noAdjustHandles="1" noChangeArrowheads="1" noChangeShapeType="1" noTextEdit="1"/>
+              </p:cNvSpPr>
+              <p:nvPr/>
+            </p:nvSpPr>
+            <p:spPr>
+              <a:xfrm>
+                <a:off x="5824754" y="5379058"/>
+                <a:ext cx="4340414" cy="525978"/>
+              </a:xfrm>
+              <a:prstGeom prst="rect">
+                <a:avLst/>
+              </a:prstGeom>
+              <a:blipFill>
+                <a:blip r:embed="rId3"/>
+                <a:stretch>
+                  <a:fillRect/>
+                </a:stretch>
+              </a:blipFill>
+            </p:spPr>
+            <p:txBody>
+              <a:bodyPr/>
+              <a:lstStyle/>
+              <a:p>
+                <a:r>
+                  <a:rPr lang="de-AT">
+                    <a:noFill/>
+                  </a:rPr>
+                  <a:t> </a:t>
+                </a:r>
+              </a:p>
+            </p:txBody>
+          </p:sp>
+        </mc:Fallback>
+      </mc:AlternateContent>
+      <p:pic>
+        <p:nvPicPr>
+          <p:cNvPr id="12" name="Grafik 11">
             <a:extLst>
               <a:ext uri="{FF2B5EF4-FFF2-40B4-BE49-F238E27FC236}">
-                <a16:creationId xmlns:a16="http://schemas.microsoft.com/office/drawing/2014/main" id="{4AFCA2CE-E68A-4E9D-9915-E4E8ADE04C7A}"/>
+                <a16:creationId xmlns:a16="http://schemas.microsoft.com/office/drawing/2014/main" id="{D6116A1F-44CE-4C93-9BAB-010AC96AAE58}"/>
               </a:ext>
             </a:extLst>
           </p:cNvPr>
-          <p:cNvSpPr txBox="1"/>
+          <p:cNvPicPr>
+            <a:picLocks noChangeAspect="1"/>
+          </p:cNvPicPr>
           <p:nvPr/>
-        </p:nvSpPr>
+        </p:nvPicPr>
+        <p:blipFill>
+          <a:blip r:embed="rId4"/>
+          <a:stretch>
+            <a:fillRect/>
+          </a:stretch>
+        </p:blipFill>
         <p:spPr>
           <a:xfrm>
-            <a:off x="1274323" y="1429966"/>
-            <a:ext cx="7782128" cy="523220"/>
+            <a:off x="1283455" y="1378080"/>
+            <a:ext cx="7828461" cy="3336187"/>
           </a:xfrm>
           <a:prstGeom prst="rect">
             <a:avLst/>
           </a:prstGeom>
-          <a:noFill/>
         </p:spPr>
-        <p:txBody>
-          <a:bodyPr wrap="square" rtlCol="0">
-            <a:spAutoFit/>
-          </a:bodyPr>
-          <a:lstStyle/>
-          <a:p>
-            <a:pPr marL="285750" indent="-285750">
-              <a:buFont typeface="Arial" panose="020B0604020202020204" pitchFamily="34" charset="0"/>
-              <a:buChar char="•"/>
-            </a:pPr>
-            <a:r>
-              <a:rPr lang="en-GB" sz="2800" dirty="0" err="1">
-                <a:solidFill>
-                  <a:schemeClr val="bg1"/>
-                </a:solidFill>
-              </a:rPr>
-              <a:t>Platzhalter</a:t>
-            </a:r>
-            <a:endParaRPr lang="de-AT" sz="2800" dirty="0">
-              <a:solidFill>
-                <a:schemeClr val="bg1"/>
-              </a:solidFill>
-            </a:endParaRPr>
-          </a:p>
-        </p:txBody>
-      </p:sp>
+      </p:pic>
     </p:spTree>
     <p:extLst>
       <p:ext uri="{BB962C8B-B14F-4D97-AF65-F5344CB8AC3E}">
@@ -16422,85 +16695,354 @@
           <a:lstStyle/>
           <a:p>
             <a:r>
-              <a:rPr lang="en-GB" sz="4000" dirty="0" err="1">
+              <a:rPr lang="de-AT" sz="4000" dirty="0">
                 <a:solidFill>
                   <a:schemeClr val="bg1"/>
                 </a:solidFill>
               </a:rPr>
-              <a:t>Eigenkapitalquote</a:t>
+              <a:t>Eigenkapitalquote | Fremdkapitalquote</a:t>
             </a:r>
-            <a:r>
-              <a:rPr lang="en-GB" sz="4000" dirty="0">
-                <a:solidFill>
-                  <a:schemeClr val="bg1"/>
-                </a:solidFill>
-              </a:rPr>
-              <a:t> | </a:t>
-            </a:r>
-            <a:r>
-              <a:rPr lang="en-GB" sz="4000" dirty="0" err="1">
-                <a:solidFill>
-                  <a:schemeClr val="bg1"/>
-                </a:solidFill>
-              </a:rPr>
-              <a:t>Fremdkapitalquote</a:t>
-            </a:r>
-            <a:endParaRPr lang="de-AT" sz="4000" dirty="0">
-              <a:solidFill>
-                <a:schemeClr val="bg1"/>
-              </a:solidFill>
-            </a:endParaRPr>
           </a:p>
         </p:txBody>
       </p:sp>
-      <p:sp>
-        <p:nvSpPr>
-          <p:cNvPr id="4" name="Textfeld 3">
+      <p:pic>
+        <p:nvPicPr>
+          <p:cNvPr id="5" name="Grafik 4">
             <a:extLst>
               <a:ext uri="{FF2B5EF4-FFF2-40B4-BE49-F238E27FC236}">
-                <a16:creationId xmlns:a16="http://schemas.microsoft.com/office/drawing/2014/main" id="{4AFCA2CE-E68A-4E9D-9915-E4E8ADE04C7A}"/>
+                <a16:creationId xmlns:a16="http://schemas.microsoft.com/office/drawing/2014/main" id="{855A0DD1-DC56-4C4A-A8C1-82D31D201B91}"/>
               </a:ext>
             </a:extLst>
           </p:cNvPr>
-          <p:cNvSpPr txBox="1"/>
+          <p:cNvPicPr>
+            <a:picLocks noChangeAspect="1"/>
+          </p:cNvPicPr>
           <p:nvPr/>
-        </p:nvSpPr>
+        </p:nvPicPr>
+        <p:blipFill>
+          <a:blip r:embed="rId2"/>
+          <a:stretch>
+            <a:fillRect/>
+          </a:stretch>
+        </p:blipFill>
         <p:spPr>
           <a:xfrm>
-            <a:off x="1274323" y="1429966"/>
-            <a:ext cx="7782128" cy="523220"/>
+            <a:off x="1274323" y="1682880"/>
+            <a:ext cx="7532793" cy="3210185"/>
           </a:xfrm>
           <a:prstGeom prst="rect">
             <a:avLst/>
           </a:prstGeom>
-          <a:noFill/>
         </p:spPr>
-        <p:txBody>
-          <a:bodyPr wrap="square" rtlCol="0">
-            <a:spAutoFit/>
-          </a:bodyPr>
-          <a:lstStyle/>
-          <a:p>
-            <a:pPr marL="285750" indent="-285750">
-              <a:buFont typeface="Arial" panose="020B0604020202020204" pitchFamily="34" charset="0"/>
-              <a:buChar char="•"/>
-            </a:pPr>
-            <a:r>
-              <a:rPr lang="en-GB" sz="2800" dirty="0" err="1">
-                <a:solidFill>
-                  <a:schemeClr val="bg1"/>
-                </a:solidFill>
-              </a:rPr>
-              <a:t>Platzhalter</a:t>
-            </a:r>
-            <a:endParaRPr lang="de-AT" sz="2800" dirty="0">
+      </p:pic>
+      <mc:AlternateContent xmlns:mc="http://schemas.openxmlformats.org/markup-compatibility/2006">
+        <mc:Choice xmlns:a14="http://schemas.microsoft.com/office/drawing/2010/main" Requires="a14">
+          <p:sp>
+            <p:nvSpPr>
+              <p:cNvPr id="6" name="Textfeld 5">
+                <a:extLst>
+                  <a:ext uri="{FF2B5EF4-FFF2-40B4-BE49-F238E27FC236}">
+                    <a16:creationId xmlns:a16="http://schemas.microsoft.com/office/drawing/2014/main" id="{9F3A61EE-65D8-4A03-A6DE-6060EB5DB052}"/>
+                  </a:ext>
+                </a:extLst>
+              </p:cNvPr>
+              <p:cNvSpPr txBox="1"/>
+              <p:nvPr/>
+            </p:nvSpPr>
+            <p:spPr>
+              <a:xfrm>
+                <a:off x="1274323" y="5379058"/>
+                <a:ext cx="4340414" cy="544316"/>
+              </a:xfrm>
+              <a:prstGeom prst="rect">
+                <a:avLst/>
+              </a:prstGeom>
               <a:solidFill>
-                <a:schemeClr val="bg1"/>
+                <a:srgbClr val="00B050"/>
               </a:solidFill>
-            </a:endParaRPr>
-          </a:p>
-        </p:txBody>
-      </p:sp>
+            </p:spPr>
+            <p:txBody>
+              <a:bodyPr wrap="square" lIns="0" tIns="0" rIns="0" bIns="0" rtlCol="0">
+                <a:spAutoFit/>
+              </a:bodyPr>
+              <a:lstStyle/>
+              <a:p>
+                <a14:m>
+                  <m:oMathPara xmlns:m="http://schemas.openxmlformats.org/officeDocument/2006/math">
+                    <m:oMathParaPr>
+                      <m:jc m:val="centerGroup"/>
+                    </m:oMathParaPr>
+                    <m:oMath xmlns:m="http://schemas.openxmlformats.org/officeDocument/2006/math">
+                      <m:f>
+                        <m:fPr>
+                          <m:ctrlPr>
+                            <a:rPr lang="en-US" i="1" smtClean="0">
+                              <a:solidFill>
+                                <a:schemeClr val="bg1"/>
+                              </a:solidFill>
+                              <a:latin typeface="Cambria Math" panose="02040503050406030204" pitchFamily="18" charset="0"/>
+                            </a:rPr>
+                          </m:ctrlPr>
+                        </m:fPr>
+                        <m:num>
+                          <m:d>
+                            <m:dPr>
+                              <m:ctrlPr>
+                                <a:rPr lang="en-GB" b="0" i="1" smtClean="0">
+                                  <a:solidFill>
+                                    <a:schemeClr val="bg1"/>
+                                  </a:solidFill>
+                                  <a:latin typeface="Cambria Math" panose="02040503050406030204" pitchFamily="18" charset="0"/>
+                                </a:rPr>
+                              </m:ctrlPr>
+                            </m:dPr>
+                            <m:e>
+                              <m:r>
+                                <a:rPr lang="en-GB" b="0" i="1" smtClean="0">
+                                  <a:solidFill>
+                                    <a:schemeClr val="bg1"/>
+                                  </a:solidFill>
+                                  <a:latin typeface="Cambria Math" panose="02040503050406030204" pitchFamily="18" charset="0"/>
+                                </a:rPr>
+                                <m:t>𝐸𝑖𝑔𝑒𝑛</m:t>
+                              </m:r>
+                            </m:e>
+                          </m:d>
+                          <m:r>
+                            <a:rPr lang="en-GB" b="0" i="1" smtClean="0">
+                              <a:solidFill>
+                                <a:schemeClr val="bg1"/>
+                              </a:solidFill>
+                              <a:latin typeface="Cambria Math" panose="02040503050406030204" pitchFamily="18" charset="0"/>
+                            </a:rPr>
+                            <m:t> </m:t>
+                          </m:r>
+                          <m:r>
+                            <a:rPr lang="en-GB" b="0" i="1" smtClean="0">
+                              <a:solidFill>
+                                <a:schemeClr val="bg1"/>
+                              </a:solidFill>
+                              <a:latin typeface="Cambria Math" panose="02040503050406030204" pitchFamily="18" charset="0"/>
+                            </a:rPr>
+                            <m:t>𝐾𝑎𝑝𝑖𝑡𝑎𝑙</m:t>
+                          </m:r>
+                        </m:num>
+                        <m:den>
+                          <m:r>
+                            <a:rPr lang="en-GB" b="0" i="1" smtClean="0">
+                              <a:solidFill>
+                                <a:schemeClr val="bg1"/>
+                              </a:solidFill>
+                              <a:latin typeface="Cambria Math" panose="02040503050406030204" pitchFamily="18" charset="0"/>
+                            </a:rPr>
+                            <m:t>𝐵𝑖𝑙𝑎𝑚𝑛𝑧𝑠𝑢𝑚𝑚𝑒</m:t>
+                          </m:r>
+                        </m:den>
+                      </m:f>
+                      <m:r>
+                        <a:rPr lang="en-GB" b="0" i="1" smtClean="0">
+                          <a:solidFill>
+                            <a:schemeClr val="bg1"/>
+                          </a:solidFill>
+                          <a:latin typeface="Cambria Math" panose="02040503050406030204" pitchFamily="18" charset="0"/>
+                        </a:rPr>
+                        <m:t>∗100=40,8%</m:t>
+                      </m:r>
+                    </m:oMath>
+                  </m:oMathPara>
+                </a14:m>
+                <a:endParaRPr lang="de-AT" dirty="0">
+                  <a:solidFill>
+                    <a:schemeClr val="bg1"/>
+                  </a:solidFill>
+                </a:endParaRPr>
+              </a:p>
+            </p:txBody>
+          </p:sp>
+        </mc:Choice>
+        <mc:Fallback>
+          <p:sp>
+            <p:nvSpPr>
+              <p:cNvPr id="6" name="Textfeld 5">
+                <a:extLst>
+                  <a:ext uri="{FF2B5EF4-FFF2-40B4-BE49-F238E27FC236}">
+                    <a16:creationId xmlns:a16="http://schemas.microsoft.com/office/drawing/2014/main" id="{9F3A61EE-65D8-4A03-A6DE-6060EB5DB052}"/>
+                  </a:ext>
+                </a:extLst>
+              </p:cNvPr>
+              <p:cNvSpPr txBox="1">
+                <a:spLocks noRot="1" noChangeAspect="1" noMove="1" noResize="1" noEditPoints="1" noAdjustHandles="1" noChangeArrowheads="1" noChangeShapeType="1" noTextEdit="1"/>
+              </p:cNvSpPr>
+              <p:nvPr/>
+            </p:nvSpPr>
+            <p:spPr>
+              <a:xfrm>
+                <a:off x="1274323" y="5379058"/>
+                <a:ext cx="4340414" cy="544316"/>
+              </a:xfrm>
+              <a:prstGeom prst="rect">
+                <a:avLst/>
+              </a:prstGeom>
+              <a:blipFill>
+                <a:blip r:embed="rId3"/>
+                <a:stretch>
+                  <a:fillRect/>
+                </a:stretch>
+              </a:blipFill>
+            </p:spPr>
+            <p:txBody>
+              <a:bodyPr/>
+              <a:lstStyle/>
+              <a:p>
+                <a:r>
+                  <a:rPr lang="de-AT">
+                    <a:noFill/>
+                  </a:rPr>
+                  <a:t> </a:t>
+                </a:r>
+              </a:p>
+            </p:txBody>
+          </p:sp>
+        </mc:Fallback>
+      </mc:AlternateContent>
+      <mc:AlternateContent xmlns:mc="http://schemas.openxmlformats.org/markup-compatibility/2006">
+        <mc:Choice xmlns:a14="http://schemas.microsoft.com/office/drawing/2010/main" Requires="a14">
+          <p:sp>
+            <p:nvSpPr>
+              <p:cNvPr id="7" name="Textfeld 6">
+                <a:extLst>
+                  <a:ext uri="{FF2B5EF4-FFF2-40B4-BE49-F238E27FC236}">
+                    <a16:creationId xmlns:a16="http://schemas.microsoft.com/office/drawing/2014/main" id="{12D193CE-5831-4D4E-9725-A0EDCD1C42E6}"/>
+                  </a:ext>
+                </a:extLst>
+              </p:cNvPr>
+              <p:cNvSpPr txBox="1"/>
+              <p:nvPr/>
+            </p:nvSpPr>
+            <p:spPr>
+              <a:xfrm>
+                <a:off x="5815622" y="5379058"/>
+                <a:ext cx="4340414" cy="525978"/>
+              </a:xfrm>
+              <a:prstGeom prst="rect">
+                <a:avLst/>
+              </a:prstGeom>
+              <a:solidFill>
+                <a:srgbClr val="0070C0"/>
+              </a:solidFill>
+            </p:spPr>
+            <p:txBody>
+              <a:bodyPr wrap="square" lIns="0" tIns="0" rIns="0" bIns="0" rtlCol="0">
+                <a:spAutoFit/>
+              </a:bodyPr>
+              <a:lstStyle/>
+              <a:p>
+                <a14:m>
+                  <m:oMathPara xmlns:m="http://schemas.openxmlformats.org/officeDocument/2006/math">
+                    <m:oMathParaPr>
+                      <m:jc m:val="centerGroup"/>
+                    </m:oMathParaPr>
+                    <m:oMath xmlns:m="http://schemas.openxmlformats.org/officeDocument/2006/math">
+                      <m:f>
+                        <m:fPr>
+                          <m:ctrlPr>
+                            <a:rPr lang="en-US" i="1" smtClean="0">
+                              <a:solidFill>
+                                <a:schemeClr val="bg1"/>
+                              </a:solidFill>
+                              <a:latin typeface="Cambria Math" panose="02040503050406030204" pitchFamily="18" charset="0"/>
+                            </a:rPr>
+                          </m:ctrlPr>
+                        </m:fPr>
+                        <m:num>
+                          <m:r>
+                            <a:rPr lang="en-GB" b="0" i="1" smtClean="0">
+                              <a:solidFill>
+                                <a:schemeClr val="bg1"/>
+                              </a:solidFill>
+                              <a:latin typeface="Cambria Math" panose="02040503050406030204" pitchFamily="18" charset="0"/>
+                            </a:rPr>
+                            <m:t>𝐹𝑟𝑒𝑚𝑑𝑘𝑎𝑝𝑖𝑡𝑎𝑙</m:t>
+                          </m:r>
+                        </m:num>
+                        <m:den>
+                          <m:r>
+                            <a:rPr lang="en-GB" b="0" i="1" smtClean="0">
+                              <a:solidFill>
+                                <a:schemeClr val="bg1"/>
+                              </a:solidFill>
+                              <a:latin typeface="Cambria Math" panose="02040503050406030204" pitchFamily="18" charset="0"/>
+                            </a:rPr>
+                            <m:t>𝐵𝑖𝑙𝑎𝑚𝑛𝑧𝑠𝑢𝑚𝑚𝑒</m:t>
+                          </m:r>
+                        </m:den>
+                      </m:f>
+                      <m:r>
+                        <a:rPr lang="en-GB" b="0" i="1" smtClean="0">
+                          <a:solidFill>
+                            <a:schemeClr val="bg1"/>
+                          </a:solidFill>
+                          <a:latin typeface="Cambria Math" panose="02040503050406030204" pitchFamily="18" charset="0"/>
+                        </a:rPr>
+                        <m:t>∗100=59,2%</m:t>
+                      </m:r>
+                    </m:oMath>
+                  </m:oMathPara>
+                </a14:m>
+                <a:endParaRPr lang="de-AT" dirty="0">
+                  <a:solidFill>
+                    <a:schemeClr val="bg1"/>
+                  </a:solidFill>
+                </a:endParaRPr>
+              </a:p>
+            </p:txBody>
+          </p:sp>
+        </mc:Choice>
+        <mc:Fallback>
+          <p:sp>
+            <p:nvSpPr>
+              <p:cNvPr id="7" name="Textfeld 6">
+                <a:extLst>
+                  <a:ext uri="{FF2B5EF4-FFF2-40B4-BE49-F238E27FC236}">
+                    <a16:creationId xmlns:a16="http://schemas.microsoft.com/office/drawing/2014/main" id="{12D193CE-5831-4D4E-9725-A0EDCD1C42E6}"/>
+                  </a:ext>
+                </a:extLst>
+              </p:cNvPr>
+              <p:cNvSpPr txBox="1">
+                <a:spLocks noRot="1" noChangeAspect="1" noMove="1" noResize="1" noEditPoints="1" noAdjustHandles="1" noChangeArrowheads="1" noChangeShapeType="1" noTextEdit="1"/>
+              </p:cNvSpPr>
+              <p:nvPr/>
+            </p:nvSpPr>
+            <p:spPr>
+              <a:xfrm>
+                <a:off x="5815622" y="5379058"/>
+                <a:ext cx="4340414" cy="525978"/>
+              </a:xfrm>
+              <a:prstGeom prst="rect">
+                <a:avLst/>
+              </a:prstGeom>
+              <a:blipFill>
+                <a:blip r:embed="rId4"/>
+                <a:stretch>
+                  <a:fillRect/>
+                </a:stretch>
+              </a:blipFill>
+            </p:spPr>
+            <p:txBody>
+              <a:bodyPr/>
+              <a:lstStyle/>
+              <a:p>
+                <a:r>
+                  <a:rPr lang="de-AT">
+                    <a:noFill/>
+                  </a:rPr>
+                  <a:t> </a:t>
+                </a:r>
+              </a:p>
+            </p:txBody>
+          </p:sp>
+        </mc:Fallback>
+      </mc:AlternateContent>
     </p:spTree>
     <p:extLst>
       <p:ext uri="{BB962C8B-B14F-4D97-AF65-F5344CB8AC3E}">
@@ -18207,6 +18749,15 @@
 </file>
 
 <file path=customXml/item1.xml><?xml version="1.0" encoding="utf-8"?>
+<?mso-contentType ?>
+<FormTemplates xmlns="http://schemas.microsoft.com/sharepoint/v3/contenttype/forms">
+  <Display>DocumentLibraryForm</Display>
+  <Edit>DocumentLibraryForm</Edit>
+  <New>DocumentLibraryForm</New>
+</FormTemplates>
+</file>
+
+<file path=customXml/item2.xml><?xml version="1.0" encoding="utf-8"?>
 <ct:contentTypeSchema xmlns:ct="http://schemas.microsoft.com/office/2006/metadata/contentType" xmlns:ma="http://schemas.microsoft.com/office/2006/metadata/properties/metaAttributes" ct:_="" ma:_="" ma:contentTypeName="Document" ma:contentTypeID="0x01010079F111ED35F8CC479449609E8A0923A6" ma:contentTypeVersion="12" ma:contentTypeDescription="Create a new document." ma:contentTypeScope="" ma:versionID="b385d60f68dd989dca1fdc827799d853">
   <xsd:schema xmlns:xsd="http://www.w3.org/2001/XMLSchema" xmlns:xs="http://www.w3.org/2001/XMLSchema" xmlns:p="http://schemas.microsoft.com/office/2006/metadata/properties" xmlns:ns2="71af3243-3dd4-4a8d-8c0d-dd76da1f02a5" xmlns:ns3="16c05727-aa75-4e4a-9b5f-8a80a1165891" targetNamespace="http://schemas.microsoft.com/office/2006/metadata/properties" ma:root="true" ma:fieldsID="1911b479caf7b199da365455750e4572" ns2:_="" ns3:_="">
     <xsd:import namespace="71af3243-3dd4-4a8d-8c0d-dd76da1f02a5"/>
@@ -18427,15 +18978,6 @@
 </ct:contentTypeSchema>
 </file>
 
-<file path=customXml/item2.xml><?xml version="1.0" encoding="utf-8"?>
-<?mso-contentType ?>
-<FormTemplates xmlns="http://schemas.microsoft.com/sharepoint/v3/contenttype/forms">
-  <Display>DocumentLibraryForm</Display>
-  <Edit>DocumentLibraryForm</Edit>
-  <New>DocumentLibraryForm</New>
-</FormTemplates>
-</file>
-
 <file path=customXml/item3.xml><?xml version="1.0" encoding="utf-8"?>
 <p:properties xmlns:p="http://schemas.microsoft.com/office/2006/metadata/properties" xmlns:xsi="http://www.w3.org/2001/XMLSchema-instance" xmlns:pc="http://schemas.microsoft.com/office/infopath/2007/PartnerControls">
   <documentManagement>
@@ -18446,6 +18988,14 @@
 </file>
 
 <file path=customXml/itemProps1.xml><?xml version="1.0" encoding="utf-8"?>
+<ds:datastoreItem xmlns:ds="http://schemas.openxmlformats.org/officeDocument/2006/customXml" ds:itemID="{E7235C91-959C-45D9-B60A-005B894ACEE3}">
+  <ds:schemaRefs>
+    <ds:schemaRef ds:uri="http://schemas.microsoft.com/sharepoint/v3/contenttype/forms"/>
+  </ds:schemaRefs>
+</ds:datastoreItem>
+</file>
+
+<file path=customXml/itemProps2.xml><?xml version="1.0" encoding="utf-8"?>
 <ds:datastoreItem xmlns:ds="http://schemas.openxmlformats.org/officeDocument/2006/customXml" ds:itemID="{1EF06AFC-006B-4BB6-8B59-5A9E1B0534F1}">
   <ds:schemaRefs>
     <ds:schemaRef ds:uri="http://schemas.microsoft.com/office/2006/metadata/contentType"/>
@@ -18460,14 +19010,6 @@
     <ds:schemaRef ds:uri="http://purl.org/dc/elements/1.1/"/>
     <ds:schemaRef ds:uri="http://purl.org/dc/terms/"/>
     <ds:schemaRef ds:uri="http://schemas.microsoft.com/internal/obd"/>
-  </ds:schemaRefs>
-</ds:datastoreItem>
-</file>
-
-<file path=customXml/itemProps2.xml><?xml version="1.0" encoding="utf-8"?>
-<ds:datastoreItem xmlns:ds="http://schemas.openxmlformats.org/officeDocument/2006/customXml" ds:itemID="{E7235C91-959C-45D9-B60A-005B894ACEE3}">
-  <ds:schemaRefs>
-    <ds:schemaRef ds:uri="http://schemas.microsoft.com/sharepoint/v3/contenttype/forms"/>
   </ds:schemaRefs>
 </ds:datastoreItem>
 </file>

--- a/Presentation-Kennzahlen.pptx
+++ b/Presentation-Kennzahlen.pptx
@@ -5,10 +5,10 @@
     <p:sldMasterId id="2147483828" r:id="rId4"/>
   </p:sldMasterIdLst>
   <p:notesMasterIdLst>
-    <p:notesMasterId r:id="rId24"/>
+    <p:notesMasterId r:id="rId25"/>
   </p:notesMasterIdLst>
   <p:handoutMasterIdLst>
-    <p:handoutMasterId r:id="rId25"/>
+    <p:handoutMasterId r:id="rId26"/>
   </p:handoutMasterIdLst>
   <p:sldIdLst>
     <p:sldId id="256" r:id="rId5"/>
@@ -21,15 +21,16 @@
     <p:sldId id="270" r:id="rId12"/>
     <p:sldId id="274" r:id="rId13"/>
     <p:sldId id="275" r:id="rId14"/>
-    <p:sldId id="272" r:id="rId15"/>
-    <p:sldId id="273" r:id="rId16"/>
-    <p:sldId id="261" r:id="rId17"/>
-    <p:sldId id="262" r:id="rId18"/>
-    <p:sldId id="266" r:id="rId19"/>
-    <p:sldId id="257" r:id="rId20"/>
-    <p:sldId id="258" r:id="rId21"/>
-    <p:sldId id="259" r:id="rId22"/>
-    <p:sldId id="260" r:id="rId23"/>
+    <p:sldId id="276" r:id="rId15"/>
+    <p:sldId id="272" r:id="rId16"/>
+    <p:sldId id="273" r:id="rId17"/>
+    <p:sldId id="261" r:id="rId18"/>
+    <p:sldId id="262" r:id="rId19"/>
+    <p:sldId id="266" r:id="rId20"/>
+    <p:sldId id="257" r:id="rId21"/>
+    <p:sldId id="258" r:id="rId22"/>
+    <p:sldId id="259" r:id="rId23"/>
+    <p:sldId id="260" r:id="rId24"/>
   </p:sldIdLst>
   <p:sldSz cx="12192000" cy="6858000"/>
   <p:notesSz cx="6858000" cy="9144000"/>
@@ -9897,7 +9898,7 @@
           <a:p>
             <a:fld id="{CFED664B-377C-4B68-AF4E-EBDA643118DF}" type="slidenum">
               <a:rPr lang="en-US" smtClean="0"/>
-              <a:t>16</a:t>
+              <a:t>17</a:t>
             </a:fld>
             <a:endParaRPr lang="en-US" dirty="0"/>
           </a:p>
@@ -9981,7 +9982,7 @@
           <a:p>
             <a:fld id="{CFED664B-377C-4B68-AF4E-EBDA643118DF}" type="slidenum">
               <a:rPr lang="en-US" smtClean="0"/>
-              <a:t>17</a:t>
+              <a:t>18</a:t>
             </a:fld>
             <a:endParaRPr lang="en-US" dirty="0"/>
           </a:p>
@@ -10065,7 +10066,7 @@
           <a:p>
             <a:fld id="{CFED664B-377C-4B68-AF4E-EBDA643118DF}" type="slidenum">
               <a:rPr lang="en-US" smtClean="0"/>
-              <a:t>18</a:t>
+              <a:t>19</a:t>
             </a:fld>
             <a:endParaRPr lang="en-US" dirty="0"/>
           </a:p>
@@ -10149,7 +10150,7 @@
           <a:p>
             <a:fld id="{CFED664B-377C-4B68-AF4E-EBDA643118DF}" type="slidenum">
               <a:rPr lang="en-US" smtClean="0"/>
-              <a:t>19</a:t>
+              <a:t>20</a:t>
             </a:fld>
             <a:endParaRPr lang="en-US" dirty="0"/>
           </a:p>
@@ -13795,6 +13796,356 @@
           </a:p>
         </p:txBody>
       </p:sp>
+      <mc:AlternateContent xmlns:mc="http://schemas.openxmlformats.org/markup-compatibility/2006">
+        <mc:Choice xmlns:a14="http://schemas.microsoft.com/office/drawing/2010/main" Requires="a14">
+          <p:sp>
+            <p:nvSpPr>
+              <p:cNvPr id="8" name="Textfeld 7">
+                <a:extLst>
+                  <a:ext uri="{FF2B5EF4-FFF2-40B4-BE49-F238E27FC236}">
+                    <a16:creationId xmlns:a16="http://schemas.microsoft.com/office/drawing/2014/main" id="{226DFCFF-4EEB-41DA-8DFF-1248E115300C}"/>
+                  </a:ext>
+                </a:extLst>
+              </p:cNvPr>
+              <p:cNvSpPr txBox="1"/>
+              <p:nvPr/>
+            </p:nvSpPr>
+            <p:spPr>
+              <a:xfrm>
+                <a:off x="1274323" y="5379058"/>
+                <a:ext cx="4340414" cy="429028"/>
+              </a:xfrm>
+              <a:prstGeom prst="rect">
+                <a:avLst/>
+              </a:prstGeom>
+              <a:solidFill>
+                <a:schemeClr val="tx1"/>
+              </a:solidFill>
+            </p:spPr>
+            <p:txBody>
+              <a:bodyPr wrap="square" lIns="0" tIns="0" rIns="0" bIns="0" rtlCol="0">
+                <a:spAutoFit/>
+              </a:bodyPr>
+              <a:lstStyle/>
+              <a:p>
+                <a:pPr/>
+                <a14:m>
+                  <m:oMath xmlns:m="http://schemas.openxmlformats.org/officeDocument/2006/math">
+                    <m:f>
+                      <m:fPr>
+                        <m:ctrlPr>
+                          <a:rPr lang="en-US" i="1" smtClean="0">
+                            <a:solidFill>
+                              <a:schemeClr val="bg1"/>
+                            </a:solidFill>
+                            <a:latin typeface="Cambria Math" panose="02040503050406030204" pitchFamily="18" charset="0"/>
+                          </a:rPr>
+                        </m:ctrlPr>
+                      </m:fPr>
+                      <m:num>
+                        <m:r>
+                          <a:rPr lang="en-GB" b="0" i="1" smtClean="0">
+                            <a:solidFill>
+                              <a:srgbClr val="00B050"/>
+                            </a:solidFill>
+                            <a:latin typeface="Cambria Math" panose="02040503050406030204" pitchFamily="18" charset="0"/>
+                          </a:rPr>
+                          <m:t> </m:t>
+                        </m:r>
+                        <m:r>
+                          <a:rPr lang="en-GB" b="0" i="1" smtClean="0">
+                            <a:solidFill>
+                              <a:srgbClr val="00B050"/>
+                            </a:solidFill>
+                            <a:latin typeface="Cambria Math" panose="02040503050406030204" pitchFamily="18" charset="0"/>
+                          </a:rPr>
+                          <m:t>𝑈𝑚𝑠𝑎𝑡𝑧</m:t>
+                        </m:r>
+                      </m:num>
+                      <m:den>
+                        <m:d>
+                          <m:dPr>
+                            <m:ctrlPr>
+                              <a:rPr lang="en-GB" b="0" i="1" smtClean="0">
+                                <a:solidFill>
+                                  <a:schemeClr val="bg1"/>
+                                </a:solidFill>
+                                <a:latin typeface="Cambria Math" panose="02040503050406030204" pitchFamily="18" charset="0"/>
+                              </a:rPr>
+                            </m:ctrlPr>
+                          </m:dPr>
+                          <m:e>
+                            <m:r>
+                              <a:rPr lang="en-GB" b="0" i="1" smtClean="0">
+                                <a:solidFill>
+                                  <a:srgbClr val="00B0F0"/>
+                                </a:solidFill>
+                                <a:latin typeface="Cambria Math" panose="02040503050406030204" pitchFamily="18" charset="0"/>
+                              </a:rPr>
+                              <m:t>𝑑𝑢𝑟𝑐h</m:t>
+                            </m:r>
+                            <m:r>
+                              <a:rPr lang="en-GB" b="0" i="1" smtClean="0">
+                                <a:solidFill>
+                                  <a:srgbClr val="00B0F0"/>
+                                </a:solidFill>
+                                <a:latin typeface="Cambria Math" panose="02040503050406030204" pitchFamily="18" charset="0"/>
+                              </a:rPr>
+                              <m:t>. </m:t>
+                            </m:r>
+                            <m:r>
+                              <a:rPr lang="en-GB" b="0" i="1" smtClean="0">
+                                <a:solidFill>
+                                  <a:srgbClr val="00B0F0"/>
+                                </a:solidFill>
+                                <a:latin typeface="Cambria Math" panose="02040503050406030204" pitchFamily="18" charset="0"/>
+                              </a:rPr>
+                              <m:t>𝐾𝑎𝑝𝑖𝑡𝑎𝑙</m:t>
+                            </m:r>
+                          </m:e>
+                        </m:d>
+                        <m:r>
+                          <a:rPr lang="en-GB" b="0" i="1" smtClean="0">
+                            <a:solidFill>
+                              <a:schemeClr val="bg1"/>
+                            </a:solidFill>
+                            <a:latin typeface="Cambria Math" panose="02040503050406030204" pitchFamily="18" charset="0"/>
+                          </a:rPr>
+                          <m:t>/2)</m:t>
+                        </m:r>
+                      </m:den>
+                    </m:f>
+                    <m:r>
+                      <a:rPr lang="en-GB" b="0" i="1" smtClean="0">
+                        <a:solidFill>
+                          <a:schemeClr val="bg1"/>
+                        </a:solidFill>
+                        <a:latin typeface="Cambria Math" panose="02040503050406030204" pitchFamily="18" charset="0"/>
+                      </a:rPr>
+                      <m:t>=</m:t>
+                    </m:r>
+                  </m:oMath>
+                </a14:m>
+                <a:r>
+                  <a:rPr lang="de-AT" dirty="0">
+                    <a:solidFill>
+                      <a:schemeClr val="bg1"/>
+                    </a:solidFill>
+                  </a:rPr>
+                  <a:t> 2,7</a:t>
+                </a:r>
+              </a:p>
+            </p:txBody>
+          </p:sp>
+        </mc:Choice>
+        <mc:Fallback>
+          <p:sp>
+            <p:nvSpPr>
+              <p:cNvPr id="8" name="Textfeld 7">
+                <a:extLst>
+                  <a:ext uri="{FF2B5EF4-FFF2-40B4-BE49-F238E27FC236}">
+                    <a16:creationId xmlns:a16="http://schemas.microsoft.com/office/drawing/2014/main" id="{226DFCFF-4EEB-41DA-8DFF-1248E115300C}"/>
+                  </a:ext>
+                </a:extLst>
+              </p:cNvPr>
+              <p:cNvSpPr txBox="1">
+                <a:spLocks noRot="1" noChangeAspect="1" noMove="1" noResize="1" noEditPoints="1" noAdjustHandles="1" noChangeArrowheads="1" noChangeShapeType="1" noTextEdit="1"/>
+              </p:cNvSpPr>
+              <p:nvPr/>
+            </p:nvSpPr>
+            <p:spPr>
+              <a:xfrm>
+                <a:off x="1274323" y="5379058"/>
+                <a:ext cx="4340414" cy="429028"/>
+              </a:xfrm>
+              <a:prstGeom prst="rect">
+                <a:avLst/>
+              </a:prstGeom>
+              <a:blipFill>
+                <a:blip r:embed="rId2"/>
+                <a:stretch>
+                  <a:fillRect t="-5634" b="-18310"/>
+                </a:stretch>
+              </a:blipFill>
+            </p:spPr>
+            <p:txBody>
+              <a:bodyPr/>
+              <a:lstStyle/>
+              <a:p>
+                <a:r>
+                  <a:rPr lang="de-AT">
+                    <a:noFill/>
+                  </a:rPr>
+                  <a:t> </a:t>
+                </a:r>
+              </a:p>
+            </p:txBody>
+          </p:sp>
+        </mc:Fallback>
+      </mc:AlternateContent>
+      <p:pic>
+        <p:nvPicPr>
+          <p:cNvPr id="10" name="Grafik 9">
+            <a:extLst>
+              <a:ext uri="{FF2B5EF4-FFF2-40B4-BE49-F238E27FC236}">
+                <a16:creationId xmlns:a16="http://schemas.microsoft.com/office/drawing/2014/main" id="{6A77BACA-B00F-4A8B-82D3-2E719A855817}"/>
+              </a:ext>
+            </a:extLst>
+          </p:cNvPr>
+          <p:cNvPicPr>
+            <a:picLocks noChangeAspect="1"/>
+          </p:cNvPicPr>
+          <p:nvPr/>
+        </p:nvPicPr>
+        <p:blipFill>
+          <a:blip r:embed="rId3"/>
+          <a:stretch>
+            <a:fillRect/>
+          </a:stretch>
+        </p:blipFill>
+        <p:spPr>
+          <a:xfrm>
+            <a:off x="1274323" y="1712880"/>
+            <a:ext cx="9643354" cy="2735150"/>
+          </a:xfrm>
+          <a:prstGeom prst="rect">
+            <a:avLst/>
+          </a:prstGeom>
+        </p:spPr>
+      </p:pic>
+    </p:spTree>
+    <p:extLst>
+      <p:ext uri="{BB962C8B-B14F-4D97-AF65-F5344CB8AC3E}">
+        <p14:creationId xmlns:p14="http://schemas.microsoft.com/office/powerpoint/2010/main" val="2260590689"/>
+      </p:ext>
+    </p:extLst>
+  </p:cSld>
+  <p:clrMapOvr>
+    <a:masterClrMapping/>
+  </p:clrMapOvr>
+</p:sld>
+</file>
+
+<file path=ppt/slides/slide11.xml><?xml version="1.0" encoding="utf-8"?>
+<p:sld xmlns:a="http://schemas.openxmlformats.org/drawingml/2006/main" xmlns:r="http://schemas.openxmlformats.org/officeDocument/2006/relationships" xmlns:p="http://schemas.openxmlformats.org/presentationml/2006/main">
+  <p:cSld>
+    <p:bg>
+      <p:bgPr>
+        <a:solidFill>
+          <a:schemeClr val="tx1"/>
+        </a:solidFill>
+        <a:effectLst/>
+      </p:bgPr>
+    </p:bg>
+    <p:spTree>
+      <p:nvGrpSpPr>
+        <p:cNvPr id="1" name=""/>
+        <p:cNvGrpSpPr/>
+        <p:nvPr/>
+      </p:nvGrpSpPr>
+      <p:grpSpPr>
+        <a:xfrm>
+          <a:off x="0" y="0"/>
+          <a:ext cx="0" cy="0"/>
+          <a:chOff x="0" y="0"/>
+          <a:chExt cx="0" cy="0"/>
+        </a:xfrm>
+      </p:grpSpPr>
+      <p:cxnSp>
+        <p:nvCxnSpPr>
+          <p:cNvPr id="3" name="Gerader Verbinder 2">
+            <a:extLst>
+              <a:ext uri="{FF2B5EF4-FFF2-40B4-BE49-F238E27FC236}">
+                <a16:creationId xmlns:a16="http://schemas.microsoft.com/office/drawing/2014/main" id="{761B5283-BF06-4D2E-BB29-31CBEA529E60}"/>
+              </a:ext>
+            </a:extLst>
+          </p:cNvPr>
+          <p:cNvCxnSpPr>
+            <a:cxnSpLocks/>
+          </p:cNvCxnSpPr>
+          <p:nvPr/>
+        </p:nvCxnSpPr>
+        <p:spPr>
+          <a:xfrm>
+            <a:off x="1274323" y="1215953"/>
+            <a:ext cx="9643354" cy="0"/>
+          </a:xfrm>
+          <a:prstGeom prst="line">
+            <a:avLst/>
+          </a:prstGeom>
+          <a:ln w="19050">
+            <a:solidFill>
+              <a:srgbClr val="0052C8"/>
+            </a:solidFill>
+          </a:ln>
+        </p:spPr>
+        <p:style>
+          <a:lnRef idx="1">
+            <a:schemeClr val="accent1"/>
+          </a:lnRef>
+          <a:fillRef idx="0">
+            <a:schemeClr val="accent1"/>
+          </a:fillRef>
+          <a:effectRef idx="0">
+            <a:schemeClr val="accent1"/>
+          </a:effectRef>
+          <a:fontRef idx="minor">
+            <a:schemeClr val="tx1"/>
+          </a:fontRef>
+        </p:style>
+      </p:cxnSp>
+      <p:sp>
+        <p:nvSpPr>
+          <p:cNvPr id="2" name="Textfeld 1">
+            <a:extLst>
+              <a:ext uri="{FF2B5EF4-FFF2-40B4-BE49-F238E27FC236}">
+                <a16:creationId xmlns:a16="http://schemas.microsoft.com/office/drawing/2014/main" id="{009D6097-CE57-4C1B-9218-5B62B542F2CF}"/>
+              </a:ext>
+            </a:extLst>
+          </p:cNvPr>
+          <p:cNvSpPr txBox="1"/>
+          <p:nvPr/>
+        </p:nvSpPr>
+        <p:spPr>
+          <a:xfrm>
+            <a:off x="1274323" y="389104"/>
+            <a:ext cx="7402749" cy="707886"/>
+          </a:xfrm>
+          <a:prstGeom prst="rect">
+            <a:avLst/>
+          </a:prstGeom>
+          <a:noFill/>
+        </p:spPr>
+        <p:txBody>
+          <a:bodyPr wrap="square" rtlCol="0">
+            <a:spAutoFit/>
+          </a:bodyPr>
+          <a:lstStyle/>
+          <a:p>
+            <a:r>
+              <a:rPr lang="en-GB" sz="4000" dirty="0" err="1">
+                <a:solidFill>
+                  <a:schemeClr val="bg1"/>
+                </a:solidFill>
+              </a:rPr>
+              <a:t>Quellen</a:t>
+            </a:r>
+            <a:r>
+              <a:rPr lang="en-GB" sz="4000" dirty="0">
+                <a:solidFill>
+                  <a:schemeClr val="bg1"/>
+                </a:solidFill>
+              </a:rPr>
+              <a:t> </a:t>
+            </a:r>
+            <a:endParaRPr lang="de-AT" sz="4000" dirty="0">
+              <a:solidFill>
+                <a:schemeClr val="bg1"/>
+              </a:solidFill>
+            </a:endParaRPr>
+          </a:p>
+        </p:txBody>
+      </p:sp>
       <p:sp>
         <p:nvSpPr>
           <p:cNvPr id="4" name="Textfeld 3">
@@ -13810,7 +14161,7 @@
         <p:spPr>
           <a:xfrm>
             <a:off x="1274323" y="1429966"/>
-            <a:ext cx="7782128" cy="523220"/>
+            <a:ext cx="7782128" cy="1384995"/>
           </a:xfrm>
           <a:prstGeom prst="rect">
             <a:avLst/>
@@ -13828,25 +14179,20 @@
               <a:buChar char="•"/>
             </a:pPr>
             <a:r>
-              <a:rPr lang="en-GB" sz="2800" dirty="0" err="1">
+              <a:rPr lang="de-AT" sz="2800" dirty="0">
                 <a:solidFill>
                   <a:schemeClr val="bg1"/>
                 </a:solidFill>
               </a:rPr>
-              <a:t>Platzhalter</a:t>
+              <a:t>Quelle: Unternehmensrechnung - Jahresabschlussanalyse und Jahresabschlusskritik - Controlling - Fallstudien, Manz Verlag</a:t>
             </a:r>
-            <a:endParaRPr lang="de-AT" sz="2800" dirty="0">
-              <a:solidFill>
-                <a:schemeClr val="bg1"/>
-              </a:solidFill>
-            </a:endParaRPr>
           </a:p>
         </p:txBody>
       </p:sp>
     </p:spTree>
     <p:extLst>
       <p:ext uri="{BB962C8B-B14F-4D97-AF65-F5344CB8AC3E}">
-        <p14:creationId xmlns:p14="http://schemas.microsoft.com/office/powerpoint/2010/main" val="2260590689"/>
+        <p14:creationId xmlns:p14="http://schemas.microsoft.com/office/powerpoint/2010/main" val="2211751070"/>
       </p:ext>
     </p:extLst>
   </p:cSld>
@@ -13856,7 +14202,7 @@
 </p:sld>
 </file>
 
-<file path=ppt/slides/slide11.xml><?xml version="1.0" encoding="utf-8"?>
+<file path=ppt/slides/slide12.xml><?xml version="1.0" encoding="utf-8"?>
 <p:sld xmlns:a="http://schemas.openxmlformats.org/drawingml/2006/main" xmlns:r="http://schemas.openxmlformats.org/officeDocument/2006/relationships" xmlns:p="http://schemas.openxmlformats.org/presentationml/2006/main" show="0">
   <p:cSld>
     <p:bg>
@@ -14037,7 +14383,7 @@
 </p:sld>
 </file>
 
-<file path=ppt/slides/slide12.xml><?xml version="1.0" encoding="utf-8"?>
+<file path=ppt/slides/slide13.xml><?xml version="1.0" encoding="utf-8"?>
 <p:sld xmlns:a="http://schemas.openxmlformats.org/drawingml/2006/main" xmlns:r="http://schemas.openxmlformats.org/officeDocument/2006/relationships" xmlns:p="http://schemas.openxmlformats.org/presentationml/2006/main" show="0">
   <p:cSld>
     <p:bg>
@@ -14226,7 +14572,7 @@
 </p:sld>
 </file>
 
-<file path=ppt/slides/slide13.xml><?xml version="1.0" encoding="utf-8"?>
+<file path=ppt/slides/slide14.xml><?xml version="1.0" encoding="utf-8"?>
 <p:sld xmlns:a="http://schemas.openxmlformats.org/drawingml/2006/main" xmlns:r="http://schemas.openxmlformats.org/officeDocument/2006/relationships" xmlns:p="http://schemas.openxmlformats.org/presentationml/2006/main" show="0">
   <p:cSld>
     <p:bg>
@@ -14307,7 +14653,7 @@
 </p:sld>
 </file>
 
-<file path=ppt/slides/slide14.xml><?xml version="1.0" encoding="utf-8"?>
+<file path=ppt/slides/slide15.xml><?xml version="1.0" encoding="utf-8"?>
 <p:sld xmlns:a="http://schemas.openxmlformats.org/drawingml/2006/main" xmlns:r="http://schemas.openxmlformats.org/officeDocument/2006/relationships" xmlns:p="http://schemas.openxmlformats.org/presentationml/2006/main" show="0">
   <p:cSld>
     <p:bg>
@@ -14566,7 +14912,7 @@
 </p:sld>
 </file>
 
-<file path=ppt/slides/slide15.xml><?xml version="1.0" encoding="utf-8"?>
+<file path=ppt/slides/slide16.xml><?xml version="1.0" encoding="utf-8"?>
 <p:sld xmlns:a="http://schemas.openxmlformats.org/drawingml/2006/main" xmlns:r="http://schemas.openxmlformats.org/officeDocument/2006/relationships" xmlns:p="http://schemas.openxmlformats.org/presentationml/2006/main" show="0">
   <p:cSld>
     <p:bg>
@@ -14739,7 +15085,7 @@
 </p:sld>
 </file>
 
-<file path=ppt/slides/slide16.xml><?xml version="1.0" encoding="utf-8"?>
+<file path=ppt/slides/slide17.xml><?xml version="1.0" encoding="utf-8"?>
 <p:sld xmlns:a="http://schemas.openxmlformats.org/drawingml/2006/main" xmlns:r="http://schemas.openxmlformats.org/officeDocument/2006/relationships" xmlns:p="http://schemas.openxmlformats.org/presentationml/2006/main">
   <p:cSld>
     <p:bg>
@@ -15035,7 +15381,7 @@
 </p:sld>
 </file>
 
-<file path=ppt/slides/slide17.xml><?xml version="1.0" encoding="utf-8"?>
+<file path=ppt/slides/slide18.xml><?xml version="1.0" encoding="utf-8"?>
 <p:sld xmlns:a="http://schemas.openxmlformats.org/drawingml/2006/main" xmlns:r="http://schemas.openxmlformats.org/officeDocument/2006/relationships" xmlns:p="http://schemas.openxmlformats.org/presentationml/2006/main">
   <p:cSld>
     <p:bg>
@@ -15282,7 +15628,7 @@
 </p:sld>
 </file>
 
-<file path=ppt/slides/slide18.xml><?xml version="1.0" encoding="utf-8"?>
+<file path=ppt/slides/slide19.xml><?xml version="1.0" encoding="utf-8"?>
 <p:sld xmlns:a="http://schemas.openxmlformats.org/drawingml/2006/main" xmlns:r="http://schemas.openxmlformats.org/officeDocument/2006/relationships" xmlns:p="http://schemas.openxmlformats.org/presentationml/2006/main">
   <p:cSld>
     <p:bg>
@@ -15519,182 +15865,6 @@
     <p:extLst>
       <p:ext uri="{BB962C8B-B14F-4D97-AF65-F5344CB8AC3E}">
         <p14:creationId xmlns:p14="http://schemas.microsoft.com/office/powerpoint/2010/main" val="2067005262"/>
-      </p:ext>
-    </p:extLst>
-  </p:cSld>
-  <p:clrMapOvr>
-    <a:masterClrMapping/>
-  </p:clrMapOvr>
-</p:sld>
-</file>
-
-<file path=ppt/slides/slide19.xml><?xml version="1.0" encoding="utf-8"?>
-<p:sld xmlns:a="http://schemas.openxmlformats.org/drawingml/2006/main" xmlns:r="http://schemas.openxmlformats.org/officeDocument/2006/relationships" xmlns:p="http://schemas.openxmlformats.org/presentationml/2006/main">
-  <p:cSld>
-    <p:bg>
-      <p:bgPr>
-        <a:solidFill>
-          <a:schemeClr val="tx1">
-            <a:lumMod val="95000"/>
-            <a:lumOff val="5000"/>
-          </a:schemeClr>
-        </a:solidFill>
-        <a:effectLst/>
-      </p:bgPr>
-    </p:bg>
-    <p:spTree>
-      <p:nvGrpSpPr>
-        <p:cNvPr id="1" name=""/>
-        <p:cNvGrpSpPr/>
-        <p:nvPr/>
-      </p:nvGrpSpPr>
-      <p:grpSpPr>
-        <a:xfrm>
-          <a:off x="0" y="0"/>
-          <a:ext cx="0" cy="0"/>
-          <a:chOff x="0" y="0"/>
-          <a:chExt cx="0" cy="0"/>
-        </a:xfrm>
-      </p:grpSpPr>
-      <p:sp>
-        <p:nvSpPr>
-          <p:cNvPr id="2" name="Title 1">
-            <a:extLst>
-              <a:ext uri="{FF2B5EF4-FFF2-40B4-BE49-F238E27FC236}">
-                <a16:creationId xmlns:a16="http://schemas.microsoft.com/office/drawing/2014/main" id="{51F70220-677A-411B-B416-94321A555329}"/>
-              </a:ext>
-            </a:extLst>
-          </p:cNvPr>
-          <p:cNvSpPr>
-            <a:spLocks noGrp="1"/>
-          </p:cNvSpPr>
-          <p:nvPr>
-            <p:ph type="title"/>
-          </p:nvPr>
-        </p:nvSpPr>
-        <p:spPr>
-          <a:xfrm>
-            <a:off x="6182265" y="978776"/>
-            <a:ext cx="4451773" cy="1174991"/>
-          </a:xfrm>
-          <a:noFill/>
-          <a:ln w="31750" cap="sq">
-            <a:solidFill>
-              <a:schemeClr val="bg1"/>
-            </a:solidFill>
-            <a:miter lim="800000"/>
-          </a:ln>
-          <a:effectLst>
-            <a:glow rad="152400">
-              <a:schemeClr val="bg1">
-                <a:alpha val="13000"/>
-              </a:schemeClr>
-            </a:glow>
-          </a:effectLst>
-        </p:spPr>
-        <p:txBody>
-          <a:bodyPr vert="horz" wrap="square" lIns="182880" tIns="182880" rIns="182880" bIns="182880" rtlCol="0" anchor="ctr">
-            <a:normAutofit/>
-          </a:bodyPr>
-          <a:lstStyle/>
-          <a:p>
-            <a:r>
-              <a:rPr lang="en-US" dirty="0">
-                <a:solidFill>
-                  <a:schemeClr val="bg1"/>
-                </a:solidFill>
-              </a:rPr>
-              <a:t>Thank you</a:t>
-            </a:r>
-          </a:p>
-        </p:txBody>
-      </p:sp>
-      <p:pic>
-        <p:nvPicPr>
-          <p:cNvPr id="4" name="Picture 3" descr="Hand with pen pointing at financial numbers">
-            <a:extLst>
-              <a:ext uri="{FF2B5EF4-FFF2-40B4-BE49-F238E27FC236}">
-                <a16:creationId xmlns:a16="http://schemas.microsoft.com/office/drawing/2014/main" id="{AB2E0BE0-B684-4228-A4DF-58C8CAFFDF47}"/>
-              </a:ext>
-            </a:extLst>
-          </p:cNvPr>
-          <p:cNvPicPr>
-            <a:picLocks noChangeAspect="1"/>
-          </p:cNvPicPr>
-          <p:nvPr/>
-        </p:nvPicPr>
-        <p:blipFill rotWithShape="1">
-          <a:blip r:embed="rId3" cstate="print">
-            <a:extLst>
-              <a:ext uri="{28A0092B-C50C-407E-A947-70E740481C1C}">
-                <a14:useLocalDpi xmlns:a14="http://schemas.microsoft.com/office/drawing/2010/main"/>
-              </a:ext>
-            </a:extLst>
-          </a:blip>
-          <a:srcRect b="-1"/>
-          <a:stretch/>
-        </p:blipFill>
-        <p:spPr>
-          <a:xfrm>
-            <a:off x="20" y="10"/>
-            <a:ext cx="4657325" cy="6857990"/>
-          </a:xfrm>
-          <a:prstGeom prst="rect">
-            <a:avLst/>
-          </a:prstGeom>
-        </p:spPr>
-      </p:pic>
-      <p:sp>
-        <p:nvSpPr>
-          <p:cNvPr id="3" name="Content Placeholder 2">
-            <a:extLst>
-              <a:ext uri="{FF2B5EF4-FFF2-40B4-BE49-F238E27FC236}">
-                <a16:creationId xmlns:a16="http://schemas.microsoft.com/office/drawing/2014/main" id="{667D1328-A694-4327-A93A-3D919FD65B27}"/>
-              </a:ext>
-            </a:extLst>
-          </p:cNvPr>
-          <p:cNvSpPr>
-            <a:spLocks noGrp="1"/>
-          </p:cNvSpPr>
-          <p:nvPr>
-            <p:ph idx="1"/>
-          </p:nvPr>
-        </p:nvSpPr>
-        <p:spPr>
-          <a:xfrm>
-            <a:off x="6182264" y="2638044"/>
-            <a:ext cx="4451773" cy="3101983"/>
-          </a:xfrm>
-        </p:spPr>
-        <p:txBody>
-          <a:bodyPr/>
-          <a:lstStyle/>
-          <a:p>
-            <a:pPr marL="0" indent="0">
-              <a:buNone/>
-            </a:pPr>
-            <a:r>
-              <a:rPr lang="en-US" dirty="0">
-                <a:solidFill>
-                  <a:schemeClr val="bg1"/>
-                </a:solidFill>
-              </a:rPr>
-              <a:t>someone@example.com</a:t>
-            </a:r>
-          </a:p>
-          <a:p>
-            <a:endParaRPr lang="en-US" dirty="0">
-              <a:solidFill>
-                <a:schemeClr val="bg1"/>
-              </a:solidFill>
-            </a:endParaRPr>
-          </a:p>
-        </p:txBody>
-      </p:sp>
-    </p:spTree>
-    <p:extLst>
-      <p:ext uri="{BB962C8B-B14F-4D97-AF65-F5344CB8AC3E}">
-        <p14:creationId xmlns:p14="http://schemas.microsoft.com/office/powerpoint/2010/main" val="2673849116"/>
       </p:ext>
     </p:extLst>
   </p:cSld>
@@ -15954,6 +16124,182 @@
     <p:extLst>
       <p:ext uri="{BB962C8B-B14F-4D97-AF65-F5344CB8AC3E}">
         <p14:creationId xmlns:p14="http://schemas.microsoft.com/office/powerpoint/2010/main" val="1310894955"/>
+      </p:ext>
+    </p:extLst>
+  </p:cSld>
+  <p:clrMapOvr>
+    <a:masterClrMapping/>
+  </p:clrMapOvr>
+</p:sld>
+</file>
+
+<file path=ppt/slides/slide20.xml><?xml version="1.0" encoding="utf-8"?>
+<p:sld xmlns:a="http://schemas.openxmlformats.org/drawingml/2006/main" xmlns:r="http://schemas.openxmlformats.org/officeDocument/2006/relationships" xmlns:p="http://schemas.openxmlformats.org/presentationml/2006/main">
+  <p:cSld>
+    <p:bg>
+      <p:bgPr>
+        <a:solidFill>
+          <a:schemeClr val="tx1">
+            <a:lumMod val="95000"/>
+            <a:lumOff val="5000"/>
+          </a:schemeClr>
+        </a:solidFill>
+        <a:effectLst/>
+      </p:bgPr>
+    </p:bg>
+    <p:spTree>
+      <p:nvGrpSpPr>
+        <p:cNvPr id="1" name=""/>
+        <p:cNvGrpSpPr/>
+        <p:nvPr/>
+      </p:nvGrpSpPr>
+      <p:grpSpPr>
+        <a:xfrm>
+          <a:off x="0" y="0"/>
+          <a:ext cx="0" cy="0"/>
+          <a:chOff x="0" y="0"/>
+          <a:chExt cx="0" cy="0"/>
+        </a:xfrm>
+      </p:grpSpPr>
+      <p:sp>
+        <p:nvSpPr>
+          <p:cNvPr id="2" name="Title 1">
+            <a:extLst>
+              <a:ext uri="{FF2B5EF4-FFF2-40B4-BE49-F238E27FC236}">
+                <a16:creationId xmlns:a16="http://schemas.microsoft.com/office/drawing/2014/main" id="{51F70220-677A-411B-B416-94321A555329}"/>
+              </a:ext>
+            </a:extLst>
+          </p:cNvPr>
+          <p:cNvSpPr>
+            <a:spLocks noGrp="1"/>
+          </p:cNvSpPr>
+          <p:nvPr>
+            <p:ph type="title"/>
+          </p:nvPr>
+        </p:nvSpPr>
+        <p:spPr>
+          <a:xfrm>
+            <a:off x="6182265" y="978776"/>
+            <a:ext cx="4451773" cy="1174991"/>
+          </a:xfrm>
+          <a:noFill/>
+          <a:ln w="31750" cap="sq">
+            <a:solidFill>
+              <a:schemeClr val="bg1"/>
+            </a:solidFill>
+            <a:miter lim="800000"/>
+          </a:ln>
+          <a:effectLst>
+            <a:glow rad="152400">
+              <a:schemeClr val="bg1">
+                <a:alpha val="13000"/>
+              </a:schemeClr>
+            </a:glow>
+          </a:effectLst>
+        </p:spPr>
+        <p:txBody>
+          <a:bodyPr vert="horz" wrap="square" lIns="182880" tIns="182880" rIns="182880" bIns="182880" rtlCol="0" anchor="ctr">
+            <a:normAutofit/>
+          </a:bodyPr>
+          <a:lstStyle/>
+          <a:p>
+            <a:r>
+              <a:rPr lang="en-US" dirty="0">
+                <a:solidFill>
+                  <a:schemeClr val="bg1"/>
+                </a:solidFill>
+              </a:rPr>
+              <a:t>Thank you</a:t>
+            </a:r>
+          </a:p>
+        </p:txBody>
+      </p:sp>
+      <p:pic>
+        <p:nvPicPr>
+          <p:cNvPr id="4" name="Picture 3" descr="Hand with pen pointing at financial numbers">
+            <a:extLst>
+              <a:ext uri="{FF2B5EF4-FFF2-40B4-BE49-F238E27FC236}">
+                <a16:creationId xmlns:a16="http://schemas.microsoft.com/office/drawing/2014/main" id="{AB2E0BE0-B684-4228-A4DF-58C8CAFFDF47}"/>
+              </a:ext>
+            </a:extLst>
+          </p:cNvPr>
+          <p:cNvPicPr>
+            <a:picLocks noChangeAspect="1"/>
+          </p:cNvPicPr>
+          <p:nvPr/>
+        </p:nvPicPr>
+        <p:blipFill rotWithShape="1">
+          <a:blip r:embed="rId3" cstate="print">
+            <a:extLst>
+              <a:ext uri="{28A0092B-C50C-407E-A947-70E740481C1C}">
+                <a14:useLocalDpi xmlns:a14="http://schemas.microsoft.com/office/drawing/2010/main"/>
+              </a:ext>
+            </a:extLst>
+          </a:blip>
+          <a:srcRect b="-1"/>
+          <a:stretch/>
+        </p:blipFill>
+        <p:spPr>
+          <a:xfrm>
+            <a:off x="20" y="10"/>
+            <a:ext cx="4657325" cy="6857990"/>
+          </a:xfrm>
+          <a:prstGeom prst="rect">
+            <a:avLst/>
+          </a:prstGeom>
+        </p:spPr>
+      </p:pic>
+      <p:sp>
+        <p:nvSpPr>
+          <p:cNvPr id="3" name="Content Placeholder 2">
+            <a:extLst>
+              <a:ext uri="{FF2B5EF4-FFF2-40B4-BE49-F238E27FC236}">
+                <a16:creationId xmlns:a16="http://schemas.microsoft.com/office/drawing/2014/main" id="{667D1328-A694-4327-A93A-3D919FD65B27}"/>
+              </a:ext>
+            </a:extLst>
+          </p:cNvPr>
+          <p:cNvSpPr>
+            <a:spLocks noGrp="1"/>
+          </p:cNvSpPr>
+          <p:nvPr>
+            <p:ph idx="1"/>
+          </p:nvPr>
+        </p:nvSpPr>
+        <p:spPr>
+          <a:xfrm>
+            <a:off x="6182264" y="2638044"/>
+            <a:ext cx="4451773" cy="3101983"/>
+          </a:xfrm>
+        </p:spPr>
+        <p:txBody>
+          <a:bodyPr/>
+          <a:lstStyle/>
+          <a:p>
+            <a:pPr marL="0" indent="0">
+              <a:buNone/>
+            </a:pPr>
+            <a:r>
+              <a:rPr lang="en-US" dirty="0">
+                <a:solidFill>
+                  <a:schemeClr val="bg1"/>
+                </a:solidFill>
+              </a:rPr>
+              <a:t>someone@example.com</a:t>
+            </a:r>
+          </a:p>
+          <a:p>
+            <a:endParaRPr lang="en-US" dirty="0">
+              <a:solidFill>
+                <a:schemeClr val="bg1"/>
+              </a:solidFill>
+            </a:endParaRPr>
+          </a:p>
+        </p:txBody>
+      </p:sp>
+    </p:spTree>
+    <p:extLst>
+      <p:ext uri="{BB962C8B-B14F-4D97-AF65-F5344CB8AC3E}">
+        <p14:creationId xmlns:p14="http://schemas.microsoft.com/office/powerpoint/2010/main" val="2673849116"/>
       </p:ext>
     </p:extLst>
   </p:cSld>
@@ -16243,8 +16589,8 @@
           </a:p>
         </p:txBody>
       </p:sp>
-      <mc:AlternateContent xmlns:mc="http://schemas.openxmlformats.org/markup-compatibility/2006">
-        <mc:Choice xmlns:a14="http://schemas.microsoft.com/office/drawing/2010/main" Requires="a14">
+      <mc:AlternateContent xmlns:mc="http://schemas.openxmlformats.org/markup-compatibility/2006" xmlns:a14="http://schemas.microsoft.com/office/drawing/2010/main">
+        <mc:Choice Requires="a14">
           <p:sp>
             <p:nvSpPr>
               <p:cNvPr id="8" name="Textfeld 7">
@@ -16275,6 +16621,7 @@
               </a:bodyPr>
               <a:lstStyle/>
               <a:p>
+                <a:pPr/>
                 <a14:m>
                   <m:oMathPara xmlns:m="http://schemas.openxmlformats.org/officeDocument/2006/math">
                     <m:oMathParaPr>
@@ -16354,7 +16701,7 @@
             </p:txBody>
           </p:sp>
         </mc:Choice>
-        <mc:Fallback>
+        <mc:Fallback xmlns="">
           <p:sp>
             <p:nvSpPr>
               <p:cNvPr id="8" name="Textfeld 7">
@@ -16399,8 +16746,8 @@
           </p:sp>
         </mc:Fallback>
       </mc:AlternateContent>
-      <mc:AlternateContent xmlns:mc="http://schemas.openxmlformats.org/markup-compatibility/2006">
-        <mc:Choice xmlns:a14="http://schemas.microsoft.com/office/drawing/2010/main" Requires="a14">
+      <mc:AlternateContent xmlns:mc="http://schemas.openxmlformats.org/markup-compatibility/2006" xmlns:a14="http://schemas.microsoft.com/office/drawing/2010/main">
+        <mc:Choice Requires="a14">
           <p:sp>
             <p:nvSpPr>
               <p:cNvPr id="10" name="Textfeld 9">
@@ -16431,6 +16778,7 @@
               </a:bodyPr>
               <a:lstStyle/>
               <a:p>
+                <a:pPr/>
                 <a14:m>
                   <m:oMathPara xmlns:m="http://schemas.openxmlformats.org/officeDocument/2006/math">
                     <m:oMathParaPr>
@@ -16510,7 +16858,7 @@
             </p:txBody>
           </p:sp>
         </mc:Choice>
-        <mc:Fallback>
+        <mc:Fallback xmlns="">
           <p:sp>
             <p:nvSpPr>
               <p:cNvPr id="10" name="Textfeld 9">
@@ -16557,10 +16905,10 @@
       </mc:AlternateContent>
       <p:pic>
         <p:nvPicPr>
-          <p:cNvPr id="12" name="Grafik 11">
+          <p:cNvPr id="5" name="Grafik 4">
             <a:extLst>
               <a:ext uri="{FF2B5EF4-FFF2-40B4-BE49-F238E27FC236}">
-                <a16:creationId xmlns:a16="http://schemas.microsoft.com/office/drawing/2014/main" id="{D6116A1F-44CE-4C93-9BAB-010AC96AAE58}"/>
+                <a16:creationId xmlns:a16="http://schemas.microsoft.com/office/drawing/2014/main" id="{63FC0E84-1581-414D-B1DB-C1117DF3E412}"/>
               </a:ext>
             </a:extLst>
           </p:cNvPr>
@@ -16577,8 +16925,8 @@
         </p:blipFill>
         <p:spPr>
           <a:xfrm>
-            <a:off x="1283455" y="1378080"/>
-            <a:ext cx="7828461" cy="3336187"/>
+            <a:off x="1274323" y="1237536"/>
+            <a:ext cx="8658846" cy="3882011"/>
           </a:xfrm>
           <a:prstGeom prst="rect">
             <a:avLst/>
@@ -16705,38 +17053,8 @@
           </a:p>
         </p:txBody>
       </p:sp>
-      <p:pic>
-        <p:nvPicPr>
-          <p:cNvPr id="5" name="Grafik 4">
-            <a:extLst>
-              <a:ext uri="{FF2B5EF4-FFF2-40B4-BE49-F238E27FC236}">
-                <a16:creationId xmlns:a16="http://schemas.microsoft.com/office/drawing/2014/main" id="{855A0DD1-DC56-4C4A-A8C1-82D31D201B91}"/>
-              </a:ext>
-            </a:extLst>
-          </p:cNvPr>
-          <p:cNvPicPr>
-            <a:picLocks noChangeAspect="1"/>
-          </p:cNvPicPr>
-          <p:nvPr/>
-        </p:nvPicPr>
-        <p:blipFill>
-          <a:blip r:embed="rId2"/>
-          <a:stretch>
-            <a:fillRect/>
-          </a:stretch>
-        </p:blipFill>
-        <p:spPr>
-          <a:xfrm>
-            <a:off x="1274323" y="1682880"/>
-            <a:ext cx="7532793" cy="3210185"/>
-          </a:xfrm>
-          <a:prstGeom prst="rect">
-            <a:avLst/>
-          </a:prstGeom>
-        </p:spPr>
-      </p:pic>
-      <mc:AlternateContent xmlns:mc="http://schemas.openxmlformats.org/markup-compatibility/2006">
-        <mc:Choice xmlns:a14="http://schemas.microsoft.com/office/drawing/2010/main" Requires="a14">
+      <mc:AlternateContent xmlns:mc="http://schemas.openxmlformats.org/markup-compatibility/2006" xmlns:a14="http://schemas.microsoft.com/office/drawing/2010/main">
+        <mc:Choice Requires="a14">
           <p:sp>
             <p:nvSpPr>
               <p:cNvPr id="6" name="Textfeld 5">
@@ -16767,6 +17085,7 @@
               </a:bodyPr>
               <a:lstStyle/>
               <a:p>
+                <a:pPr/>
                 <a14:m>
                   <m:oMathPara xmlns:m="http://schemas.openxmlformats.org/officeDocument/2006/math">
                     <m:oMathParaPr>
@@ -16860,7 +17179,7 @@
             </p:txBody>
           </p:sp>
         </mc:Choice>
-        <mc:Fallback>
+        <mc:Fallback xmlns="">
           <p:sp>
             <p:nvSpPr>
               <p:cNvPr id="6" name="Textfeld 5">
@@ -16905,8 +17224,8 @@
           </p:sp>
         </mc:Fallback>
       </mc:AlternateContent>
-      <mc:AlternateContent xmlns:mc="http://schemas.openxmlformats.org/markup-compatibility/2006">
-        <mc:Choice xmlns:a14="http://schemas.microsoft.com/office/drawing/2010/main" Requires="a14">
+      <mc:AlternateContent xmlns:mc="http://schemas.openxmlformats.org/markup-compatibility/2006" xmlns:a14="http://schemas.microsoft.com/office/drawing/2010/main">
+        <mc:Choice Requires="a14">
           <p:sp>
             <p:nvSpPr>
               <p:cNvPr id="7" name="Textfeld 6">
@@ -16937,6 +17256,7 @@
               </a:bodyPr>
               <a:lstStyle/>
               <a:p>
+                <a:pPr/>
                 <a14:m>
                   <m:oMathPara xmlns:m="http://schemas.openxmlformats.org/officeDocument/2006/math">
                     <m:oMathParaPr>
@@ -16998,7 +17318,7 @@
             </p:txBody>
           </p:sp>
         </mc:Choice>
-        <mc:Fallback>
+        <mc:Fallback xmlns="">
           <p:sp>
             <p:nvSpPr>
               <p:cNvPr id="7" name="Textfeld 6">
@@ -17043,6 +17363,36 @@
           </p:sp>
         </mc:Fallback>
       </mc:AlternateContent>
+      <p:pic>
+        <p:nvPicPr>
+          <p:cNvPr id="8" name="Grafik 7">
+            <a:extLst>
+              <a:ext uri="{FF2B5EF4-FFF2-40B4-BE49-F238E27FC236}">
+                <a16:creationId xmlns:a16="http://schemas.microsoft.com/office/drawing/2014/main" id="{50C57C77-13DE-40D3-9168-D88051337DC0}"/>
+              </a:ext>
+            </a:extLst>
+          </p:cNvPr>
+          <p:cNvPicPr>
+            <a:picLocks noChangeAspect="1"/>
+          </p:cNvPicPr>
+          <p:nvPr/>
+        </p:nvPicPr>
+        <p:blipFill>
+          <a:blip r:embed="rId5"/>
+          <a:stretch>
+            <a:fillRect/>
+          </a:stretch>
+        </p:blipFill>
+        <p:spPr>
+          <a:xfrm>
+            <a:off x="1274323" y="1378081"/>
+            <a:ext cx="7981812" cy="3578477"/>
+          </a:xfrm>
+          <a:prstGeom prst="rect">
+            <a:avLst/>
+          </a:prstGeom>
+        </p:spPr>
+      </p:pic>
     </p:spTree>
     <p:extLst>
       <p:ext uri="{BB962C8B-B14F-4D97-AF65-F5344CB8AC3E}">
@@ -17208,12 +17558,205 @@
           </a:p>
         </p:txBody>
       </p:sp>
+      <mc:AlternateContent xmlns:mc="http://schemas.openxmlformats.org/markup-compatibility/2006">
+        <mc:Choice xmlns:a14="http://schemas.microsoft.com/office/drawing/2010/main" Requires="a14">
+          <p:sp>
+            <p:nvSpPr>
+              <p:cNvPr id="6" name="Textfeld 5">
+                <a:extLst>
+                  <a:ext uri="{FF2B5EF4-FFF2-40B4-BE49-F238E27FC236}">
+                    <a16:creationId xmlns:a16="http://schemas.microsoft.com/office/drawing/2014/main" id="{74871B8D-2BF0-4662-BA52-9B96C3F9CB7E}"/>
+                  </a:ext>
+                </a:extLst>
+              </p:cNvPr>
+              <p:cNvSpPr txBox="1"/>
+              <p:nvPr/>
+            </p:nvSpPr>
+            <p:spPr>
+              <a:xfrm>
+                <a:off x="1274322" y="5379058"/>
+                <a:ext cx="6593219" cy="574516"/>
+              </a:xfrm>
+              <a:prstGeom prst="rect">
+                <a:avLst/>
+              </a:prstGeom>
+              <a:solidFill>
+                <a:schemeClr val="tx1"/>
+              </a:solidFill>
+            </p:spPr>
+            <p:txBody>
+              <a:bodyPr wrap="square" lIns="0" tIns="0" rIns="0" bIns="0" rtlCol="0">
+                <a:spAutoFit/>
+              </a:bodyPr>
+              <a:lstStyle/>
+              <a:p>
+                <a:pPr/>
+                <a14:m>
+                  <m:oMathPara xmlns:m="http://schemas.openxmlformats.org/officeDocument/2006/math">
+                    <m:oMathParaPr>
+                      <m:jc m:val="centerGroup"/>
+                    </m:oMathParaPr>
+                    <m:oMath xmlns:m="http://schemas.openxmlformats.org/officeDocument/2006/math">
+                      <m:f>
+                        <m:fPr>
+                          <m:ctrlPr>
+                            <a:rPr lang="en-US" i="1" smtClean="0">
+                              <a:solidFill>
+                                <a:schemeClr val="bg1"/>
+                              </a:solidFill>
+                              <a:latin typeface="Cambria Math" panose="02040503050406030204" pitchFamily="18" charset="0"/>
+                            </a:rPr>
+                          </m:ctrlPr>
+                        </m:fPr>
+                        <m:num>
+                          <m:r>
+                            <a:rPr lang="en-GB" b="0" i="1" smtClean="0">
+                              <a:solidFill>
+                                <a:srgbClr val="00B050"/>
+                              </a:solidFill>
+                              <a:latin typeface="Cambria Math" panose="02040503050406030204" pitchFamily="18" charset="0"/>
+                            </a:rPr>
+                            <m:t>𝐹𝑟𝑒𝑚𝑑𝑘𝑎𝑝𝑖𝑡𝑎𝑙</m:t>
+                          </m:r>
+                          <m:r>
+                            <a:rPr lang="en-GB" b="0" i="1" smtClean="0">
+                              <a:solidFill>
+                                <a:schemeClr val="bg1"/>
+                              </a:solidFill>
+                              <a:latin typeface="Cambria Math" panose="02040503050406030204" pitchFamily="18" charset="0"/>
+                            </a:rPr>
+                            <m:t> −</m:t>
+                          </m:r>
+                          <m:r>
+                            <a:rPr lang="en-GB" b="0" i="1" smtClean="0">
+                              <a:solidFill>
+                                <a:srgbClr val="00B0F0"/>
+                              </a:solidFill>
+                              <a:latin typeface="Cambria Math" panose="02040503050406030204" pitchFamily="18" charset="0"/>
+                            </a:rPr>
+                            <m:t>𝑙𝑖𝑞𝑢𝑖𝑑𝑒</m:t>
+                          </m:r>
+                          <m:r>
+                            <a:rPr lang="en-GB" b="0" i="1" smtClean="0">
+                              <a:solidFill>
+                                <a:srgbClr val="0070C0"/>
+                              </a:solidFill>
+                              <a:latin typeface="Cambria Math" panose="02040503050406030204" pitchFamily="18" charset="0"/>
+                            </a:rPr>
+                            <m:t> </m:t>
+                          </m:r>
+                          <m:r>
+                            <a:rPr lang="en-GB" b="0" i="1" smtClean="0">
+                              <a:solidFill>
+                                <a:srgbClr val="00B0F0"/>
+                              </a:solidFill>
+                              <a:latin typeface="Cambria Math" panose="02040503050406030204" pitchFamily="18" charset="0"/>
+                            </a:rPr>
+                            <m:t>𝑀𝑖𝑡𝑡𝑒𝑙</m:t>
+                          </m:r>
+                        </m:num>
+                        <m:den>
+                          <m:r>
+                            <a:rPr lang="en-GB" b="0" i="1" smtClean="0">
+                              <a:solidFill>
+                                <a:schemeClr val="bg1"/>
+                              </a:solidFill>
+                              <a:latin typeface="Cambria Math" panose="02040503050406030204" pitchFamily="18" charset="0"/>
+                            </a:rPr>
+                            <m:t>𝐶𝑎𝑠h𝑓𝑙𝑜𝑤</m:t>
+                          </m:r>
+                        </m:den>
+                      </m:f>
+                      <m:r>
+                        <a:rPr lang="en-GB" b="0" i="1" smtClean="0">
+                          <a:solidFill>
+                            <a:schemeClr val="bg1"/>
+                          </a:solidFill>
+                          <a:latin typeface="Cambria Math" panose="02040503050406030204" pitchFamily="18" charset="0"/>
+                        </a:rPr>
+                        <m:t>=</m:t>
+                      </m:r>
+                      <m:r>
+                        <a:rPr lang="en-GB" b="0" i="1" smtClean="0">
+                          <a:solidFill>
+                            <a:schemeClr val="bg1"/>
+                          </a:solidFill>
+                          <a:latin typeface="Cambria Math" panose="02040503050406030204" pitchFamily="18" charset="0"/>
+                        </a:rPr>
+                        <m:t>2,1 </m:t>
+                      </m:r>
+                      <m:r>
+                        <a:rPr lang="en-GB" b="0" i="1" smtClean="0">
+                          <a:solidFill>
+                            <a:schemeClr val="bg1"/>
+                          </a:solidFill>
+                          <a:latin typeface="Cambria Math" panose="02040503050406030204" pitchFamily="18" charset="0"/>
+                        </a:rPr>
+                        <m:t>𝐽𝑎h𝑟𝑒</m:t>
+                      </m:r>
+                    </m:oMath>
+                  </m:oMathPara>
+                </a14:m>
+                <a:endParaRPr lang="de-AT" dirty="0">
+                  <a:solidFill>
+                    <a:schemeClr val="bg1"/>
+                  </a:solidFill>
+                </a:endParaRPr>
+              </a:p>
+            </p:txBody>
+          </p:sp>
+        </mc:Choice>
+        <mc:Fallback>
+          <p:sp>
+            <p:nvSpPr>
+              <p:cNvPr id="6" name="Textfeld 5">
+                <a:extLst>
+                  <a:ext uri="{FF2B5EF4-FFF2-40B4-BE49-F238E27FC236}">
+                    <a16:creationId xmlns:a16="http://schemas.microsoft.com/office/drawing/2014/main" id="{74871B8D-2BF0-4662-BA52-9B96C3F9CB7E}"/>
+                  </a:ext>
+                </a:extLst>
+              </p:cNvPr>
+              <p:cNvSpPr txBox="1">
+                <a:spLocks noRot="1" noChangeAspect="1" noMove="1" noResize="1" noEditPoints="1" noAdjustHandles="1" noChangeArrowheads="1" noChangeShapeType="1" noTextEdit="1"/>
+              </p:cNvSpPr>
+              <p:nvPr/>
+            </p:nvSpPr>
+            <p:spPr>
+              <a:xfrm>
+                <a:off x="1274322" y="5379058"/>
+                <a:ext cx="6593219" cy="574516"/>
+              </a:xfrm>
+              <a:prstGeom prst="rect">
+                <a:avLst/>
+              </a:prstGeom>
+              <a:blipFill>
+                <a:blip r:embed="rId2"/>
+                <a:stretch>
+                  <a:fillRect/>
+                </a:stretch>
+              </a:blipFill>
+            </p:spPr>
+            <p:txBody>
+              <a:bodyPr/>
+              <a:lstStyle/>
+              <a:p>
+                <a:r>
+                  <a:rPr lang="de-AT">
+                    <a:noFill/>
+                  </a:rPr>
+                  <a:t> </a:t>
+                </a:r>
+              </a:p>
+            </p:txBody>
+          </p:sp>
+        </mc:Fallback>
+      </mc:AlternateContent>
       <p:sp>
         <p:nvSpPr>
-          <p:cNvPr id="4" name="Textfeld 3">
+          <p:cNvPr id="7" name="Textfeld 6">
             <a:extLst>
               <a:ext uri="{FF2B5EF4-FFF2-40B4-BE49-F238E27FC236}">
-                <a16:creationId xmlns:a16="http://schemas.microsoft.com/office/drawing/2014/main" id="{4AFCA2CE-E68A-4E9D-9915-E4E8ADE04C7A}"/>
+                <a16:creationId xmlns:a16="http://schemas.microsoft.com/office/drawing/2014/main" id="{A94ACA5B-91C9-4838-ABC2-AD3205975607}"/>
               </a:ext>
             </a:extLst>
           </p:cNvPr>
@@ -17222,8 +17765,8 @@
         </p:nvSpPr>
         <p:spPr>
           <a:xfrm>
-            <a:off x="1274323" y="2102316"/>
-            <a:ext cx="7782128" cy="523220"/>
+            <a:off x="9127957" y="2679032"/>
+            <a:ext cx="2294021" cy="369332"/>
           </a:xfrm>
           <a:prstGeom prst="rect">
             <a:avLst/>
@@ -17236,19 +17779,15 @@
           </a:bodyPr>
           <a:lstStyle/>
           <a:p>
-            <a:pPr marL="285750" indent="-285750">
-              <a:buFont typeface="Arial" panose="020B0604020202020204" pitchFamily="34" charset="0"/>
-              <a:buChar char="•"/>
-            </a:pPr>
             <a:r>
-              <a:rPr lang="en-GB" sz="2800" dirty="0" err="1">
+              <a:rPr lang="en-GB" dirty="0">
                 <a:solidFill>
                   <a:schemeClr val="bg1"/>
                 </a:solidFill>
               </a:rPr>
-              <a:t>Platzhalter</a:t>
+              <a:t>Cashflow  = 241</a:t>
             </a:r>
-            <a:endParaRPr lang="de-AT" sz="2800" dirty="0">
+            <a:endParaRPr lang="de-AT" dirty="0">
               <a:solidFill>
                 <a:schemeClr val="bg1"/>
               </a:solidFill>
@@ -17256,6 +17795,36 @@
           </a:p>
         </p:txBody>
       </p:sp>
+      <p:pic>
+        <p:nvPicPr>
+          <p:cNvPr id="8" name="Grafik 7">
+            <a:extLst>
+              <a:ext uri="{FF2B5EF4-FFF2-40B4-BE49-F238E27FC236}">
+                <a16:creationId xmlns:a16="http://schemas.microsoft.com/office/drawing/2014/main" id="{66382D5B-8C3D-452F-9896-9528C1198225}"/>
+              </a:ext>
+            </a:extLst>
+          </p:cNvPr>
+          <p:cNvPicPr>
+            <a:picLocks noChangeAspect="1"/>
+          </p:cNvPicPr>
+          <p:nvPr/>
+        </p:nvPicPr>
+        <p:blipFill>
+          <a:blip r:embed="rId3"/>
+          <a:stretch>
+            <a:fillRect/>
+          </a:stretch>
+        </p:blipFill>
+        <p:spPr>
+          <a:xfrm>
+            <a:off x="1274322" y="1862883"/>
+            <a:ext cx="7415413" cy="3324544"/>
+          </a:xfrm>
+          <a:prstGeom prst="rect">
+            <a:avLst/>
+          </a:prstGeom>
+        </p:spPr>
+      </p:pic>
     </p:spTree>
     <p:extLst>
       <p:ext uri="{BB962C8B-B14F-4D97-AF65-F5344CB8AC3E}">
@@ -17397,54 +17966,342 @@
           </a:p>
         </p:txBody>
       </p:sp>
-      <p:sp>
-        <p:nvSpPr>
-          <p:cNvPr id="4" name="Textfeld 3">
+      <mc:AlternateContent xmlns:mc="http://schemas.openxmlformats.org/markup-compatibility/2006">
+        <mc:Choice xmlns:a14="http://schemas.microsoft.com/office/drawing/2010/main" Requires="a14">
+          <p:sp>
+            <p:nvSpPr>
+              <p:cNvPr id="5" name="Textfeld 4">
+                <a:extLst>
+                  <a:ext uri="{FF2B5EF4-FFF2-40B4-BE49-F238E27FC236}">
+                    <a16:creationId xmlns:a16="http://schemas.microsoft.com/office/drawing/2014/main" id="{35469079-2B15-477D-9B5E-F46733C0CEAE}"/>
+                  </a:ext>
+                </a:extLst>
+              </p:cNvPr>
+              <p:cNvSpPr txBox="1"/>
+              <p:nvPr/>
+            </p:nvSpPr>
+            <p:spPr>
+              <a:xfrm>
+                <a:off x="1274323" y="5379058"/>
+                <a:ext cx="4340414" cy="438646"/>
+              </a:xfrm>
+              <a:prstGeom prst="rect">
+                <a:avLst/>
+              </a:prstGeom>
+              <a:solidFill>
+                <a:schemeClr val="tx1"/>
+              </a:solidFill>
+            </p:spPr>
+            <p:txBody>
+              <a:bodyPr wrap="square" lIns="0" tIns="0" rIns="0" bIns="0" rtlCol="0">
+                <a:spAutoFit/>
+              </a:bodyPr>
+              <a:lstStyle/>
+              <a:p>
+                <a:pPr/>
+                <a14:m>
+                  <m:oMath xmlns:m="http://schemas.openxmlformats.org/officeDocument/2006/math">
+                    <m:f>
+                      <m:fPr>
+                        <m:ctrlPr>
+                          <a:rPr lang="en-US" i="1" smtClean="0">
+                            <a:solidFill>
+                              <a:schemeClr val="bg1"/>
+                            </a:solidFill>
+                            <a:latin typeface="Cambria Math" panose="02040503050406030204" pitchFamily="18" charset="0"/>
+                          </a:rPr>
+                        </m:ctrlPr>
+                      </m:fPr>
+                      <m:num>
+                        <m:r>
+                          <a:rPr lang="en-GB" b="0" i="1" smtClean="0">
+                            <a:solidFill>
+                              <a:srgbClr val="00B050"/>
+                            </a:solidFill>
+                            <a:latin typeface="Cambria Math" panose="02040503050406030204" pitchFamily="18" charset="0"/>
+                          </a:rPr>
+                          <m:t>𝑊𝑎𝑟𝑒𝑛𝑒𝑖𝑛𝑠𝑎𝑡</m:t>
+                        </m:r>
+                      </m:num>
+                      <m:den>
+                        <m:d>
+                          <m:dPr>
+                            <m:ctrlPr>
+                              <a:rPr lang="en-GB" b="0" i="1" smtClean="0">
+                                <a:solidFill>
+                                  <a:schemeClr val="bg1"/>
+                                </a:solidFill>
+                                <a:latin typeface="Cambria Math" panose="02040503050406030204" pitchFamily="18" charset="0"/>
+                              </a:rPr>
+                            </m:ctrlPr>
+                          </m:dPr>
+                          <m:e>
+                            <m:r>
+                              <a:rPr lang="en-GB" b="0" i="1" smtClean="0">
+                                <a:solidFill>
+                                  <a:srgbClr val="00B0F0"/>
+                                </a:solidFill>
+                                <a:latin typeface="Cambria Math" panose="02040503050406030204" pitchFamily="18" charset="0"/>
+                              </a:rPr>
+                              <m:t>𝐷𝑢𝑟𝑐h𝑠𝑐h𝑛𝑖𝑡𝑡𝑠𝑙𝑎𝑔𝑒𝑟</m:t>
+                            </m:r>
+                          </m:e>
+                        </m:d>
+                        <m:r>
+                          <a:rPr lang="en-GB" b="0" i="1" smtClean="0">
+                            <a:solidFill>
+                              <a:schemeClr val="bg1"/>
+                            </a:solidFill>
+                            <a:latin typeface="Cambria Math" panose="02040503050406030204" pitchFamily="18" charset="0"/>
+                          </a:rPr>
+                          <m:t>/2)</m:t>
+                        </m:r>
+                      </m:den>
+                    </m:f>
+                    <m:r>
+                      <a:rPr lang="en-GB" b="0" i="1" smtClean="0">
+                        <a:solidFill>
+                          <a:schemeClr val="bg1"/>
+                        </a:solidFill>
+                        <a:latin typeface="Cambria Math" panose="02040503050406030204" pitchFamily="18" charset="0"/>
+                      </a:rPr>
+                      <m:t>=</m:t>
+                    </m:r>
+                  </m:oMath>
+                </a14:m>
+                <a:r>
+                  <a:rPr lang="de-AT" dirty="0">
+                    <a:solidFill>
+                      <a:schemeClr val="bg1"/>
+                    </a:solidFill>
+                  </a:rPr>
+                  <a:t> 5,4</a:t>
+                </a:r>
+              </a:p>
+            </p:txBody>
+          </p:sp>
+        </mc:Choice>
+        <mc:Fallback>
+          <p:sp>
+            <p:nvSpPr>
+              <p:cNvPr id="5" name="Textfeld 4">
+                <a:extLst>
+                  <a:ext uri="{FF2B5EF4-FFF2-40B4-BE49-F238E27FC236}">
+                    <a16:creationId xmlns:a16="http://schemas.microsoft.com/office/drawing/2014/main" id="{35469079-2B15-477D-9B5E-F46733C0CEAE}"/>
+                  </a:ext>
+                </a:extLst>
+              </p:cNvPr>
+              <p:cNvSpPr txBox="1">
+                <a:spLocks noRot="1" noChangeAspect="1" noMove="1" noResize="1" noEditPoints="1" noAdjustHandles="1" noChangeArrowheads="1" noChangeShapeType="1" noTextEdit="1"/>
+              </p:cNvSpPr>
+              <p:nvPr/>
+            </p:nvSpPr>
+            <p:spPr>
+              <a:xfrm>
+                <a:off x="1274323" y="5379058"/>
+                <a:ext cx="4340414" cy="438646"/>
+              </a:xfrm>
+              <a:prstGeom prst="rect">
+                <a:avLst/>
+              </a:prstGeom>
+              <a:blipFill>
+                <a:blip r:embed="rId2"/>
+                <a:stretch>
+                  <a:fillRect l="-140" t="-4167" b="-18056"/>
+                </a:stretch>
+              </a:blipFill>
+            </p:spPr>
+            <p:txBody>
+              <a:bodyPr/>
+              <a:lstStyle/>
+              <a:p>
+                <a:r>
+                  <a:rPr lang="de-AT">
+                    <a:noFill/>
+                  </a:rPr>
+                  <a:t> </a:t>
+                </a:r>
+              </a:p>
+            </p:txBody>
+          </p:sp>
+        </mc:Fallback>
+      </mc:AlternateContent>
+      <mc:AlternateContent xmlns:mc="http://schemas.openxmlformats.org/markup-compatibility/2006">
+        <mc:Choice xmlns:a14="http://schemas.microsoft.com/office/drawing/2010/main" Requires="a14">
+          <p:sp>
+            <p:nvSpPr>
+              <p:cNvPr id="6" name="Textfeld 5">
+                <a:extLst>
+                  <a:ext uri="{FF2B5EF4-FFF2-40B4-BE49-F238E27FC236}">
+                    <a16:creationId xmlns:a16="http://schemas.microsoft.com/office/drawing/2014/main" id="{BD5A52AF-B6D6-480B-8B3F-CD5DB33D3F6B}"/>
+                  </a:ext>
+                </a:extLst>
+              </p:cNvPr>
+              <p:cNvSpPr txBox="1"/>
+              <p:nvPr/>
+            </p:nvSpPr>
+            <p:spPr>
+              <a:xfrm>
+                <a:off x="5815622" y="5379058"/>
+                <a:ext cx="4340414" cy="418320"/>
+              </a:xfrm>
+              <a:prstGeom prst="rect">
+                <a:avLst/>
+              </a:prstGeom>
+              <a:solidFill>
+                <a:schemeClr val="tx1"/>
+              </a:solidFill>
+            </p:spPr>
+            <p:txBody>
+              <a:bodyPr wrap="square" lIns="0" tIns="0" rIns="0" bIns="0" rtlCol="0">
+                <a:spAutoFit/>
+              </a:bodyPr>
+              <a:lstStyle/>
+              <a:p>
+                <a:pPr/>
+                <a14:m>
+                  <m:oMath xmlns:m="http://schemas.openxmlformats.org/officeDocument/2006/math">
+                    <m:f>
+                      <m:fPr>
+                        <m:ctrlPr>
+                          <a:rPr lang="en-US" i="1" smtClean="0">
+                            <a:solidFill>
+                              <a:schemeClr val="bg1"/>
+                            </a:solidFill>
+                            <a:latin typeface="Cambria Math" panose="02040503050406030204" pitchFamily="18" charset="0"/>
+                          </a:rPr>
+                        </m:ctrlPr>
+                      </m:fPr>
+                      <m:num>
+                        <m:r>
+                          <a:rPr lang="en-GB" b="0" i="1" smtClean="0">
+                            <a:solidFill>
+                              <a:schemeClr val="bg1"/>
+                            </a:solidFill>
+                            <a:latin typeface="Cambria Math" panose="02040503050406030204" pitchFamily="18" charset="0"/>
+                          </a:rPr>
+                          <m:t>365</m:t>
+                        </m:r>
+                      </m:num>
+                      <m:den>
+                        <m:r>
+                          <a:rPr lang="en-GB" b="0" i="1" smtClean="0">
+                            <a:solidFill>
+                              <a:schemeClr val="bg1"/>
+                            </a:solidFill>
+                            <a:latin typeface="Cambria Math" panose="02040503050406030204" pitchFamily="18" charset="0"/>
+                          </a:rPr>
+                          <m:t>5,4</m:t>
+                        </m:r>
+                      </m:den>
+                    </m:f>
+                    <m:r>
+                      <a:rPr lang="en-GB" b="0" i="1" smtClean="0">
+                        <a:solidFill>
+                          <a:schemeClr val="bg1"/>
+                        </a:solidFill>
+                        <a:latin typeface="Cambria Math" panose="02040503050406030204" pitchFamily="18" charset="0"/>
+                      </a:rPr>
+                      <m:t>=</m:t>
+                    </m:r>
+                    <m:r>
+                      <a:rPr lang="en-GB" b="0" i="1" smtClean="0">
+                        <a:solidFill>
+                          <a:schemeClr val="bg1"/>
+                        </a:solidFill>
+                        <a:latin typeface="Cambria Math" panose="02040503050406030204" pitchFamily="18" charset="0"/>
+                      </a:rPr>
+                      <m:t>68</m:t>
+                    </m:r>
+                  </m:oMath>
+                </a14:m>
+                <a:r>
+                  <a:rPr lang="de-AT" dirty="0">
+                    <a:solidFill>
+                      <a:schemeClr val="bg1"/>
+                    </a:solidFill>
+                  </a:rPr>
+                  <a:t> Tage</a:t>
+                </a:r>
+              </a:p>
+            </p:txBody>
+          </p:sp>
+        </mc:Choice>
+        <mc:Fallback>
+          <p:sp>
+            <p:nvSpPr>
+              <p:cNvPr id="6" name="Textfeld 5">
+                <a:extLst>
+                  <a:ext uri="{FF2B5EF4-FFF2-40B4-BE49-F238E27FC236}">
+                    <a16:creationId xmlns:a16="http://schemas.microsoft.com/office/drawing/2014/main" id="{BD5A52AF-B6D6-480B-8B3F-CD5DB33D3F6B}"/>
+                  </a:ext>
+                </a:extLst>
+              </p:cNvPr>
+              <p:cNvSpPr txBox="1">
+                <a:spLocks noRot="1" noChangeAspect="1" noMove="1" noResize="1" noEditPoints="1" noAdjustHandles="1" noChangeArrowheads="1" noChangeShapeType="1" noTextEdit="1"/>
+              </p:cNvSpPr>
+              <p:nvPr/>
+            </p:nvSpPr>
+            <p:spPr>
+              <a:xfrm>
+                <a:off x="5815622" y="5379058"/>
+                <a:ext cx="4340414" cy="418320"/>
+              </a:xfrm>
+              <a:prstGeom prst="rect">
+                <a:avLst/>
+              </a:prstGeom>
+              <a:blipFill>
+                <a:blip r:embed="rId3"/>
+                <a:stretch>
+                  <a:fillRect l="-1404" t="-5797" b="-13043"/>
+                </a:stretch>
+              </a:blipFill>
+            </p:spPr>
+            <p:txBody>
+              <a:bodyPr/>
+              <a:lstStyle/>
+              <a:p>
+                <a:r>
+                  <a:rPr lang="de-AT">
+                    <a:noFill/>
+                  </a:rPr>
+                  <a:t> </a:t>
+                </a:r>
+              </a:p>
+            </p:txBody>
+          </p:sp>
+        </mc:Fallback>
+      </mc:AlternateContent>
+      <p:pic>
+        <p:nvPicPr>
+          <p:cNvPr id="8" name="Grafik 7">
             <a:extLst>
               <a:ext uri="{FF2B5EF4-FFF2-40B4-BE49-F238E27FC236}">
-                <a16:creationId xmlns:a16="http://schemas.microsoft.com/office/drawing/2014/main" id="{4AFCA2CE-E68A-4E9D-9915-E4E8ADE04C7A}"/>
+                <a16:creationId xmlns:a16="http://schemas.microsoft.com/office/drawing/2014/main" id="{C8CE535D-F29D-4C47-BA2C-78D9BED8E331}"/>
               </a:ext>
             </a:extLst>
           </p:cNvPr>
-          <p:cNvSpPr txBox="1"/>
+          <p:cNvPicPr>
+            <a:picLocks noChangeAspect="1"/>
+          </p:cNvPicPr>
           <p:nvPr/>
-        </p:nvSpPr>
+        </p:nvPicPr>
+        <p:blipFill>
+          <a:blip r:embed="rId4"/>
+          <a:stretch>
+            <a:fillRect/>
+          </a:stretch>
+        </p:blipFill>
         <p:spPr>
           <a:xfrm>
-            <a:off x="1274323" y="1429966"/>
-            <a:ext cx="7782128" cy="523220"/>
+            <a:off x="1274323" y="1699988"/>
+            <a:ext cx="9643354" cy="2735149"/>
           </a:xfrm>
           <a:prstGeom prst="rect">
             <a:avLst/>
           </a:prstGeom>
-          <a:noFill/>
         </p:spPr>
-        <p:txBody>
-          <a:bodyPr wrap="square" rtlCol="0">
-            <a:spAutoFit/>
-          </a:bodyPr>
-          <a:lstStyle/>
-          <a:p>
-            <a:pPr marL="285750" indent="-285750">
-              <a:buFont typeface="Arial" panose="020B0604020202020204" pitchFamily="34" charset="0"/>
-              <a:buChar char="•"/>
-            </a:pPr>
-            <a:r>
-              <a:rPr lang="en-GB" sz="2800" dirty="0" err="1">
-                <a:solidFill>
-                  <a:schemeClr val="bg1"/>
-                </a:solidFill>
-              </a:rPr>
-              <a:t>Platzhalter</a:t>
-            </a:r>
-            <a:endParaRPr lang="de-AT" sz="2800" dirty="0">
-              <a:solidFill>
-                <a:schemeClr val="bg1"/>
-              </a:solidFill>
-            </a:endParaRPr>
-          </a:p>
-        </p:txBody>
-      </p:sp>
+      </p:pic>
     </p:spTree>
     <p:extLst>
       <p:ext uri="{BB962C8B-B14F-4D97-AF65-F5344CB8AC3E}">
@@ -17617,54 +18474,369 @@
           </a:p>
         </p:txBody>
       </p:sp>
-      <p:sp>
-        <p:nvSpPr>
-          <p:cNvPr id="4" name="Textfeld 3">
+      <mc:AlternateContent xmlns:mc="http://schemas.openxmlformats.org/markup-compatibility/2006">
+        <mc:Choice xmlns:a14="http://schemas.microsoft.com/office/drawing/2010/main" Requires="a14">
+          <p:sp>
+            <p:nvSpPr>
+              <p:cNvPr id="8" name="Textfeld 7">
+                <a:extLst>
+                  <a:ext uri="{FF2B5EF4-FFF2-40B4-BE49-F238E27FC236}">
+                    <a16:creationId xmlns:a16="http://schemas.microsoft.com/office/drawing/2014/main" id="{DC1AD03D-6AF6-4CCF-BEBF-005414F98F27}"/>
+                  </a:ext>
+                </a:extLst>
+              </p:cNvPr>
+              <p:cNvSpPr txBox="1"/>
+              <p:nvPr/>
+            </p:nvSpPr>
+            <p:spPr>
+              <a:xfrm>
+                <a:off x="1274323" y="5379058"/>
+                <a:ext cx="4340414" cy="438646"/>
+              </a:xfrm>
+              <a:prstGeom prst="rect">
+                <a:avLst/>
+              </a:prstGeom>
+              <a:solidFill>
+                <a:schemeClr val="tx1"/>
+              </a:solidFill>
+            </p:spPr>
+            <p:txBody>
+              <a:bodyPr wrap="square" lIns="0" tIns="0" rIns="0" bIns="0" rtlCol="0">
+                <a:spAutoFit/>
+              </a:bodyPr>
+              <a:lstStyle/>
+              <a:p>
+                <a:pPr/>
+                <a14:m>
+                  <m:oMath xmlns:m="http://schemas.openxmlformats.org/officeDocument/2006/math">
+                    <m:f>
+                      <m:fPr>
+                        <m:ctrlPr>
+                          <a:rPr lang="en-US" i="1" smtClean="0">
+                            <a:solidFill>
+                              <a:schemeClr val="bg1"/>
+                            </a:solidFill>
+                            <a:latin typeface="Cambria Math" panose="02040503050406030204" pitchFamily="18" charset="0"/>
+                          </a:rPr>
+                        </m:ctrlPr>
+                      </m:fPr>
+                      <m:num>
+                        <m:r>
+                          <a:rPr lang="en-GB" b="0" i="1" smtClean="0">
+                            <a:solidFill>
+                              <a:srgbClr val="00B050"/>
+                            </a:solidFill>
+                            <a:latin typeface="Cambria Math" panose="02040503050406030204" pitchFamily="18" charset="0"/>
+                          </a:rPr>
+                          <m:t>𝑈𝑚𝑠𝑎𝑡𝑧</m:t>
+                        </m:r>
+                        <m:r>
+                          <a:rPr lang="en-GB" b="0" i="1" smtClean="0">
+                            <a:solidFill>
+                              <a:srgbClr val="00B050"/>
+                            </a:solidFill>
+                            <a:latin typeface="Cambria Math" panose="02040503050406030204" pitchFamily="18" charset="0"/>
+                          </a:rPr>
+                          <m:t> ∗1,2</m:t>
+                        </m:r>
+                      </m:num>
+                      <m:den>
+                        <m:d>
+                          <m:dPr>
+                            <m:ctrlPr>
+                              <a:rPr lang="en-GB" b="0" i="1" smtClean="0">
+                                <a:solidFill>
+                                  <a:schemeClr val="bg1"/>
+                                </a:solidFill>
+                                <a:latin typeface="Cambria Math" panose="02040503050406030204" pitchFamily="18" charset="0"/>
+                              </a:rPr>
+                            </m:ctrlPr>
+                          </m:dPr>
+                          <m:e>
+                            <m:r>
+                              <a:rPr lang="en-GB" b="0" i="1" smtClean="0">
+                                <a:solidFill>
+                                  <a:srgbClr val="00B0F0"/>
+                                </a:solidFill>
+                                <a:latin typeface="Cambria Math" panose="02040503050406030204" pitchFamily="18" charset="0"/>
+                              </a:rPr>
+                              <m:t>𝑑𝑢𝑟𝑐h</m:t>
+                            </m:r>
+                            <m:r>
+                              <a:rPr lang="en-GB" b="0" i="1" smtClean="0">
+                                <a:solidFill>
+                                  <a:srgbClr val="00B0F0"/>
+                                </a:solidFill>
+                                <a:latin typeface="Cambria Math" panose="02040503050406030204" pitchFamily="18" charset="0"/>
+                              </a:rPr>
+                              <m:t>. </m:t>
+                            </m:r>
+                            <m:r>
+                              <a:rPr lang="en-GB" b="0" i="1" smtClean="0">
+                                <a:solidFill>
+                                  <a:srgbClr val="00B0F0"/>
+                                </a:solidFill>
+                                <a:latin typeface="Cambria Math" panose="02040503050406030204" pitchFamily="18" charset="0"/>
+                              </a:rPr>
+                              <m:t>𝐿𝑖𝑒𝑓𝑒𝑟𝑓𝑜𝑟𝑑𝑒𝑟𝑢𝑛𝑔𝑒𝑛</m:t>
+                            </m:r>
+                          </m:e>
+                        </m:d>
+                        <m:r>
+                          <a:rPr lang="en-GB" b="0" i="1" smtClean="0">
+                            <a:solidFill>
+                              <a:schemeClr val="bg1"/>
+                            </a:solidFill>
+                            <a:latin typeface="Cambria Math" panose="02040503050406030204" pitchFamily="18" charset="0"/>
+                          </a:rPr>
+                          <m:t>/2)</m:t>
+                        </m:r>
+                      </m:den>
+                    </m:f>
+                    <m:r>
+                      <a:rPr lang="en-GB" b="0" i="1" smtClean="0">
+                        <a:solidFill>
+                          <a:schemeClr val="bg1"/>
+                        </a:solidFill>
+                        <a:latin typeface="Cambria Math" panose="02040503050406030204" pitchFamily="18" charset="0"/>
+                      </a:rPr>
+                      <m:t>=</m:t>
+                    </m:r>
+                  </m:oMath>
+                </a14:m>
+                <a:r>
+                  <a:rPr lang="de-AT" dirty="0">
+                    <a:solidFill>
+                      <a:schemeClr val="bg1"/>
+                    </a:solidFill>
+                  </a:rPr>
+                  <a:t> 11,9</a:t>
+                </a:r>
+              </a:p>
+            </p:txBody>
+          </p:sp>
+        </mc:Choice>
+        <mc:Fallback>
+          <p:sp>
+            <p:nvSpPr>
+              <p:cNvPr id="8" name="Textfeld 7">
+                <a:extLst>
+                  <a:ext uri="{FF2B5EF4-FFF2-40B4-BE49-F238E27FC236}">
+                    <a16:creationId xmlns:a16="http://schemas.microsoft.com/office/drawing/2014/main" id="{DC1AD03D-6AF6-4CCF-BEBF-005414F98F27}"/>
+                  </a:ext>
+                </a:extLst>
+              </p:cNvPr>
+              <p:cNvSpPr txBox="1">
+                <a:spLocks noRot="1" noChangeAspect="1" noMove="1" noResize="1" noEditPoints="1" noAdjustHandles="1" noChangeArrowheads="1" noChangeShapeType="1" noTextEdit="1"/>
+              </p:cNvSpPr>
+              <p:nvPr/>
+            </p:nvSpPr>
+            <p:spPr>
+              <a:xfrm>
+                <a:off x="1274323" y="5379058"/>
+                <a:ext cx="4340414" cy="438646"/>
+              </a:xfrm>
+              <a:prstGeom prst="rect">
+                <a:avLst/>
+              </a:prstGeom>
+              <a:blipFill>
+                <a:blip r:embed="rId2"/>
+                <a:stretch>
+                  <a:fillRect t="-5556" b="-16667"/>
+                </a:stretch>
+              </a:blipFill>
+            </p:spPr>
+            <p:txBody>
+              <a:bodyPr/>
+              <a:lstStyle/>
+              <a:p>
+                <a:r>
+                  <a:rPr lang="de-AT">
+                    <a:noFill/>
+                  </a:rPr>
+                  <a:t> </a:t>
+                </a:r>
+              </a:p>
+            </p:txBody>
+          </p:sp>
+        </mc:Fallback>
+      </mc:AlternateContent>
+      <mc:AlternateContent xmlns:mc="http://schemas.openxmlformats.org/markup-compatibility/2006">
+        <mc:Choice xmlns:a14="http://schemas.microsoft.com/office/drawing/2010/main" Requires="a14">
+          <p:sp>
+            <p:nvSpPr>
+              <p:cNvPr id="9" name="Textfeld 8">
+                <a:extLst>
+                  <a:ext uri="{FF2B5EF4-FFF2-40B4-BE49-F238E27FC236}">
+                    <a16:creationId xmlns:a16="http://schemas.microsoft.com/office/drawing/2014/main" id="{EB2578EB-D465-41D2-B51B-91763DEF3736}"/>
+                  </a:ext>
+                </a:extLst>
+              </p:cNvPr>
+              <p:cNvSpPr txBox="1"/>
+              <p:nvPr/>
+            </p:nvSpPr>
+            <p:spPr>
+              <a:xfrm>
+                <a:off x="5815622" y="5379058"/>
+                <a:ext cx="4340414" cy="418320"/>
+              </a:xfrm>
+              <a:prstGeom prst="rect">
+                <a:avLst/>
+              </a:prstGeom>
+              <a:solidFill>
+                <a:schemeClr val="tx1"/>
+              </a:solidFill>
+            </p:spPr>
+            <p:txBody>
+              <a:bodyPr wrap="square" lIns="0" tIns="0" rIns="0" bIns="0" rtlCol="0">
+                <a:spAutoFit/>
+              </a:bodyPr>
+              <a:lstStyle/>
+              <a:p>
+                <a:pPr/>
+                <a14:m>
+                  <m:oMath xmlns:m="http://schemas.openxmlformats.org/officeDocument/2006/math">
+                    <m:f>
+                      <m:fPr>
+                        <m:ctrlPr>
+                          <a:rPr lang="en-US" i="1" smtClean="0">
+                            <a:solidFill>
+                              <a:schemeClr val="bg1"/>
+                            </a:solidFill>
+                            <a:latin typeface="Cambria Math" panose="02040503050406030204" pitchFamily="18" charset="0"/>
+                          </a:rPr>
+                        </m:ctrlPr>
+                      </m:fPr>
+                      <m:num>
+                        <m:r>
+                          <a:rPr lang="en-GB" b="0" i="1" smtClean="0">
+                            <a:solidFill>
+                              <a:schemeClr val="bg1"/>
+                            </a:solidFill>
+                            <a:latin typeface="Cambria Math" panose="02040503050406030204" pitchFamily="18" charset="0"/>
+                          </a:rPr>
+                          <m:t>365</m:t>
+                        </m:r>
+                      </m:num>
+                      <m:den>
+                        <m:r>
+                          <a:rPr lang="en-GB" b="0" i="1" smtClean="0">
+                            <a:solidFill>
+                              <a:schemeClr val="bg1"/>
+                            </a:solidFill>
+                            <a:latin typeface="Cambria Math" panose="02040503050406030204" pitchFamily="18" charset="0"/>
+                          </a:rPr>
+                          <m:t>511,9</m:t>
+                        </m:r>
+                      </m:den>
+                    </m:f>
+                    <m:r>
+                      <a:rPr lang="en-GB" b="0" i="1" smtClean="0">
+                        <a:solidFill>
+                          <a:schemeClr val="bg1"/>
+                        </a:solidFill>
+                        <a:latin typeface="Cambria Math" panose="02040503050406030204" pitchFamily="18" charset="0"/>
+                      </a:rPr>
+                      <m:t>=</m:t>
+                    </m:r>
+                    <m:r>
+                      <a:rPr lang="en-GB" b="0" i="1" smtClean="0">
+                        <a:solidFill>
+                          <a:schemeClr val="bg1"/>
+                        </a:solidFill>
+                        <a:latin typeface="Cambria Math" panose="02040503050406030204" pitchFamily="18" charset="0"/>
+                      </a:rPr>
+                      <m:t>31</m:t>
+                    </m:r>
+                  </m:oMath>
+                </a14:m>
+                <a:r>
+                  <a:rPr lang="de-AT" dirty="0">
+                    <a:solidFill>
+                      <a:schemeClr val="bg1"/>
+                    </a:solidFill>
+                  </a:rPr>
+                  <a:t> Tage</a:t>
+                </a:r>
+              </a:p>
+            </p:txBody>
+          </p:sp>
+        </mc:Choice>
+        <mc:Fallback>
+          <p:sp>
+            <p:nvSpPr>
+              <p:cNvPr id="9" name="Textfeld 8">
+                <a:extLst>
+                  <a:ext uri="{FF2B5EF4-FFF2-40B4-BE49-F238E27FC236}">
+                    <a16:creationId xmlns:a16="http://schemas.microsoft.com/office/drawing/2014/main" id="{EB2578EB-D465-41D2-B51B-91763DEF3736}"/>
+                  </a:ext>
+                </a:extLst>
+              </p:cNvPr>
+              <p:cNvSpPr txBox="1">
+                <a:spLocks noRot="1" noChangeAspect="1" noMove="1" noResize="1" noEditPoints="1" noAdjustHandles="1" noChangeArrowheads="1" noChangeShapeType="1" noTextEdit="1"/>
+              </p:cNvSpPr>
+              <p:nvPr/>
+            </p:nvSpPr>
+            <p:spPr>
+              <a:xfrm>
+                <a:off x="5815622" y="5379058"/>
+                <a:ext cx="4340414" cy="418320"/>
+              </a:xfrm>
+              <a:prstGeom prst="rect">
+                <a:avLst/>
+              </a:prstGeom>
+              <a:blipFill>
+                <a:blip r:embed="rId3"/>
+                <a:stretch>
+                  <a:fillRect l="-1404" t="-5797" b="-13043"/>
+                </a:stretch>
+              </a:blipFill>
+            </p:spPr>
+            <p:txBody>
+              <a:bodyPr/>
+              <a:lstStyle/>
+              <a:p>
+                <a:r>
+                  <a:rPr lang="de-AT">
+                    <a:noFill/>
+                  </a:rPr>
+                  <a:t> </a:t>
+                </a:r>
+              </a:p>
+            </p:txBody>
+          </p:sp>
+        </mc:Fallback>
+      </mc:AlternateContent>
+      <p:pic>
+        <p:nvPicPr>
+          <p:cNvPr id="10" name="Grafik 9">
             <a:extLst>
               <a:ext uri="{FF2B5EF4-FFF2-40B4-BE49-F238E27FC236}">
-                <a16:creationId xmlns:a16="http://schemas.microsoft.com/office/drawing/2014/main" id="{4AFCA2CE-E68A-4E9D-9915-E4E8ADE04C7A}"/>
+                <a16:creationId xmlns:a16="http://schemas.microsoft.com/office/drawing/2014/main" id="{38ED1D5F-F617-4DE5-9EAD-FC50F834E657}"/>
               </a:ext>
             </a:extLst>
           </p:cNvPr>
-          <p:cNvSpPr txBox="1"/>
+          <p:cNvPicPr>
+            <a:picLocks noChangeAspect="1"/>
+          </p:cNvPicPr>
           <p:nvPr/>
-        </p:nvSpPr>
+        </p:nvPicPr>
+        <p:blipFill>
+          <a:blip r:embed="rId4"/>
+          <a:stretch>
+            <a:fillRect/>
+          </a:stretch>
+        </p:blipFill>
         <p:spPr>
           <a:xfrm>
-            <a:off x="1274323" y="2102316"/>
-            <a:ext cx="7782128" cy="523220"/>
+            <a:off x="1274323" y="1970146"/>
+            <a:ext cx="9643354" cy="2735149"/>
           </a:xfrm>
           <a:prstGeom prst="rect">
             <a:avLst/>
           </a:prstGeom>
-          <a:noFill/>
         </p:spPr>
-        <p:txBody>
-          <a:bodyPr wrap="square" rtlCol="0">
-            <a:spAutoFit/>
-          </a:bodyPr>
-          <a:lstStyle/>
-          <a:p>
-            <a:pPr marL="285750" indent="-285750">
-              <a:buFont typeface="Arial" panose="020B0604020202020204" pitchFamily="34" charset="0"/>
-              <a:buChar char="•"/>
-            </a:pPr>
-            <a:r>
-              <a:rPr lang="en-GB" sz="2800" dirty="0" err="1">
-                <a:solidFill>
-                  <a:schemeClr val="bg1"/>
-                </a:solidFill>
-              </a:rPr>
-              <a:t>Platzhalter</a:t>
-            </a:r>
-            <a:endParaRPr lang="de-AT" sz="2800" dirty="0">
-              <a:solidFill>
-                <a:schemeClr val="bg1"/>
-              </a:solidFill>
-            </a:endParaRPr>
-          </a:p>
-        </p:txBody>
-      </p:sp>
+      </p:pic>
     </p:spTree>
     <p:extLst>
       <p:ext uri="{BB962C8B-B14F-4D97-AF65-F5344CB8AC3E}">
@@ -17775,74 +18947,37 @@
           <a:lstStyle/>
           <a:p>
             <a:r>
-              <a:rPr lang="en-GB" sz="4000" dirty="0" err="1">
+              <a:rPr lang="de-AT" sz="4000">
                 <a:solidFill>
                   <a:schemeClr val="bg1"/>
                 </a:solidFill>
               </a:rPr>
-              <a:t>Kreditorenumschlagshäufigkeit</a:t>
-            </a:r>
-            <a:r>
-              <a:rPr lang="en-GB" sz="4000" dirty="0">
-                <a:solidFill>
-                  <a:schemeClr val="bg1"/>
-                </a:solidFill>
-              </a:rPr>
-              <a:t> –</a:t>
+              <a:t>Kreditorenumschlagshäufigkeit –</a:t>
             </a:r>
             <a:br>
-              <a:rPr lang="en-GB" sz="4000" dirty="0">
+              <a:rPr lang="de-AT" sz="4000">
                 <a:solidFill>
                   <a:schemeClr val="bg1"/>
                 </a:solidFill>
               </a:rPr>
             </a:br>
             <a:r>
-              <a:rPr lang="en-GB" sz="4000" dirty="0" err="1">
+              <a:rPr lang="de-AT" sz="4000">
                 <a:solidFill>
                   <a:schemeClr val="bg1"/>
                 </a:solidFill>
               </a:rPr>
-              <a:t>Kreditorendauer</a:t>
+              <a:t>Kreditorendauer (Kreditorenziel)</a:t>
             </a:r>
-            <a:r>
-              <a:rPr lang="en-GB" sz="4000" dirty="0">
-                <a:solidFill>
-                  <a:schemeClr val="bg1"/>
-                </a:solidFill>
-              </a:rPr>
-              <a:t> (</a:t>
-            </a:r>
-            <a:r>
-              <a:rPr lang="en-GB" sz="4000" dirty="0" err="1">
-                <a:solidFill>
-                  <a:schemeClr val="bg1"/>
-                </a:solidFill>
-              </a:rPr>
-              <a:t>Kreditorenziel</a:t>
-            </a:r>
-            <a:r>
-              <a:rPr lang="en-GB" sz="4000" dirty="0">
-                <a:solidFill>
-                  <a:schemeClr val="bg1"/>
-                </a:solidFill>
-              </a:rPr>
-              <a:t>)</a:t>
-            </a:r>
-            <a:endParaRPr lang="de-AT" sz="4000" dirty="0">
-              <a:solidFill>
-                <a:schemeClr val="bg1"/>
-              </a:solidFill>
-            </a:endParaRPr>
           </a:p>
         </p:txBody>
       </p:sp>
       <p:sp>
         <p:nvSpPr>
-          <p:cNvPr id="4" name="Textfeld 3">
+          <p:cNvPr id="8" name="Textfeld 7">
             <a:extLst>
               <a:ext uri="{FF2B5EF4-FFF2-40B4-BE49-F238E27FC236}">
-                <a16:creationId xmlns:a16="http://schemas.microsoft.com/office/drawing/2014/main" id="{4AFCA2CE-E68A-4E9D-9915-E4E8ADE04C7A}"/>
+                <a16:creationId xmlns:a16="http://schemas.microsoft.com/office/drawing/2014/main" id="{694BD6BD-4E21-4F50-B249-24F0AC063B53}"/>
               </a:ext>
             </a:extLst>
           </p:cNvPr>
@@ -17851,8 +18986,8 @@
         </p:nvSpPr>
         <p:spPr>
           <a:xfrm>
-            <a:off x="1274323" y="2102316"/>
-            <a:ext cx="7782128" cy="523220"/>
+            <a:off x="8999621" y="2582779"/>
+            <a:ext cx="2131866" cy="923330"/>
           </a:xfrm>
           <a:prstGeom prst="rect">
             <a:avLst/>
@@ -17860,31 +18995,454 @@
           <a:noFill/>
         </p:spPr>
         <p:txBody>
-          <a:bodyPr wrap="square" rtlCol="0">
+          <a:bodyPr wrap="none" rtlCol="0">
             <a:spAutoFit/>
           </a:bodyPr>
           <a:lstStyle/>
           <a:p>
-            <a:pPr marL="285750" indent="-285750">
-              <a:buFont typeface="Arial" panose="020B0604020202020204" pitchFamily="34" charset="0"/>
-              <a:buChar char="•"/>
-            </a:pPr>
             <a:r>
-              <a:rPr lang="en-GB" sz="2800" dirty="0" err="1">
+              <a:rPr lang="de-AT" dirty="0">
                 <a:solidFill>
-                  <a:schemeClr val="bg1"/>
+                  <a:srgbClr val="00B050"/>
                 </a:solidFill>
               </a:rPr>
-              <a:t>Platzhalter</a:t>
+              <a:t>Handelswaren (HW)</a:t>
             </a:r>
-            <a:endParaRPr lang="de-AT" sz="2800" dirty="0">
-              <a:solidFill>
-                <a:schemeClr val="bg1"/>
-              </a:solidFill>
-            </a:endParaRPr>
+            <a:br>
+              <a:rPr lang="de-AT" dirty="0">
+                <a:solidFill>
+                  <a:srgbClr val="00B050"/>
+                </a:solidFill>
+              </a:rPr>
+            </a:br>
+            <a:r>
+              <a:rPr lang="de-AT" dirty="0">
+                <a:solidFill>
+                  <a:srgbClr val="00B050"/>
+                </a:solidFill>
+              </a:rPr>
+              <a:t>Einkaufswerte </a:t>
+            </a:r>
+            <a:br>
+              <a:rPr lang="de-AT" dirty="0">
+                <a:solidFill>
+                  <a:srgbClr val="00B050"/>
+                </a:solidFill>
+              </a:rPr>
+            </a:br>
+            <a:r>
+              <a:rPr lang="de-AT" dirty="0">
+                <a:solidFill>
+                  <a:srgbClr val="00B050"/>
+                </a:solidFill>
+              </a:rPr>
+              <a:t>= 1 782</a:t>
+            </a:r>
           </a:p>
         </p:txBody>
       </p:sp>
+      <mc:AlternateContent xmlns:mc="http://schemas.openxmlformats.org/markup-compatibility/2006">
+        <mc:Choice xmlns:a14="http://schemas.microsoft.com/office/drawing/2010/main" Requires="a14">
+          <p:sp>
+            <p:nvSpPr>
+              <p:cNvPr id="9" name="Textfeld 8">
+                <a:extLst>
+                  <a:ext uri="{FF2B5EF4-FFF2-40B4-BE49-F238E27FC236}">
+                    <a16:creationId xmlns:a16="http://schemas.microsoft.com/office/drawing/2014/main" id="{EF360295-499F-43E4-A102-A15914FEA941}"/>
+                  </a:ext>
+                </a:extLst>
+              </p:cNvPr>
+              <p:cNvSpPr txBox="1"/>
+              <p:nvPr/>
+            </p:nvSpPr>
+            <p:spPr>
+              <a:xfrm>
+                <a:off x="1274323" y="5379058"/>
+                <a:ext cx="4340414" cy="438646"/>
+              </a:xfrm>
+              <a:prstGeom prst="rect">
+                <a:avLst/>
+              </a:prstGeom>
+              <a:solidFill>
+                <a:schemeClr val="tx1"/>
+              </a:solidFill>
+            </p:spPr>
+            <p:txBody>
+              <a:bodyPr wrap="square" lIns="0" tIns="0" rIns="0" bIns="0" rtlCol="0">
+                <a:spAutoFit/>
+              </a:bodyPr>
+              <a:lstStyle/>
+              <a:p>
+                <a:pPr/>
+                <a14:m>
+                  <m:oMath xmlns:m="http://schemas.openxmlformats.org/officeDocument/2006/math">
+                    <m:f>
+                      <m:fPr>
+                        <m:ctrlPr>
+                          <a:rPr lang="en-US" i="1" smtClean="0">
+                            <a:solidFill>
+                              <a:schemeClr val="bg1"/>
+                            </a:solidFill>
+                            <a:latin typeface="Cambria Math" panose="02040503050406030204" pitchFamily="18" charset="0"/>
+                          </a:rPr>
+                        </m:ctrlPr>
+                      </m:fPr>
+                      <m:num>
+                        <m:r>
+                          <a:rPr lang="en-GB" b="0" i="1" smtClean="0">
+                            <a:solidFill>
+                              <a:srgbClr val="00B050"/>
+                            </a:solidFill>
+                            <a:latin typeface="Cambria Math" panose="02040503050406030204" pitchFamily="18" charset="0"/>
+                          </a:rPr>
+                          <m:t> </m:t>
+                        </m:r>
+                        <m:r>
+                          <a:rPr lang="en-GB" b="0" i="1" smtClean="0">
+                            <a:solidFill>
+                              <a:srgbClr val="00B050"/>
+                            </a:solidFill>
+                            <a:latin typeface="Cambria Math" panose="02040503050406030204" pitchFamily="18" charset="0"/>
+                          </a:rPr>
+                          <m:t>𝐻𝑊</m:t>
+                        </m:r>
+                        <m:r>
+                          <a:rPr lang="en-GB" b="0" i="1" smtClean="0">
+                            <a:solidFill>
+                              <a:srgbClr val="00B050"/>
+                            </a:solidFill>
+                            <a:latin typeface="Cambria Math" panose="02040503050406030204" pitchFamily="18" charset="0"/>
+                          </a:rPr>
+                          <m:t> ∗1,2</m:t>
+                        </m:r>
+                      </m:num>
+                      <m:den>
+                        <m:d>
+                          <m:dPr>
+                            <m:ctrlPr>
+                              <a:rPr lang="en-GB" b="0" i="1" smtClean="0">
+                                <a:solidFill>
+                                  <a:schemeClr val="bg1"/>
+                                </a:solidFill>
+                                <a:latin typeface="Cambria Math" panose="02040503050406030204" pitchFamily="18" charset="0"/>
+                              </a:rPr>
+                            </m:ctrlPr>
+                          </m:dPr>
+                          <m:e>
+                            <m:r>
+                              <a:rPr lang="en-GB" b="0" i="1" smtClean="0">
+                                <a:solidFill>
+                                  <a:srgbClr val="00B0F0"/>
+                                </a:solidFill>
+                                <a:latin typeface="Cambria Math" panose="02040503050406030204" pitchFamily="18" charset="0"/>
+                              </a:rPr>
+                              <m:t>𝑑𝑢𝑟𝑐h</m:t>
+                            </m:r>
+                            <m:r>
+                              <a:rPr lang="en-GB" b="0" i="1" smtClean="0">
+                                <a:solidFill>
+                                  <a:srgbClr val="00B0F0"/>
+                                </a:solidFill>
+                                <a:latin typeface="Cambria Math" panose="02040503050406030204" pitchFamily="18" charset="0"/>
+                              </a:rPr>
+                              <m:t>. </m:t>
+                            </m:r>
+                            <m:r>
+                              <a:rPr lang="en-GB" b="0" i="1" smtClean="0">
+                                <a:solidFill>
+                                  <a:srgbClr val="00B0F0"/>
+                                </a:solidFill>
+                                <a:latin typeface="Cambria Math" panose="02040503050406030204" pitchFamily="18" charset="0"/>
+                              </a:rPr>
+                              <m:t>𝐿𝑖𝑒𝑓𝑒𝑟𝑣𝑒𝑟𝑏𝑖𝑛𝑑𝑙𝑖𝑐h𝑘𝑒𝑖𝑡𝑒𝑛</m:t>
+                            </m:r>
+                          </m:e>
+                        </m:d>
+                        <m:r>
+                          <a:rPr lang="en-GB" b="0" i="1" smtClean="0">
+                            <a:solidFill>
+                              <a:schemeClr val="bg1"/>
+                            </a:solidFill>
+                            <a:latin typeface="Cambria Math" panose="02040503050406030204" pitchFamily="18" charset="0"/>
+                          </a:rPr>
+                          <m:t>/2)</m:t>
+                        </m:r>
+                      </m:den>
+                    </m:f>
+                    <m:r>
+                      <a:rPr lang="en-GB" b="0" i="1" smtClean="0">
+                        <a:solidFill>
+                          <a:schemeClr val="bg1"/>
+                        </a:solidFill>
+                        <a:latin typeface="Cambria Math" panose="02040503050406030204" pitchFamily="18" charset="0"/>
+                      </a:rPr>
+                      <m:t>=</m:t>
+                    </m:r>
+                  </m:oMath>
+                </a14:m>
+                <a:r>
+                  <a:rPr lang="de-AT" dirty="0">
+                    <a:solidFill>
+                      <a:schemeClr val="bg1"/>
+                    </a:solidFill>
+                  </a:rPr>
+                  <a:t> 6,8</a:t>
+                </a:r>
+              </a:p>
+            </p:txBody>
+          </p:sp>
+        </mc:Choice>
+        <mc:Fallback>
+          <p:sp>
+            <p:nvSpPr>
+              <p:cNvPr id="9" name="Textfeld 8">
+                <a:extLst>
+                  <a:ext uri="{FF2B5EF4-FFF2-40B4-BE49-F238E27FC236}">
+                    <a16:creationId xmlns:a16="http://schemas.microsoft.com/office/drawing/2014/main" id="{EF360295-499F-43E4-A102-A15914FEA941}"/>
+                  </a:ext>
+                </a:extLst>
+              </p:cNvPr>
+              <p:cNvSpPr txBox="1">
+                <a:spLocks noRot="1" noChangeAspect="1" noMove="1" noResize="1" noEditPoints="1" noAdjustHandles="1" noChangeArrowheads="1" noChangeShapeType="1" noTextEdit="1"/>
+              </p:cNvSpPr>
+              <p:nvPr/>
+            </p:nvSpPr>
+            <p:spPr>
+              <a:xfrm>
+                <a:off x="1274323" y="5379058"/>
+                <a:ext cx="4340414" cy="438646"/>
+              </a:xfrm>
+              <a:prstGeom prst="rect">
+                <a:avLst/>
+              </a:prstGeom>
+              <a:blipFill>
+                <a:blip r:embed="rId2"/>
+                <a:stretch>
+                  <a:fillRect t="-5556" b="-16667"/>
+                </a:stretch>
+              </a:blipFill>
+            </p:spPr>
+            <p:txBody>
+              <a:bodyPr/>
+              <a:lstStyle/>
+              <a:p>
+                <a:r>
+                  <a:rPr lang="de-AT">
+                    <a:noFill/>
+                  </a:rPr>
+                  <a:t> </a:t>
+                </a:r>
+              </a:p>
+            </p:txBody>
+          </p:sp>
+        </mc:Fallback>
+      </mc:AlternateContent>
+      <mc:AlternateContent xmlns:mc="http://schemas.openxmlformats.org/markup-compatibility/2006">
+        <mc:Choice xmlns:a14="http://schemas.microsoft.com/office/drawing/2010/main" Requires="a14">
+          <p:sp>
+            <p:nvSpPr>
+              <p:cNvPr id="10" name="Textfeld 9">
+                <a:extLst>
+                  <a:ext uri="{FF2B5EF4-FFF2-40B4-BE49-F238E27FC236}">
+                    <a16:creationId xmlns:a16="http://schemas.microsoft.com/office/drawing/2014/main" id="{CB48AFCB-C592-4786-BB44-A15A9140DD0D}"/>
+                  </a:ext>
+                </a:extLst>
+              </p:cNvPr>
+              <p:cNvSpPr txBox="1"/>
+              <p:nvPr/>
+            </p:nvSpPr>
+            <p:spPr>
+              <a:xfrm>
+                <a:off x="5815622" y="5379058"/>
+                <a:ext cx="4340414" cy="418320"/>
+              </a:xfrm>
+              <a:prstGeom prst="rect">
+                <a:avLst/>
+              </a:prstGeom>
+              <a:solidFill>
+                <a:schemeClr val="tx1"/>
+              </a:solidFill>
+            </p:spPr>
+            <p:txBody>
+              <a:bodyPr wrap="square" lIns="0" tIns="0" rIns="0" bIns="0" rtlCol="0">
+                <a:spAutoFit/>
+              </a:bodyPr>
+              <a:lstStyle/>
+              <a:p>
+                <a:pPr/>
+                <a14:m>
+                  <m:oMath xmlns:m="http://schemas.openxmlformats.org/officeDocument/2006/math">
+                    <m:f>
+                      <m:fPr>
+                        <m:ctrlPr>
+                          <a:rPr lang="en-US" i="1" smtClean="0">
+                            <a:solidFill>
+                              <a:schemeClr val="bg1"/>
+                            </a:solidFill>
+                            <a:latin typeface="Cambria Math" panose="02040503050406030204" pitchFamily="18" charset="0"/>
+                          </a:rPr>
+                        </m:ctrlPr>
+                      </m:fPr>
+                      <m:num>
+                        <m:r>
+                          <a:rPr lang="en-GB" b="0" i="1" smtClean="0">
+                            <a:solidFill>
+                              <a:schemeClr val="bg1"/>
+                            </a:solidFill>
+                            <a:latin typeface="Cambria Math" panose="02040503050406030204" pitchFamily="18" charset="0"/>
+                          </a:rPr>
+                          <m:t>365</m:t>
+                        </m:r>
+                      </m:num>
+                      <m:den>
+                        <m:r>
+                          <a:rPr lang="en-GB" b="0" i="1" smtClean="0">
+                            <a:solidFill>
+                              <a:schemeClr val="bg1"/>
+                            </a:solidFill>
+                            <a:latin typeface="Cambria Math" panose="02040503050406030204" pitchFamily="18" charset="0"/>
+                          </a:rPr>
+                          <m:t>511,9</m:t>
+                        </m:r>
+                      </m:den>
+                    </m:f>
+                    <m:r>
+                      <a:rPr lang="en-GB" b="0" i="1" smtClean="0">
+                        <a:solidFill>
+                          <a:schemeClr val="bg1"/>
+                        </a:solidFill>
+                        <a:latin typeface="Cambria Math" panose="02040503050406030204" pitchFamily="18" charset="0"/>
+                      </a:rPr>
+                      <m:t>=</m:t>
+                    </m:r>
+                    <m:r>
+                      <a:rPr lang="en-GB" b="0" i="1" smtClean="0">
+                        <a:solidFill>
+                          <a:schemeClr val="bg1"/>
+                        </a:solidFill>
+                        <a:latin typeface="Cambria Math" panose="02040503050406030204" pitchFamily="18" charset="0"/>
+                      </a:rPr>
+                      <m:t>54</m:t>
+                    </m:r>
+                  </m:oMath>
+                </a14:m>
+                <a:r>
+                  <a:rPr lang="de-AT" dirty="0">
+                    <a:solidFill>
+                      <a:schemeClr val="bg1"/>
+                    </a:solidFill>
+                  </a:rPr>
+                  <a:t> Tage</a:t>
+                </a:r>
+              </a:p>
+            </p:txBody>
+          </p:sp>
+        </mc:Choice>
+        <mc:Fallback>
+          <p:sp>
+            <p:nvSpPr>
+              <p:cNvPr id="10" name="Textfeld 9">
+                <a:extLst>
+                  <a:ext uri="{FF2B5EF4-FFF2-40B4-BE49-F238E27FC236}">
+                    <a16:creationId xmlns:a16="http://schemas.microsoft.com/office/drawing/2014/main" id="{CB48AFCB-C592-4786-BB44-A15A9140DD0D}"/>
+                  </a:ext>
+                </a:extLst>
+              </p:cNvPr>
+              <p:cNvSpPr txBox="1">
+                <a:spLocks noRot="1" noChangeAspect="1" noMove="1" noResize="1" noEditPoints="1" noAdjustHandles="1" noChangeArrowheads="1" noChangeShapeType="1" noTextEdit="1"/>
+              </p:cNvSpPr>
+              <p:nvPr/>
+            </p:nvSpPr>
+            <p:spPr>
+              <a:xfrm>
+                <a:off x="5815622" y="5379058"/>
+                <a:ext cx="4340414" cy="418320"/>
+              </a:xfrm>
+              <a:prstGeom prst="rect">
+                <a:avLst/>
+              </a:prstGeom>
+              <a:blipFill>
+                <a:blip r:embed="rId3"/>
+                <a:stretch>
+                  <a:fillRect l="-1404" t="-5797" b="-13043"/>
+                </a:stretch>
+              </a:blipFill>
+            </p:spPr>
+            <p:txBody>
+              <a:bodyPr/>
+              <a:lstStyle/>
+              <a:p>
+                <a:r>
+                  <a:rPr lang="de-AT">
+                    <a:noFill/>
+                  </a:rPr>
+                  <a:t> </a:t>
+                </a:r>
+              </a:p>
+            </p:txBody>
+          </p:sp>
+        </mc:Fallback>
+      </mc:AlternateContent>
+      <p:pic>
+        <p:nvPicPr>
+          <p:cNvPr id="11" name="Grafik 10">
+            <a:extLst>
+              <a:ext uri="{FF2B5EF4-FFF2-40B4-BE49-F238E27FC236}">
+                <a16:creationId xmlns:a16="http://schemas.microsoft.com/office/drawing/2014/main" id="{A55D4483-DA7C-4C70-BCE5-633CAAD9B532}"/>
+              </a:ext>
+            </a:extLst>
+          </p:cNvPr>
+          <p:cNvPicPr>
+            <a:picLocks noChangeAspect="1"/>
+          </p:cNvPicPr>
+          <p:nvPr/>
+        </p:nvPicPr>
+        <p:blipFill>
+          <a:blip r:embed="rId4"/>
+          <a:stretch>
+            <a:fillRect/>
+          </a:stretch>
+        </p:blipFill>
+        <p:spPr>
+          <a:xfrm>
+            <a:off x="1521412" y="-4258878"/>
+            <a:ext cx="7478209" cy="3352697"/>
+          </a:xfrm>
+          <a:prstGeom prst="rect">
+            <a:avLst/>
+          </a:prstGeom>
+        </p:spPr>
+      </p:pic>
+      <p:pic>
+        <p:nvPicPr>
+          <p:cNvPr id="12" name="Grafik 11">
+            <a:extLst>
+              <a:ext uri="{FF2B5EF4-FFF2-40B4-BE49-F238E27FC236}">
+                <a16:creationId xmlns:a16="http://schemas.microsoft.com/office/drawing/2014/main" id="{D7488386-5B0E-4C3D-9C63-19A72D6DC3A5}"/>
+              </a:ext>
+            </a:extLst>
+          </p:cNvPr>
+          <p:cNvPicPr>
+            <a:picLocks noChangeAspect="1"/>
+          </p:cNvPicPr>
+          <p:nvPr/>
+        </p:nvPicPr>
+        <p:blipFill>
+          <a:blip r:embed="rId5"/>
+          <a:stretch>
+            <a:fillRect/>
+          </a:stretch>
+        </p:blipFill>
+        <p:spPr>
+          <a:xfrm>
+            <a:off x="1274323" y="1795124"/>
+            <a:ext cx="7451833" cy="3340872"/>
+          </a:xfrm>
+          <a:prstGeom prst="rect">
+            <a:avLst/>
+          </a:prstGeom>
+        </p:spPr>
+      </p:pic>
     </p:spTree>
     <p:extLst>
       <p:ext uri="{BB962C8B-B14F-4D97-AF65-F5344CB8AC3E}">
@@ -18749,15 +20307,6 @@
 </file>
 
 <file path=customXml/item1.xml><?xml version="1.0" encoding="utf-8"?>
-<?mso-contentType ?>
-<FormTemplates xmlns="http://schemas.microsoft.com/sharepoint/v3/contenttype/forms">
-  <Display>DocumentLibraryForm</Display>
-  <Edit>DocumentLibraryForm</Edit>
-  <New>DocumentLibraryForm</New>
-</FormTemplates>
-</file>
-
-<file path=customXml/item2.xml><?xml version="1.0" encoding="utf-8"?>
 <ct:contentTypeSchema xmlns:ct="http://schemas.microsoft.com/office/2006/metadata/contentType" xmlns:ma="http://schemas.microsoft.com/office/2006/metadata/properties/metaAttributes" ct:_="" ma:_="" ma:contentTypeName="Document" ma:contentTypeID="0x01010079F111ED35F8CC479449609E8A0923A6" ma:contentTypeVersion="12" ma:contentTypeDescription="Create a new document." ma:contentTypeScope="" ma:versionID="b385d60f68dd989dca1fdc827799d853">
   <xsd:schema xmlns:xsd="http://www.w3.org/2001/XMLSchema" xmlns:xs="http://www.w3.org/2001/XMLSchema" xmlns:p="http://schemas.microsoft.com/office/2006/metadata/properties" xmlns:ns2="71af3243-3dd4-4a8d-8c0d-dd76da1f02a5" xmlns:ns3="16c05727-aa75-4e4a-9b5f-8a80a1165891" targetNamespace="http://schemas.microsoft.com/office/2006/metadata/properties" ma:root="true" ma:fieldsID="1911b479caf7b199da365455750e4572" ns2:_="" ns3:_="">
     <xsd:import namespace="71af3243-3dd4-4a8d-8c0d-dd76da1f02a5"/>
@@ -18978,6 +20527,15 @@
 </ct:contentTypeSchema>
 </file>
 
+<file path=customXml/item2.xml><?xml version="1.0" encoding="utf-8"?>
+<?mso-contentType ?>
+<FormTemplates xmlns="http://schemas.microsoft.com/sharepoint/v3/contenttype/forms">
+  <Display>DocumentLibraryForm</Display>
+  <Edit>DocumentLibraryForm</Edit>
+  <New>DocumentLibraryForm</New>
+</FormTemplates>
+</file>
+
 <file path=customXml/item3.xml><?xml version="1.0" encoding="utf-8"?>
 <p:properties xmlns:p="http://schemas.microsoft.com/office/2006/metadata/properties" xmlns:xsi="http://www.w3.org/2001/XMLSchema-instance" xmlns:pc="http://schemas.microsoft.com/office/infopath/2007/PartnerControls">
   <documentManagement>
@@ -18988,14 +20546,6 @@
 </file>
 
 <file path=customXml/itemProps1.xml><?xml version="1.0" encoding="utf-8"?>
-<ds:datastoreItem xmlns:ds="http://schemas.openxmlformats.org/officeDocument/2006/customXml" ds:itemID="{E7235C91-959C-45D9-B60A-005B894ACEE3}">
-  <ds:schemaRefs>
-    <ds:schemaRef ds:uri="http://schemas.microsoft.com/sharepoint/v3/contenttype/forms"/>
-  </ds:schemaRefs>
-</ds:datastoreItem>
-</file>
-
-<file path=customXml/itemProps2.xml><?xml version="1.0" encoding="utf-8"?>
 <ds:datastoreItem xmlns:ds="http://schemas.openxmlformats.org/officeDocument/2006/customXml" ds:itemID="{1EF06AFC-006B-4BB6-8B59-5A9E1B0534F1}">
   <ds:schemaRefs>
     <ds:schemaRef ds:uri="http://schemas.microsoft.com/office/2006/metadata/contentType"/>
@@ -19010,6 +20560,14 @@
     <ds:schemaRef ds:uri="http://purl.org/dc/elements/1.1/"/>
     <ds:schemaRef ds:uri="http://purl.org/dc/terms/"/>
     <ds:schemaRef ds:uri="http://schemas.microsoft.com/internal/obd"/>
+  </ds:schemaRefs>
+</ds:datastoreItem>
+</file>
+
+<file path=customXml/itemProps2.xml><?xml version="1.0" encoding="utf-8"?>
+<ds:datastoreItem xmlns:ds="http://schemas.openxmlformats.org/officeDocument/2006/customXml" ds:itemID="{E7235C91-959C-45D9-B60A-005B894ACEE3}">
+  <ds:schemaRefs>
+    <ds:schemaRef ds:uri="http://schemas.microsoft.com/sharepoint/v3/contenttype/forms"/>
   </ds:schemaRefs>
 </ds:datastoreItem>
 </file>
